--- a/es6.pptx
+++ b/es6.pptx
@@ -1,28 +1,31 @@
 
 <file path=ppt/presentation.xml><?xml version="1.0" encoding="utf-8"?>
-<p:presentation xmlns:a="http://schemas.openxmlformats.org/drawingml/2006/main" xmlns:r="http://schemas.openxmlformats.org/officeDocument/2006/relationships" xmlns:p="http://schemas.openxmlformats.org/presentationml/2006/main" saveSubsetFonts="1">
+<p:presentation xmlns:a="http://schemas.openxmlformats.org/drawingml/2006/main" xmlns:r="http://schemas.openxmlformats.org/officeDocument/2006/relationships" xmlns:p="http://schemas.openxmlformats.org/presentationml/2006/main">
   <p:sldMasterIdLst>
     <p:sldMasterId id="2147483648" r:id="rId1"/>
   </p:sldMasterIdLst>
   <p:notesMasterIdLst>
-    <p:notesMasterId r:id="rId14"/>
+    <p:notesMasterId r:id="rId5"/>
   </p:notesMasterIdLst>
   <p:handoutMasterIdLst>
-    <p:handoutMasterId r:id="rId15"/>
+    <p:handoutMasterId r:id="rId19"/>
   </p:handoutMasterIdLst>
   <p:sldIdLst>
-    <p:sldId id="256" r:id="rId2"/>
-    <p:sldId id="342" r:id="rId3"/>
-    <p:sldId id="343" r:id="rId4"/>
-    <p:sldId id="354" r:id="rId5"/>
-    <p:sldId id="346" r:id="rId6"/>
-    <p:sldId id="347" r:id="rId7"/>
-    <p:sldId id="348" r:id="rId8"/>
-    <p:sldId id="349" r:id="rId9"/>
-    <p:sldId id="350" r:id="rId10"/>
-    <p:sldId id="351" r:id="rId11"/>
-    <p:sldId id="352" r:id="rId12"/>
-    <p:sldId id="353" r:id="rId13"/>
+    <p:sldId id="256" r:id="rId3"/>
+    <p:sldId id="342" r:id="rId4"/>
+    <p:sldId id="343" r:id="rId6"/>
+    <p:sldId id="346" r:id="rId7"/>
+    <p:sldId id="363" r:id="rId8"/>
+    <p:sldId id="347" r:id="rId9"/>
+    <p:sldId id="348" r:id="rId10"/>
+    <p:sldId id="349" r:id="rId11"/>
+    <p:sldId id="350" r:id="rId12"/>
+    <p:sldId id="351" r:id="rId13"/>
+    <p:sldId id="352" r:id="rId14"/>
+    <p:sldId id="365" r:id="rId15"/>
+    <p:sldId id="364" r:id="rId16"/>
+    <p:sldId id="366" r:id="rId17"/>
+    <p:sldId id="353" r:id="rId18"/>
   </p:sldIdLst>
   <p:sldSz cx="9144000" cy="6858000" type="screen4x3"/>
   <p:notesSz cx="6858000" cy="9144000"/>
@@ -121,22 +124,6 @@
       </a:defRPr>
     </a:lvl9pPr>
   </p:defaultTextStyle>
-  <p:extLst>
-    <p:ext uri="{EFAFB233-063F-42B5-8137-9DF3F51BA10A}">
-      <p15:sldGuideLst xmlns:p15="http://schemas.microsoft.com/office/powerpoint/2012/main" xmlns="">
-        <p15:guide id="1" orient="horz" pos="2160">
-          <p15:clr>
-            <a:srgbClr val="A4A3A4"/>
-          </p15:clr>
-        </p15:guide>
-        <p15:guide id="2" pos="2880">
-          <p15:clr>
-            <a:srgbClr val="A4A3A4"/>
-          </p15:clr>
-        </p15:guide>
-      </p15:sldGuideLst>
-    </p:ext>
-  </p:extLst>
 </p:presentation>
 </file>
 
@@ -222,8 +209,6 @@
           <a:p>
             <a:fld id="{2B471368-A268-4F46-9D8F-43FF13D74201}" type="datetimeFigureOut">
               <a:rPr lang="zh-CN" altLang="en-US" smtClean="0"/>
-              <a:pPr/>
-              <a:t>2018/5/9</a:t>
             </a:fld>
             <a:endParaRPr lang="zh-CN" altLang="en-US"/>
           </a:p>
@@ -289,19 +274,12 @@
           <a:p>
             <a:fld id="{2455E5EF-3FC4-4151-AE4E-090C95274B57}" type="slidenum">
               <a:rPr lang="zh-CN" altLang="en-US" smtClean="0"/>
-              <a:pPr/>
-              <a:t>‹#›</a:t>
             </a:fld>
             <a:endParaRPr lang="zh-CN" altLang="en-US"/>
           </a:p>
         </p:txBody>
       </p:sp>
     </p:spTree>
-    <p:extLst>
-      <p:ext uri="{BB962C8B-B14F-4D97-AF65-F5344CB8AC3E}">
-        <p14:creationId xmlns:p14="http://schemas.microsoft.com/office/powerpoint/2010/main" xmlns="" val="2673153960"/>
-      </p:ext>
-    </p:extLst>
   </p:cSld>
   <p:clrMap bg1="lt1" tx1="dk1" bg2="lt2" tx2="dk2" accent1="accent1" accent2="accent2" accent3="accent3" accent4="accent4" accent5="accent5" accent6="accent6" hlink="hlink" folHlink="folHlink"/>
   <p:hf hdr="0" ftr="0" dt="0"/>
@@ -390,8 +368,6 @@
           <a:p>
             <a:fld id="{BC787B11-B30B-454B-BAC2-C5C8A2AD0F0E}" type="datetimeFigureOut">
               <a:rPr lang="zh-CN" altLang="en-US" smtClean="0"/>
-              <a:pPr/>
-              <a:t>2018/5/9</a:t>
             </a:fld>
             <a:endParaRPr lang="zh-CN" altLang="en-US"/>
           </a:p>
@@ -460,6 +436,7 @@
               <a:rPr lang="zh-CN" altLang="en-US" smtClean="0"/>
               <a:t>单击此处编辑母版文本样式</a:t>
             </a:r>
+            <a:endParaRPr lang="zh-CN" altLang="en-US" smtClean="0"/>
           </a:p>
           <a:p>
             <a:pPr lvl="1"/>
@@ -467,6 +444,7 @@
               <a:rPr lang="zh-CN" altLang="en-US" smtClean="0"/>
               <a:t>第二级</a:t>
             </a:r>
+            <a:endParaRPr lang="zh-CN" altLang="en-US" smtClean="0"/>
           </a:p>
           <a:p>
             <a:pPr lvl="2"/>
@@ -474,6 +452,7 @@
               <a:rPr lang="zh-CN" altLang="en-US" smtClean="0"/>
               <a:t>第三级</a:t>
             </a:r>
+            <a:endParaRPr lang="zh-CN" altLang="en-US" smtClean="0"/>
           </a:p>
           <a:p>
             <a:pPr lvl="3"/>
@@ -481,6 +460,7 @@
               <a:rPr lang="zh-CN" altLang="en-US" smtClean="0"/>
               <a:t>第四级</a:t>
             </a:r>
+            <a:endParaRPr lang="zh-CN" altLang="en-US" smtClean="0"/>
           </a:p>
           <a:p>
             <a:pPr lvl="4"/>
@@ -552,19 +532,12 @@
           <a:p>
             <a:fld id="{2092F04E-6042-45DC-BBEC-10C44BABB3C2}" type="slidenum">
               <a:rPr lang="zh-CN" altLang="en-US" smtClean="0"/>
-              <a:pPr/>
-              <a:t>‹#›</a:t>
             </a:fld>
             <a:endParaRPr lang="zh-CN" altLang="en-US"/>
           </a:p>
         </p:txBody>
       </p:sp>
     </p:spTree>
-    <p:extLst>
-      <p:ext uri="{BB962C8B-B14F-4D97-AF65-F5344CB8AC3E}">
-        <p14:creationId xmlns:p14="http://schemas.microsoft.com/office/powerpoint/2010/main" xmlns="" val="2972533998"/>
-      </p:ext>
-    </p:extLst>
   </p:cSld>
   <p:clrMap bg1="lt1" tx1="dk1" bg2="lt2" tx2="dk2" accent1="accent1" accent2="accent2" accent3="accent3" accent4="accent4" accent5="accent5" accent6="accent6" hlink="hlink" folHlink="folHlink"/>
   <p:hf hdr="0" ftr="0" dt="0"/>
@@ -730,19 +703,12 @@
           <a:p>
             <a:fld id="{2092F04E-6042-45DC-BBEC-10C44BABB3C2}" type="slidenum">
               <a:rPr lang="zh-CN" altLang="en-US" smtClean="0"/>
-              <a:pPr/>
-              <a:t>2</a:t>
             </a:fld>
             <a:endParaRPr lang="zh-CN" altLang="en-US"/>
           </a:p>
         </p:txBody>
       </p:sp>
     </p:spTree>
-    <p:extLst>
-      <p:ext uri="{BB962C8B-B14F-4D97-AF65-F5344CB8AC3E}">
-        <p14:creationId xmlns:p14="http://schemas.microsoft.com/office/powerpoint/2010/main" xmlns="" val="4123881139"/>
-      </p:ext>
-    </p:extLst>
   </p:cSld>
   <p:clrMapOvr>
     <a:masterClrMapping/>
@@ -817,8 +783,246 @@
           <a:p>
             <a:fld id="{2092F04E-6042-45DC-BBEC-10C44BABB3C2}" type="slidenum">
               <a:rPr lang="zh-CN" altLang="en-US" smtClean="0"/>
-              <a:pPr/>
-              <a:t>11</a:t>
+            </a:fld>
+            <a:endParaRPr lang="zh-CN" altLang="en-US"/>
+          </a:p>
+        </p:txBody>
+      </p:sp>
+    </p:spTree>
+  </p:cSld>
+  <p:clrMapOvr>
+    <a:masterClrMapping/>
+  </p:clrMapOvr>
+</p:notes>
+</file>
+
+<file path=ppt/notesSlides/notesSlide11.xml><?xml version="1.0" encoding="utf-8"?>
+<p:notes xmlns:a="http://schemas.openxmlformats.org/drawingml/2006/main" xmlns:r="http://schemas.openxmlformats.org/officeDocument/2006/relationships" xmlns:p="http://schemas.openxmlformats.org/presentationml/2006/main">
+  <p:cSld>
+    <p:spTree>
+      <p:nvGrpSpPr>
+        <p:cNvPr id="1" name=""/>
+        <p:cNvGrpSpPr/>
+        <p:nvPr/>
+      </p:nvGrpSpPr>
+      <p:grpSpPr>
+        <a:xfrm>
+          <a:off x="0" y="0"/>
+          <a:ext cx="0" cy="0"/>
+          <a:chOff x="0" y="0"/>
+          <a:chExt cx="0" cy="0"/>
+        </a:xfrm>
+      </p:grpSpPr>
+      <p:sp>
+        <p:nvSpPr>
+          <p:cNvPr id="2" name="幻灯片图像占位符 1"/>
+          <p:cNvSpPr>
+            <a:spLocks noGrp="1" noRot="1" noChangeAspect="1"/>
+          </p:cNvSpPr>
+          <p:nvPr>
+            <p:ph type="sldImg"/>
+          </p:nvPr>
+        </p:nvSpPr>
+        <p:spPr/>
+      </p:sp>
+      <p:sp>
+        <p:nvSpPr>
+          <p:cNvPr id="3" name="备注占位符 2"/>
+          <p:cNvSpPr>
+            <a:spLocks noGrp="1"/>
+          </p:cNvSpPr>
+          <p:nvPr>
+            <p:ph type="body" idx="1"/>
+          </p:nvPr>
+        </p:nvSpPr>
+        <p:spPr/>
+        <p:txBody>
+          <a:bodyPr>
+            <a:normAutofit/>
+          </a:bodyPr>
+          <a:lstStyle/>
+          <a:p>
+            <a:endParaRPr lang="zh-CN" altLang="en-US" dirty="0"/>
+          </a:p>
+        </p:txBody>
+      </p:sp>
+      <p:sp>
+        <p:nvSpPr>
+          <p:cNvPr id="4" name="灯片编号占位符 3"/>
+          <p:cNvSpPr>
+            <a:spLocks noGrp="1"/>
+          </p:cNvSpPr>
+          <p:nvPr>
+            <p:ph type="sldNum" sz="quarter" idx="10"/>
+          </p:nvPr>
+        </p:nvSpPr>
+        <p:spPr/>
+        <p:txBody>
+          <a:bodyPr/>
+          <a:lstStyle/>
+          <a:p>
+            <a:fld id="{2092F04E-6042-45DC-BBEC-10C44BABB3C2}" type="slidenum">
+              <a:rPr lang="zh-CN" altLang="en-US" smtClean="0"/>
+            </a:fld>
+            <a:endParaRPr lang="zh-CN" altLang="en-US"/>
+          </a:p>
+        </p:txBody>
+      </p:sp>
+    </p:spTree>
+  </p:cSld>
+  <p:clrMapOvr>
+    <a:masterClrMapping/>
+  </p:clrMapOvr>
+</p:notes>
+</file>
+
+<file path=ppt/notesSlides/notesSlide12.xml><?xml version="1.0" encoding="utf-8"?>
+<p:notes xmlns:a="http://schemas.openxmlformats.org/drawingml/2006/main" xmlns:r="http://schemas.openxmlformats.org/officeDocument/2006/relationships" xmlns:p="http://schemas.openxmlformats.org/presentationml/2006/main">
+  <p:cSld>
+    <p:spTree>
+      <p:nvGrpSpPr>
+        <p:cNvPr id="1" name=""/>
+        <p:cNvGrpSpPr/>
+        <p:nvPr/>
+      </p:nvGrpSpPr>
+      <p:grpSpPr>
+        <a:xfrm>
+          <a:off x="0" y="0"/>
+          <a:ext cx="0" cy="0"/>
+          <a:chOff x="0" y="0"/>
+          <a:chExt cx="0" cy="0"/>
+        </a:xfrm>
+      </p:grpSpPr>
+      <p:sp>
+        <p:nvSpPr>
+          <p:cNvPr id="2" name="幻灯片图像占位符 1"/>
+          <p:cNvSpPr>
+            <a:spLocks noGrp="1" noRot="1" noChangeAspect="1"/>
+          </p:cNvSpPr>
+          <p:nvPr>
+            <p:ph type="sldImg"/>
+          </p:nvPr>
+        </p:nvSpPr>
+        <p:spPr/>
+      </p:sp>
+      <p:sp>
+        <p:nvSpPr>
+          <p:cNvPr id="3" name="备注占位符 2"/>
+          <p:cNvSpPr>
+            <a:spLocks noGrp="1"/>
+          </p:cNvSpPr>
+          <p:nvPr>
+            <p:ph type="body" idx="1"/>
+          </p:nvPr>
+        </p:nvSpPr>
+        <p:spPr/>
+        <p:txBody>
+          <a:bodyPr>
+            <a:normAutofit/>
+          </a:bodyPr>
+          <a:lstStyle/>
+          <a:p>
+            <a:endParaRPr lang="zh-CN" altLang="en-US" dirty="0"/>
+          </a:p>
+        </p:txBody>
+      </p:sp>
+      <p:sp>
+        <p:nvSpPr>
+          <p:cNvPr id="4" name="灯片编号占位符 3"/>
+          <p:cNvSpPr>
+            <a:spLocks noGrp="1"/>
+          </p:cNvSpPr>
+          <p:nvPr>
+            <p:ph type="sldNum" sz="quarter" idx="10"/>
+          </p:nvPr>
+        </p:nvSpPr>
+        <p:spPr/>
+        <p:txBody>
+          <a:bodyPr/>
+          <a:lstStyle/>
+          <a:p>
+            <a:fld id="{2092F04E-6042-45DC-BBEC-10C44BABB3C2}" type="slidenum">
+              <a:rPr lang="zh-CN" altLang="en-US" smtClean="0"/>
+            </a:fld>
+            <a:endParaRPr lang="zh-CN" altLang="en-US"/>
+          </a:p>
+        </p:txBody>
+      </p:sp>
+    </p:spTree>
+  </p:cSld>
+  <p:clrMapOvr>
+    <a:masterClrMapping/>
+  </p:clrMapOvr>
+</p:notes>
+</file>
+
+<file path=ppt/notesSlides/notesSlide13.xml><?xml version="1.0" encoding="utf-8"?>
+<p:notes xmlns:a="http://schemas.openxmlformats.org/drawingml/2006/main" xmlns:r="http://schemas.openxmlformats.org/officeDocument/2006/relationships" xmlns:p="http://schemas.openxmlformats.org/presentationml/2006/main">
+  <p:cSld>
+    <p:spTree>
+      <p:nvGrpSpPr>
+        <p:cNvPr id="1" name=""/>
+        <p:cNvGrpSpPr/>
+        <p:nvPr/>
+      </p:nvGrpSpPr>
+      <p:grpSpPr>
+        <a:xfrm>
+          <a:off x="0" y="0"/>
+          <a:ext cx="0" cy="0"/>
+          <a:chOff x="0" y="0"/>
+          <a:chExt cx="0" cy="0"/>
+        </a:xfrm>
+      </p:grpSpPr>
+      <p:sp>
+        <p:nvSpPr>
+          <p:cNvPr id="2" name="幻灯片图像占位符 1"/>
+          <p:cNvSpPr>
+            <a:spLocks noGrp="1" noRot="1" noChangeAspect="1"/>
+          </p:cNvSpPr>
+          <p:nvPr>
+            <p:ph type="sldImg"/>
+          </p:nvPr>
+        </p:nvSpPr>
+        <p:spPr/>
+      </p:sp>
+      <p:sp>
+        <p:nvSpPr>
+          <p:cNvPr id="3" name="备注占位符 2"/>
+          <p:cNvSpPr>
+            <a:spLocks noGrp="1"/>
+          </p:cNvSpPr>
+          <p:nvPr>
+            <p:ph type="body" idx="1"/>
+          </p:nvPr>
+        </p:nvSpPr>
+        <p:spPr/>
+        <p:txBody>
+          <a:bodyPr>
+            <a:normAutofit/>
+          </a:bodyPr>
+          <a:lstStyle/>
+          <a:p>
+            <a:endParaRPr lang="zh-CN" altLang="en-US" dirty="0"/>
+          </a:p>
+        </p:txBody>
+      </p:sp>
+      <p:sp>
+        <p:nvSpPr>
+          <p:cNvPr id="4" name="灯片编号占位符 3"/>
+          <p:cNvSpPr>
+            <a:spLocks noGrp="1"/>
+          </p:cNvSpPr>
+          <p:nvPr>
+            <p:ph type="sldNum" sz="quarter" idx="10"/>
+          </p:nvPr>
+        </p:nvSpPr>
+        <p:spPr/>
+        <p:txBody>
+          <a:bodyPr/>
+          <a:lstStyle/>
+          <a:p>
+            <a:fld id="{2092F04E-6042-45DC-BBEC-10C44BABB3C2}" type="slidenum">
+              <a:rPr lang="zh-CN" altLang="en-US" smtClean="0"/>
             </a:fld>
             <a:endParaRPr lang="zh-CN" altLang="en-US"/>
           </a:p>
@@ -899,8 +1103,6 @@
           <a:p>
             <a:fld id="{2092F04E-6042-45DC-BBEC-10C44BABB3C2}" type="slidenum">
               <a:rPr lang="zh-CN" altLang="en-US" smtClean="0"/>
-              <a:pPr/>
-              <a:t>3</a:t>
             </a:fld>
             <a:endParaRPr lang="zh-CN" altLang="en-US"/>
           </a:p>
@@ -981,8 +1183,6 @@
           <a:p>
             <a:fld id="{2092F04E-6042-45DC-BBEC-10C44BABB3C2}" type="slidenum">
               <a:rPr lang="zh-CN" altLang="en-US" smtClean="0"/>
-              <a:pPr/>
-              <a:t>4</a:t>
             </a:fld>
             <a:endParaRPr lang="zh-CN" altLang="en-US"/>
           </a:p>
@@ -1063,8 +1263,6 @@
           <a:p>
             <a:fld id="{2092F04E-6042-45DC-BBEC-10C44BABB3C2}" type="slidenum">
               <a:rPr lang="zh-CN" altLang="en-US" smtClean="0"/>
-              <a:pPr/>
-              <a:t>5</a:t>
             </a:fld>
             <a:endParaRPr lang="zh-CN" altLang="en-US"/>
           </a:p>
@@ -1145,8 +1343,6 @@
           <a:p>
             <a:fld id="{2092F04E-6042-45DC-BBEC-10C44BABB3C2}" type="slidenum">
               <a:rPr lang="zh-CN" altLang="en-US" smtClean="0"/>
-              <a:pPr/>
-              <a:t>6</a:t>
             </a:fld>
             <a:endParaRPr lang="zh-CN" altLang="en-US"/>
           </a:p>
@@ -1227,8 +1423,6 @@
           <a:p>
             <a:fld id="{2092F04E-6042-45DC-BBEC-10C44BABB3C2}" type="slidenum">
               <a:rPr lang="zh-CN" altLang="en-US" smtClean="0"/>
-              <a:pPr/>
-              <a:t>7</a:t>
             </a:fld>
             <a:endParaRPr lang="zh-CN" altLang="en-US"/>
           </a:p>
@@ -1309,8 +1503,6 @@
           <a:p>
             <a:fld id="{2092F04E-6042-45DC-BBEC-10C44BABB3C2}" type="slidenum">
               <a:rPr lang="zh-CN" altLang="en-US" smtClean="0"/>
-              <a:pPr/>
-              <a:t>8</a:t>
             </a:fld>
             <a:endParaRPr lang="zh-CN" altLang="en-US"/>
           </a:p>
@@ -1391,8 +1583,6 @@
           <a:p>
             <a:fld id="{2092F04E-6042-45DC-BBEC-10C44BABB3C2}" type="slidenum">
               <a:rPr lang="zh-CN" altLang="en-US" smtClean="0"/>
-              <a:pPr/>
-              <a:t>9</a:t>
             </a:fld>
             <a:endParaRPr lang="zh-CN" altLang="en-US"/>
           </a:p>
@@ -1473,8 +1663,6 @@
           <a:p>
             <a:fld id="{2092F04E-6042-45DC-BBEC-10C44BABB3C2}" type="slidenum">
               <a:rPr lang="zh-CN" altLang="en-US" smtClean="0"/>
-              <a:pPr/>
-              <a:t>10</a:t>
             </a:fld>
             <a:endParaRPr lang="zh-CN" altLang="en-US"/>
           </a:p>
@@ -1669,8 +1857,6 @@
           <a:p>
             <a:fld id="{6B305A6F-67B0-4A05-BF4F-ED5D91920B6E}" type="datetime1">
               <a:rPr lang="zh-CN" altLang="en-US" smtClean="0"/>
-              <a:pPr/>
-              <a:t>2018/5/9</a:t>
             </a:fld>
             <a:endParaRPr lang="zh-CN" altLang="en-US"/>
           </a:p>
@@ -1716,8 +1902,6 @@
           <a:p>
             <a:fld id="{F27E8493-5078-47B7-9DFF-F75323757EA1}" type="slidenum">
               <a:rPr lang="zh-CN" altLang="en-US" smtClean="0"/>
-              <a:pPr/>
-              <a:t>‹#›</a:t>
             </a:fld>
             <a:endParaRPr lang="zh-CN" altLang="en-US"/>
           </a:p>
@@ -1747,8 +1931,6 @@
           <a:p>
             <a:fld id="{1EA49882-CD4F-4632-B256-A56120B6E7DC}" type="slidenum">
               <a:rPr lang="en-US" altLang="zh-CN" smtClean="0"/>
-              <a:pPr/>
-              <a:t>‹#›</a:t>
             </a:fld>
             <a:endParaRPr lang="zh-CN" altLang="en-US" dirty="0"/>
           </a:p>
@@ -1822,6 +2004,7 @@
               <a:rPr lang="zh-CN" altLang="en-US" smtClean="0"/>
               <a:t>单击此处编辑母版文本样式</a:t>
             </a:r>
+            <a:endParaRPr lang="zh-CN" altLang="en-US" smtClean="0"/>
           </a:p>
           <a:p>
             <a:pPr lvl="1"/>
@@ -1829,6 +2012,7 @@
               <a:rPr lang="zh-CN" altLang="en-US" smtClean="0"/>
               <a:t>第二级</a:t>
             </a:r>
+            <a:endParaRPr lang="zh-CN" altLang="en-US" smtClean="0"/>
           </a:p>
           <a:p>
             <a:pPr lvl="2"/>
@@ -1836,6 +2020,7 @@
               <a:rPr lang="zh-CN" altLang="en-US" smtClean="0"/>
               <a:t>第三级</a:t>
             </a:r>
+            <a:endParaRPr lang="zh-CN" altLang="en-US" smtClean="0"/>
           </a:p>
           <a:p>
             <a:pPr lvl="3"/>
@@ -1843,6 +2028,7 @@
               <a:rPr lang="zh-CN" altLang="en-US" smtClean="0"/>
               <a:t>第四级</a:t>
             </a:r>
+            <a:endParaRPr lang="zh-CN" altLang="en-US" smtClean="0"/>
           </a:p>
           <a:p>
             <a:pPr lvl="4"/>
@@ -1871,8 +2057,6 @@
           <a:p>
             <a:fld id="{0C49D4BC-8F85-4CAA-92A1-C35C78AB1C7A}" type="datetime1">
               <a:rPr lang="zh-CN" altLang="en-US" smtClean="0"/>
-              <a:pPr/>
-              <a:t>2018/5/9</a:t>
             </a:fld>
             <a:endParaRPr lang="zh-CN" altLang="en-US"/>
           </a:p>
@@ -1918,8 +2102,6 @@
           <a:p>
             <a:fld id="{F27E8493-5078-47B7-9DFF-F75323757EA1}" type="slidenum">
               <a:rPr lang="zh-CN" altLang="en-US" smtClean="0"/>
-              <a:pPr/>
-              <a:t>‹#›</a:t>
             </a:fld>
             <a:endParaRPr lang="zh-CN" altLang="en-US"/>
           </a:p>
@@ -2003,6 +2185,7 @@
               <a:rPr lang="zh-CN" altLang="en-US" smtClean="0"/>
               <a:t>单击此处编辑母版文本样式</a:t>
             </a:r>
+            <a:endParaRPr lang="zh-CN" altLang="en-US" smtClean="0"/>
           </a:p>
           <a:p>
             <a:pPr lvl="1"/>
@@ -2010,6 +2193,7 @@
               <a:rPr lang="zh-CN" altLang="en-US" smtClean="0"/>
               <a:t>第二级</a:t>
             </a:r>
+            <a:endParaRPr lang="zh-CN" altLang="en-US" smtClean="0"/>
           </a:p>
           <a:p>
             <a:pPr lvl="2"/>
@@ -2017,6 +2201,7 @@
               <a:rPr lang="zh-CN" altLang="en-US" smtClean="0"/>
               <a:t>第三级</a:t>
             </a:r>
+            <a:endParaRPr lang="zh-CN" altLang="en-US" smtClean="0"/>
           </a:p>
           <a:p>
             <a:pPr lvl="3"/>
@@ -2024,6 +2209,7 @@
               <a:rPr lang="zh-CN" altLang="en-US" smtClean="0"/>
               <a:t>第四级</a:t>
             </a:r>
+            <a:endParaRPr lang="zh-CN" altLang="en-US" smtClean="0"/>
           </a:p>
           <a:p>
             <a:pPr lvl="4"/>
@@ -2052,8 +2238,6 @@
           <a:p>
             <a:fld id="{1BE52367-AB01-40F0-B52E-280B2A4D42AC}" type="datetime1">
               <a:rPr lang="zh-CN" altLang="en-US" smtClean="0"/>
-              <a:pPr/>
-              <a:t>2018/5/9</a:t>
             </a:fld>
             <a:endParaRPr lang="zh-CN" altLang="en-US"/>
           </a:p>
@@ -2099,8 +2283,6 @@
           <a:p>
             <a:fld id="{F27E8493-5078-47B7-9DFF-F75323757EA1}" type="slidenum">
               <a:rPr lang="zh-CN" altLang="en-US" smtClean="0"/>
-              <a:pPr/>
-              <a:t>‹#›</a:t>
             </a:fld>
             <a:endParaRPr lang="zh-CN" altLang="en-US"/>
           </a:p>
@@ -2174,6 +2356,7 @@
               <a:rPr lang="zh-CN" altLang="en-US" smtClean="0"/>
               <a:t>单击此处编辑母版文本样式</a:t>
             </a:r>
+            <a:endParaRPr lang="zh-CN" altLang="en-US" smtClean="0"/>
           </a:p>
           <a:p>
             <a:pPr lvl="1"/>
@@ -2181,6 +2364,7 @@
               <a:rPr lang="zh-CN" altLang="en-US" smtClean="0"/>
               <a:t>第二级</a:t>
             </a:r>
+            <a:endParaRPr lang="zh-CN" altLang="en-US" smtClean="0"/>
           </a:p>
           <a:p>
             <a:pPr lvl="2"/>
@@ -2188,6 +2372,7 @@
               <a:rPr lang="zh-CN" altLang="en-US" smtClean="0"/>
               <a:t>第三级</a:t>
             </a:r>
+            <a:endParaRPr lang="zh-CN" altLang="en-US" smtClean="0"/>
           </a:p>
           <a:p>
             <a:pPr lvl="3"/>
@@ -2195,6 +2380,7 @@
               <a:rPr lang="zh-CN" altLang="en-US" smtClean="0"/>
               <a:t>第四级</a:t>
             </a:r>
+            <a:endParaRPr lang="zh-CN" altLang="en-US" smtClean="0"/>
           </a:p>
           <a:p>
             <a:pPr lvl="4"/>
@@ -2223,8 +2409,6 @@
           <a:p>
             <a:fld id="{BB973D66-70C0-4762-879F-0E45A516B41B}" type="datetime1">
               <a:rPr lang="zh-CN" altLang="en-US" smtClean="0"/>
-              <a:pPr/>
-              <a:t>2018/5/9</a:t>
             </a:fld>
             <a:endParaRPr lang="zh-CN" altLang="en-US"/>
           </a:p>
@@ -2270,8 +2454,6 @@
           <a:p>
             <a:fld id="{F27E8493-5078-47B7-9DFF-F75323757EA1}" type="slidenum">
               <a:rPr lang="zh-CN" altLang="en-US" smtClean="0"/>
-              <a:pPr/>
-              <a:t>‹#›</a:t>
             </a:fld>
             <a:endParaRPr lang="zh-CN" altLang="en-US"/>
           </a:p>
@@ -2450,6 +2632,7 @@
               <a:rPr lang="zh-CN" altLang="en-US" smtClean="0"/>
               <a:t>单击此处编辑母版文本样式</a:t>
             </a:r>
+            <a:endParaRPr lang="zh-CN" altLang="en-US" smtClean="0"/>
           </a:p>
         </p:txBody>
       </p:sp>
@@ -2470,8 +2653,6 @@
           <a:p>
             <a:fld id="{545C7007-3CB9-46C7-8CC2-E02200B60706}" type="datetime1">
               <a:rPr lang="zh-CN" altLang="en-US" smtClean="0"/>
-              <a:pPr/>
-              <a:t>2018/5/9</a:t>
             </a:fld>
             <a:endParaRPr lang="zh-CN" altLang="en-US"/>
           </a:p>
@@ -2517,8 +2698,6 @@
           <a:p>
             <a:fld id="{F27E8493-5078-47B7-9DFF-F75323757EA1}" type="slidenum">
               <a:rPr lang="zh-CN" altLang="en-US" smtClean="0"/>
-              <a:pPr/>
-              <a:t>‹#›</a:t>
             </a:fld>
             <a:endParaRPr lang="zh-CN" altLang="en-US"/>
           </a:p>
@@ -2625,6 +2804,7 @@
               <a:rPr lang="zh-CN" altLang="en-US" smtClean="0"/>
               <a:t>单击此处编辑母版文本样式</a:t>
             </a:r>
+            <a:endParaRPr lang="zh-CN" altLang="en-US" smtClean="0"/>
           </a:p>
           <a:p>
             <a:pPr lvl="1"/>
@@ -2632,6 +2812,7 @@
               <a:rPr lang="zh-CN" altLang="en-US" smtClean="0"/>
               <a:t>第二级</a:t>
             </a:r>
+            <a:endParaRPr lang="zh-CN" altLang="en-US" smtClean="0"/>
           </a:p>
           <a:p>
             <a:pPr lvl="2"/>
@@ -2639,6 +2820,7 @@
               <a:rPr lang="zh-CN" altLang="en-US" smtClean="0"/>
               <a:t>第三级</a:t>
             </a:r>
+            <a:endParaRPr lang="zh-CN" altLang="en-US" smtClean="0"/>
           </a:p>
           <a:p>
             <a:pPr lvl="3"/>
@@ -2646,6 +2828,7 @@
               <a:rPr lang="zh-CN" altLang="en-US" smtClean="0"/>
               <a:t>第四级</a:t>
             </a:r>
+            <a:endParaRPr lang="zh-CN" altLang="en-US" smtClean="0"/>
           </a:p>
           <a:p>
             <a:pPr lvl="4"/>
@@ -2710,6 +2893,7 @@
               <a:rPr lang="zh-CN" altLang="en-US" smtClean="0"/>
               <a:t>单击此处编辑母版文本样式</a:t>
             </a:r>
+            <a:endParaRPr lang="zh-CN" altLang="en-US" smtClean="0"/>
           </a:p>
           <a:p>
             <a:pPr lvl="1"/>
@@ -2717,6 +2901,7 @@
               <a:rPr lang="zh-CN" altLang="en-US" smtClean="0"/>
               <a:t>第二级</a:t>
             </a:r>
+            <a:endParaRPr lang="zh-CN" altLang="en-US" smtClean="0"/>
           </a:p>
           <a:p>
             <a:pPr lvl="2"/>
@@ -2724,6 +2909,7 @@
               <a:rPr lang="zh-CN" altLang="en-US" smtClean="0"/>
               <a:t>第三级</a:t>
             </a:r>
+            <a:endParaRPr lang="zh-CN" altLang="en-US" smtClean="0"/>
           </a:p>
           <a:p>
             <a:pPr lvl="3"/>
@@ -2731,6 +2917,7 @@
               <a:rPr lang="zh-CN" altLang="en-US" smtClean="0"/>
               <a:t>第四级</a:t>
             </a:r>
+            <a:endParaRPr lang="zh-CN" altLang="en-US" smtClean="0"/>
           </a:p>
           <a:p>
             <a:pPr lvl="4"/>
@@ -2759,8 +2946,6 @@
           <a:p>
             <a:fld id="{B65F9DD6-7EBE-42AB-8A01-A43AD0202AF6}" type="datetime1">
               <a:rPr lang="zh-CN" altLang="en-US" smtClean="0"/>
-              <a:pPr/>
-              <a:t>2018/5/9</a:t>
             </a:fld>
             <a:endParaRPr lang="zh-CN" altLang="en-US"/>
           </a:p>
@@ -2806,8 +2991,6 @@
           <a:p>
             <a:fld id="{F27E8493-5078-47B7-9DFF-F75323757EA1}" type="slidenum">
               <a:rPr lang="zh-CN" altLang="en-US" smtClean="0"/>
-              <a:pPr/>
-              <a:t>‹#›</a:t>
             </a:fld>
             <a:endParaRPr lang="zh-CN" altLang="en-US"/>
           </a:p>
@@ -2927,6 +3110,7 @@
               <a:rPr lang="zh-CN" altLang="en-US" smtClean="0"/>
               <a:t>单击此处编辑母版文本样式</a:t>
             </a:r>
+            <a:endParaRPr lang="zh-CN" altLang="en-US" smtClean="0"/>
           </a:p>
         </p:txBody>
       </p:sp>
@@ -2983,6 +3167,7 @@
               <a:rPr lang="zh-CN" altLang="en-US" smtClean="0"/>
               <a:t>单击此处编辑母版文本样式</a:t>
             </a:r>
+            <a:endParaRPr lang="zh-CN" altLang="en-US" smtClean="0"/>
           </a:p>
           <a:p>
             <a:pPr lvl="1"/>
@@ -2990,6 +3175,7 @@
               <a:rPr lang="zh-CN" altLang="en-US" smtClean="0"/>
               <a:t>第二级</a:t>
             </a:r>
+            <a:endParaRPr lang="zh-CN" altLang="en-US" smtClean="0"/>
           </a:p>
           <a:p>
             <a:pPr lvl="2"/>
@@ -2997,6 +3183,7 @@
               <a:rPr lang="zh-CN" altLang="en-US" smtClean="0"/>
               <a:t>第三级</a:t>
             </a:r>
+            <a:endParaRPr lang="zh-CN" altLang="en-US" smtClean="0"/>
           </a:p>
           <a:p>
             <a:pPr lvl="3"/>
@@ -3004,6 +3191,7 @@
               <a:rPr lang="zh-CN" altLang="en-US" smtClean="0"/>
               <a:t>第四级</a:t>
             </a:r>
+            <a:endParaRPr lang="zh-CN" altLang="en-US" smtClean="0"/>
           </a:p>
           <a:p>
             <a:pPr lvl="4"/>
@@ -3077,6 +3265,7 @@
               <a:rPr lang="zh-CN" altLang="en-US" smtClean="0"/>
               <a:t>单击此处编辑母版文本样式</a:t>
             </a:r>
+            <a:endParaRPr lang="zh-CN" altLang="en-US" smtClean="0"/>
           </a:p>
         </p:txBody>
       </p:sp>
@@ -3133,6 +3322,7 @@
               <a:rPr lang="zh-CN" altLang="en-US" smtClean="0"/>
               <a:t>单击此处编辑母版文本样式</a:t>
             </a:r>
+            <a:endParaRPr lang="zh-CN" altLang="en-US" smtClean="0"/>
           </a:p>
           <a:p>
             <a:pPr lvl="1"/>
@@ -3140,6 +3330,7 @@
               <a:rPr lang="zh-CN" altLang="en-US" smtClean="0"/>
               <a:t>第二级</a:t>
             </a:r>
+            <a:endParaRPr lang="zh-CN" altLang="en-US" smtClean="0"/>
           </a:p>
           <a:p>
             <a:pPr lvl="2"/>
@@ -3147,6 +3338,7 @@
               <a:rPr lang="zh-CN" altLang="en-US" smtClean="0"/>
               <a:t>第三级</a:t>
             </a:r>
+            <a:endParaRPr lang="zh-CN" altLang="en-US" smtClean="0"/>
           </a:p>
           <a:p>
             <a:pPr lvl="3"/>
@@ -3154,6 +3346,7 @@
               <a:rPr lang="zh-CN" altLang="en-US" smtClean="0"/>
               <a:t>第四级</a:t>
             </a:r>
+            <a:endParaRPr lang="zh-CN" altLang="en-US" smtClean="0"/>
           </a:p>
           <a:p>
             <a:pPr lvl="4"/>
@@ -3182,8 +3375,6 @@
           <a:p>
             <a:fld id="{D0C1DF06-F5D8-4490-BD4A-9648C7B971BE}" type="datetime1">
               <a:rPr lang="zh-CN" altLang="en-US" smtClean="0"/>
-              <a:pPr/>
-              <a:t>2018/5/9</a:t>
             </a:fld>
             <a:endParaRPr lang="zh-CN" altLang="en-US"/>
           </a:p>
@@ -3229,8 +3420,6 @@
           <a:p>
             <a:fld id="{F27E8493-5078-47B7-9DFF-F75323757EA1}" type="slidenum">
               <a:rPr lang="zh-CN" altLang="en-US" smtClean="0"/>
-              <a:pPr/>
-              <a:t>‹#›</a:t>
             </a:fld>
             <a:endParaRPr lang="zh-CN" altLang="en-US"/>
           </a:p>
@@ -3301,8 +3490,6 @@
           <a:p>
             <a:fld id="{A2B22A2B-3CC2-48E7-8BE3-18F6D2A1F14D}" type="datetime1">
               <a:rPr lang="zh-CN" altLang="en-US" smtClean="0"/>
-              <a:pPr/>
-              <a:t>2018/5/9</a:t>
             </a:fld>
             <a:endParaRPr lang="zh-CN" altLang="en-US"/>
           </a:p>
@@ -3348,8 +3535,6 @@
           <a:p>
             <a:fld id="{F27E8493-5078-47B7-9DFF-F75323757EA1}" type="slidenum">
               <a:rPr lang="zh-CN" altLang="en-US" smtClean="0"/>
-              <a:pPr/>
-              <a:t>‹#›</a:t>
             </a:fld>
             <a:endParaRPr lang="zh-CN" altLang="en-US"/>
           </a:p>
@@ -3397,8 +3582,6 @@
           <a:p>
             <a:fld id="{F1A7B960-1E2E-49D8-862C-6334DA7576D2}" type="datetime1">
               <a:rPr lang="zh-CN" altLang="en-US" smtClean="0"/>
-              <a:pPr/>
-              <a:t>2018/5/9</a:t>
             </a:fld>
             <a:endParaRPr lang="zh-CN" altLang="en-US"/>
           </a:p>
@@ -3444,8 +3627,6 @@
           <a:p>
             <a:fld id="{F27E8493-5078-47B7-9DFF-F75323757EA1}" type="slidenum">
               <a:rPr lang="zh-CN" altLang="en-US" smtClean="0"/>
-              <a:pPr/>
-              <a:t>‹#›</a:t>
             </a:fld>
             <a:endParaRPr lang="zh-CN" altLang="en-US"/>
           </a:p>
@@ -3561,6 +3742,7 @@
               <a:rPr lang="zh-CN" altLang="en-US" smtClean="0"/>
               <a:t>单击此处编辑母版文本样式</a:t>
             </a:r>
+            <a:endParaRPr lang="zh-CN" altLang="en-US" smtClean="0"/>
           </a:p>
           <a:p>
             <a:pPr lvl="1"/>
@@ -3568,6 +3750,7 @@
               <a:rPr lang="zh-CN" altLang="en-US" smtClean="0"/>
               <a:t>第二级</a:t>
             </a:r>
+            <a:endParaRPr lang="zh-CN" altLang="en-US" smtClean="0"/>
           </a:p>
           <a:p>
             <a:pPr lvl="2"/>
@@ -3575,6 +3758,7 @@
               <a:rPr lang="zh-CN" altLang="en-US" smtClean="0"/>
               <a:t>第三级</a:t>
             </a:r>
+            <a:endParaRPr lang="zh-CN" altLang="en-US" smtClean="0"/>
           </a:p>
           <a:p>
             <a:pPr lvl="3"/>
@@ -3582,6 +3766,7 @@
               <a:rPr lang="zh-CN" altLang="en-US" smtClean="0"/>
               <a:t>第四级</a:t>
             </a:r>
+            <a:endParaRPr lang="zh-CN" altLang="en-US" smtClean="0"/>
           </a:p>
           <a:p>
             <a:pPr lvl="4"/>
@@ -3655,6 +3840,7 @@
               <a:rPr lang="zh-CN" altLang="en-US" smtClean="0"/>
               <a:t>单击此处编辑母版文本样式</a:t>
             </a:r>
+            <a:endParaRPr lang="zh-CN" altLang="en-US" smtClean="0"/>
           </a:p>
         </p:txBody>
       </p:sp>
@@ -3675,8 +3861,6 @@
           <a:p>
             <a:fld id="{30A184F1-3C7F-446E-ACB3-61D468746A0C}" type="datetime1">
               <a:rPr lang="zh-CN" altLang="en-US" smtClean="0"/>
-              <a:pPr/>
-              <a:t>2018/5/9</a:t>
             </a:fld>
             <a:endParaRPr lang="zh-CN" altLang="en-US"/>
           </a:p>
@@ -3722,8 +3906,6 @@
           <a:p>
             <a:fld id="{F27E8493-5078-47B7-9DFF-F75323757EA1}" type="slidenum">
               <a:rPr lang="zh-CN" altLang="en-US" smtClean="0"/>
-              <a:pPr/>
-              <a:t>‹#›</a:t>
             </a:fld>
             <a:endParaRPr lang="zh-CN" altLang="en-US"/>
           </a:p>
@@ -3913,6 +4095,7 @@
               <a:rPr lang="zh-CN" altLang="en-US" smtClean="0"/>
               <a:t>单击此处编辑母版文本样式</a:t>
             </a:r>
+            <a:endParaRPr lang="zh-CN" altLang="en-US" smtClean="0"/>
           </a:p>
         </p:txBody>
       </p:sp>
@@ -3933,8 +4116,6 @@
           <a:p>
             <a:fld id="{A4DCCAC6-30E0-4415-A304-D3420E0A3410}" type="datetime1">
               <a:rPr lang="zh-CN" altLang="en-US" smtClean="0"/>
-              <a:pPr/>
-              <a:t>2018/5/9</a:t>
             </a:fld>
             <a:endParaRPr lang="zh-CN" altLang="en-US"/>
           </a:p>
@@ -3980,8 +4161,6 @@
           <a:p>
             <a:fld id="{F27E8493-5078-47B7-9DFF-F75323757EA1}" type="slidenum">
               <a:rPr lang="zh-CN" altLang="en-US" smtClean="0"/>
-              <a:pPr/>
-              <a:t>‹#›</a:t>
             </a:fld>
             <a:endParaRPr lang="zh-CN" altLang="en-US"/>
           </a:p>
@@ -4001,7 +4180,7 @@
     <p:bg>
       <p:bgPr>
         <a:blipFill dpi="0" rotWithShape="1">
-          <a:blip r:embed="rId13">
+          <a:blip r:embed="rId12">
             <a:lum/>
           </a:blip>
           <a:srcRect/>
@@ -4089,6 +4268,7 @@
               <a:rPr lang="zh-CN" altLang="en-US" smtClean="0"/>
               <a:t>单击此处编辑母版文本样式</a:t>
             </a:r>
+            <a:endParaRPr lang="zh-CN" altLang="en-US" smtClean="0"/>
           </a:p>
           <a:p>
             <a:pPr lvl="1"/>
@@ -4096,6 +4276,7 @@
               <a:rPr lang="zh-CN" altLang="en-US" smtClean="0"/>
               <a:t>第二级</a:t>
             </a:r>
+            <a:endParaRPr lang="zh-CN" altLang="en-US" smtClean="0"/>
           </a:p>
           <a:p>
             <a:pPr lvl="2"/>
@@ -4103,6 +4284,7 @@
               <a:rPr lang="zh-CN" altLang="en-US" smtClean="0"/>
               <a:t>第三级</a:t>
             </a:r>
+            <a:endParaRPr lang="zh-CN" altLang="en-US" smtClean="0"/>
           </a:p>
           <a:p>
             <a:pPr lvl="3"/>
@@ -4110,6 +4292,7 @@
               <a:rPr lang="zh-CN" altLang="en-US" smtClean="0"/>
               <a:t>第四级</a:t>
             </a:r>
+            <a:endParaRPr lang="zh-CN" altLang="en-US" smtClean="0"/>
           </a:p>
           <a:p>
             <a:pPr lvl="4"/>
@@ -4156,8 +4339,6 @@
           <a:p>
             <a:fld id="{E571E792-7658-49BB-B5B0-E1EC211B134D}" type="datetime1">
               <a:rPr lang="zh-CN" altLang="en-US" smtClean="0"/>
-              <a:pPr/>
-              <a:t>2018/5/9</a:t>
             </a:fld>
             <a:endParaRPr lang="zh-CN" altLang="en-US"/>
           </a:p>
@@ -4239,8 +4420,6 @@
           <a:p>
             <a:fld id="{F27E8493-5078-47B7-9DFF-F75323757EA1}" type="slidenum">
               <a:rPr lang="zh-CN" altLang="en-US" smtClean="0"/>
-              <a:pPr/>
-              <a:t>‹#›</a:t>
             </a:fld>
             <a:endParaRPr lang="zh-CN" altLang="en-US" dirty="0"/>
           </a:p>
@@ -4285,7 +4464,7 @@
         <a:spcBef>
           <a:spcPct val="20000"/>
         </a:spcBef>
-        <a:buFont typeface="Arial" pitchFamily="34" charset="0"/>
+        <a:buFont typeface="Arial" panose="020B0604020202020204" pitchFamily="34" charset="0"/>
         <a:buChar char="•"/>
         <a:defRPr sz="3200" kern="1200">
           <a:solidFill>
@@ -4300,7 +4479,7 @@
         <a:spcBef>
           <a:spcPct val="20000"/>
         </a:spcBef>
-        <a:buFont typeface="Arial" pitchFamily="34" charset="0"/>
+        <a:buFont typeface="Arial" panose="020B0604020202020204" pitchFamily="34" charset="0"/>
         <a:buChar char="–"/>
         <a:defRPr sz="2800" kern="1200">
           <a:solidFill>
@@ -4315,7 +4494,7 @@
         <a:spcBef>
           <a:spcPct val="20000"/>
         </a:spcBef>
-        <a:buFont typeface="Arial" pitchFamily="34" charset="0"/>
+        <a:buFont typeface="Arial" panose="020B0604020202020204" pitchFamily="34" charset="0"/>
         <a:buChar char="•"/>
         <a:defRPr sz="2400" kern="1200">
           <a:solidFill>
@@ -4330,7 +4509,7 @@
         <a:spcBef>
           <a:spcPct val="20000"/>
         </a:spcBef>
-        <a:buFont typeface="Arial" pitchFamily="34" charset="0"/>
+        <a:buFont typeface="Arial" panose="020B0604020202020204" pitchFamily="34" charset="0"/>
         <a:buChar char="–"/>
         <a:defRPr sz="2000" kern="1200">
           <a:solidFill>
@@ -4345,7 +4524,7 @@
         <a:spcBef>
           <a:spcPct val="20000"/>
         </a:spcBef>
-        <a:buFont typeface="Arial" pitchFamily="34" charset="0"/>
+        <a:buFont typeface="Arial" panose="020B0604020202020204" pitchFamily="34" charset="0"/>
         <a:buChar char="»"/>
         <a:defRPr sz="2000" kern="1200">
           <a:solidFill>
@@ -4360,7 +4539,7 @@
         <a:spcBef>
           <a:spcPct val="20000"/>
         </a:spcBef>
-        <a:buFont typeface="Arial" pitchFamily="34" charset="0"/>
+        <a:buFont typeface="Arial" panose="020B0604020202020204" pitchFamily="34" charset="0"/>
         <a:buChar char="•"/>
         <a:defRPr sz="2000" kern="1200">
           <a:solidFill>
@@ -4375,7 +4554,7 @@
         <a:spcBef>
           <a:spcPct val="20000"/>
         </a:spcBef>
-        <a:buFont typeface="Arial" pitchFamily="34" charset="0"/>
+        <a:buFont typeface="Arial" panose="020B0604020202020204" pitchFamily="34" charset="0"/>
         <a:buChar char="•"/>
         <a:defRPr sz="2000" kern="1200">
           <a:solidFill>
@@ -4390,7 +4569,7 @@
         <a:spcBef>
           <a:spcPct val="20000"/>
         </a:spcBef>
-        <a:buFont typeface="Arial" pitchFamily="34" charset="0"/>
+        <a:buFont typeface="Arial" panose="020B0604020202020204" pitchFamily="34" charset="0"/>
         <a:buChar char="•"/>
         <a:defRPr sz="2000" kern="1200">
           <a:solidFill>
@@ -4405,7 +4584,7 @@
         <a:spcBef>
           <a:spcPct val="20000"/>
         </a:spcBef>
-        <a:buFont typeface="Arial" pitchFamily="34" charset="0"/>
+        <a:buFont typeface="Arial" panose="020B0604020202020204" pitchFamily="34" charset="0"/>
         <a:buChar char="•"/>
         <a:defRPr sz="2000" kern="1200">
           <a:solidFill>
@@ -4542,7 +4721,7 @@
           <p:nvPr/>
         </p:nvPicPr>
         <p:blipFill>
-          <a:blip r:embed="rId2"/>
+          <a:blip r:embed="rId1"/>
           <a:stretch>
             <a:fillRect/>
           </a:stretch>
@@ -4591,8 +4770,8 @@
                 <a:solidFill>
                   <a:srgbClr val="003366"/>
                 </a:solidFill>
-                <a:latin typeface="微软雅黑" pitchFamily="34" charset="-122"/>
-                <a:ea typeface="微软雅黑" pitchFamily="34" charset="-122"/>
+                <a:latin typeface="微软雅黑" panose="020B0503020204020204" pitchFamily="34" charset="-122"/>
+                <a:ea typeface="微软雅黑" panose="020B0503020204020204" pitchFamily="34" charset="-122"/>
               </a:rPr>
               <a:t>ECMAScript</a:t>
             </a:r>
@@ -4601,8 +4780,8 @@
                 <a:solidFill>
                   <a:srgbClr val="003366"/>
                 </a:solidFill>
-                <a:latin typeface="微软雅黑" pitchFamily="34" charset="-122"/>
-                <a:ea typeface="微软雅黑" pitchFamily="34" charset="-122"/>
+                <a:latin typeface="微软雅黑" panose="020B0503020204020204" pitchFamily="34" charset="-122"/>
+                <a:ea typeface="微软雅黑" panose="020B0503020204020204" pitchFamily="34" charset="-122"/>
               </a:rPr>
               <a:t> 6</a:t>
             </a:r>
@@ -4610,8 +4789,8 @@
               <a:solidFill>
                 <a:srgbClr val="003366"/>
               </a:solidFill>
-              <a:latin typeface="微软雅黑" pitchFamily="34" charset="-122"/>
-              <a:ea typeface="微软雅黑" pitchFamily="34" charset="-122"/>
+              <a:latin typeface="微软雅黑" panose="020B0503020204020204" pitchFamily="34" charset="-122"/>
+              <a:ea typeface="微软雅黑" panose="020B0503020204020204" pitchFamily="34" charset="-122"/>
             </a:endParaRPr>
           </a:p>
         </p:txBody>
@@ -4645,8 +4824,8 @@
                     <a:lumMod val="75000"/>
                   </a:schemeClr>
                 </a:solidFill>
-                <a:latin typeface="仿宋" pitchFamily="49" charset="-122"/>
-                <a:ea typeface="仿宋" pitchFamily="49" charset="-122"/>
+                <a:latin typeface="仿宋" panose="02010609060101010101" pitchFamily="49" charset="-122"/>
+                <a:ea typeface="仿宋" panose="02010609060101010101" pitchFamily="49" charset="-122"/>
               </a:rPr>
               <a:t>黎明胜</a:t>
             </a:r>
@@ -4656,8 +4835,8 @@
                   <a:lumMod val="75000"/>
                 </a:schemeClr>
               </a:solidFill>
-              <a:latin typeface="仿宋" pitchFamily="49" charset="-122"/>
-              <a:ea typeface="仿宋" pitchFamily="49" charset="-122"/>
+              <a:latin typeface="仿宋" panose="02010609060101010101" pitchFamily="49" charset="-122"/>
+              <a:ea typeface="仿宋" panose="02010609060101010101" pitchFamily="49" charset="-122"/>
             </a:endParaRPr>
           </a:p>
         </p:txBody>
@@ -4665,9 +4844,7 @@
       <p:sp>
         <p:nvSpPr>
           <p:cNvPr id="6" name="副标题 2"/>
-          <p:cNvSpPr txBox="1">
-            <a:spLocks/>
-          </p:cNvSpPr>
+          <p:cNvSpPr txBox="1"/>
           <p:nvPr/>
         </p:nvSpPr>
         <p:spPr>
@@ -4688,7 +4865,7 @@
               <a:spcBef>
                 <a:spcPct val="20000"/>
               </a:spcBef>
-              <a:buFont typeface="Arial" pitchFamily="34" charset="0"/>
+              <a:buFont typeface="Arial" panose="020B0604020202020204" pitchFamily="34" charset="0"/>
               <a:buNone/>
               <a:defRPr sz="3200" kern="1200">
                 <a:solidFill>
@@ -4705,7 +4882,7 @@
               <a:spcBef>
                 <a:spcPct val="20000"/>
               </a:spcBef>
-              <a:buFont typeface="Arial" pitchFamily="34" charset="0"/>
+              <a:buFont typeface="Arial" panose="020B0604020202020204" pitchFamily="34" charset="0"/>
               <a:buNone/>
               <a:defRPr sz="2800" kern="1200">
                 <a:solidFill>
@@ -4722,7 +4899,7 @@
               <a:spcBef>
                 <a:spcPct val="20000"/>
               </a:spcBef>
-              <a:buFont typeface="Arial" pitchFamily="34" charset="0"/>
+              <a:buFont typeface="Arial" panose="020B0604020202020204" pitchFamily="34" charset="0"/>
               <a:buNone/>
               <a:defRPr sz="2400" kern="1200">
                 <a:solidFill>
@@ -4739,7 +4916,7 @@
               <a:spcBef>
                 <a:spcPct val="20000"/>
               </a:spcBef>
-              <a:buFont typeface="Arial" pitchFamily="34" charset="0"/>
+              <a:buFont typeface="Arial" panose="020B0604020202020204" pitchFamily="34" charset="0"/>
               <a:buNone/>
               <a:defRPr sz="2000" kern="1200">
                 <a:solidFill>
@@ -4756,7 +4933,7 @@
               <a:spcBef>
                 <a:spcPct val="20000"/>
               </a:spcBef>
-              <a:buFont typeface="Arial" pitchFamily="34" charset="0"/>
+              <a:buFont typeface="Arial" panose="020B0604020202020204" pitchFamily="34" charset="0"/>
               <a:buNone/>
               <a:defRPr sz="2000" kern="1200">
                 <a:solidFill>
@@ -4773,7 +4950,7 @@
               <a:spcBef>
                 <a:spcPct val="20000"/>
               </a:spcBef>
-              <a:buFont typeface="Arial" pitchFamily="34" charset="0"/>
+              <a:buFont typeface="Arial" panose="020B0604020202020204" pitchFamily="34" charset="0"/>
               <a:buNone/>
               <a:defRPr sz="2000" kern="1200">
                 <a:solidFill>
@@ -4790,7 +4967,7 @@
               <a:spcBef>
                 <a:spcPct val="20000"/>
               </a:spcBef>
-              <a:buFont typeface="Arial" pitchFamily="34" charset="0"/>
+              <a:buFont typeface="Arial" panose="020B0604020202020204" pitchFamily="34" charset="0"/>
               <a:buNone/>
               <a:defRPr sz="2000" kern="1200">
                 <a:solidFill>
@@ -4807,7 +4984,7 @@
               <a:spcBef>
                 <a:spcPct val="20000"/>
               </a:spcBef>
-              <a:buFont typeface="Arial" pitchFamily="34" charset="0"/>
+              <a:buFont typeface="Arial" panose="020B0604020202020204" pitchFamily="34" charset="0"/>
               <a:buNone/>
               <a:defRPr sz="2000" kern="1200">
                 <a:solidFill>
@@ -4824,7 +5001,7 @@
               <a:spcBef>
                 <a:spcPct val="20000"/>
               </a:spcBef>
-              <a:buFont typeface="Arial" pitchFamily="34" charset="0"/>
+              <a:buFont typeface="Arial" panose="020B0604020202020204" pitchFamily="34" charset="0"/>
               <a:buNone/>
               <a:defRPr sz="2000" kern="1200">
                 <a:solidFill>
@@ -4846,8 +5023,8 @@
                     <a:lumMod val="75000"/>
                   </a:schemeClr>
                 </a:solidFill>
-                <a:latin typeface="仿宋" pitchFamily="49" charset="-122"/>
-                <a:ea typeface="仿宋" pitchFamily="49" charset="-122"/>
+                <a:latin typeface="仿宋" panose="02010609060101010101" pitchFamily="49" charset="-122"/>
+                <a:ea typeface="仿宋" panose="02010609060101010101" pitchFamily="49" charset="-122"/>
               </a:rPr>
               <a:t>2018</a:t>
             </a:r>
@@ -4858,8 +5035,8 @@
                     <a:lumMod val="75000"/>
                   </a:schemeClr>
                 </a:solidFill>
-                <a:latin typeface="仿宋" pitchFamily="49" charset="-122"/>
-                <a:ea typeface="仿宋" pitchFamily="49" charset="-122"/>
+                <a:latin typeface="仿宋" panose="02010609060101010101" pitchFamily="49" charset="-122"/>
+                <a:ea typeface="仿宋" panose="02010609060101010101" pitchFamily="49" charset="-122"/>
               </a:rPr>
               <a:t>年</a:t>
             </a:r>
@@ -4870,8 +5047,8 @@
                     <a:lumMod val="75000"/>
                   </a:schemeClr>
                 </a:solidFill>
-                <a:latin typeface="仿宋" pitchFamily="49" charset="-122"/>
-                <a:ea typeface="仿宋" pitchFamily="49" charset="-122"/>
+                <a:latin typeface="仿宋" panose="02010609060101010101" pitchFamily="49" charset="-122"/>
+                <a:ea typeface="仿宋" panose="02010609060101010101" pitchFamily="49" charset="-122"/>
               </a:rPr>
               <a:t>5</a:t>
             </a:r>
@@ -4882,8 +5059,8 @@
                     <a:lumMod val="75000"/>
                   </a:schemeClr>
                 </a:solidFill>
-                <a:latin typeface="仿宋" pitchFamily="49" charset="-122"/>
-                <a:ea typeface="仿宋" pitchFamily="49" charset="-122"/>
+                <a:latin typeface="仿宋" panose="02010609060101010101" pitchFamily="49" charset="-122"/>
+                <a:ea typeface="仿宋" panose="02010609060101010101" pitchFamily="49" charset="-122"/>
               </a:rPr>
               <a:t>月</a:t>
             </a:r>
@@ -4894,8 +5071,8 @@
                     <a:lumMod val="75000"/>
                   </a:schemeClr>
                 </a:solidFill>
-                <a:latin typeface="仿宋" pitchFamily="49" charset="-122"/>
-                <a:ea typeface="仿宋" pitchFamily="49" charset="-122"/>
+                <a:latin typeface="仿宋" panose="02010609060101010101" pitchFamily="49" charset="-122"/>
+                <a:ea typeface="仿宋" panose="02010609060101010101" pitchFamily="49" charset="-122"/>
               </a:rPr>
               <a:t>11</a:t>
             </a:r>
@@ -4906,8 +5083,8 @@
                     <a:lumMod val="75000"/>
                   </a:schemeClr>
                 </a:solidFill>
-                <a:latin typeface="仿宋" pitchFamily="49" charset="-122"/>
-                <a:ea typeface="仿宋" pitchFamily="49" charset="-122"/>
+                <a:latin typeface="仿宋" panose="02010609060101010101" pitchFamily="49" charset="-122"/>
+                <a:ea typeface="仿宋" panose="02010609060101010101" pitchFamily="49" charset="-122"/>
               </a:rPr>
               <a:t>日</a:t>
             </a:r>
@@ -4917,8 +5094,8 @@
                   <a:lumMod val="75000"/>
                 </a:schemeClr>
               </a:solidFill>
-              <a:latin typeface="仿宋" pitchFamily="49" charset="-122"/>
-              <a:ea typeface="仿宋" pitchFamily="49" charset="-122"/>
+              <a:latin typeface="仿宋" panose="02010609060101010101" pitchFamily="49" charset="-122"/>
+              <a:ea typeface="仿宋" panose="02010609060101010101" pitchFamily="49" charset="-122"/>
             </a:endParaRPr>
           </a:p>
         </p:txBody>
@@ -4972,27 +5149,15 @@
           </a:bodyPr>
           <a:lstStyle/>
           <a:p>
-            <a:r>
-              <a:rPr lang="en-US" altLang="zh-CN" sz="3200" dirty="0" smtClean="0"/>
-              <a:t/>
-            </a:r>
             <a:br>
               <a:rPr lang="en-US" altLang="zh-CN" sz="3200" dirty="0" smtClean="0"/>
             </a:br>
-            <a:r>
-              <a:rPr lang="en-US" altLang="zh-CN" sz="3200" dirty="0" smtClean="0"/>
-              <a:t/>
-            </a:r>
             <a:br>
               <a:rPr lang="en-US" altLang="zh-CN" sz="3200" dirty="0" smtClean="0"/>
             </a:br>
             <a:r>
               <a:rPr lang="zh-CN" altLang="en-US" dirty="0" smtClean="0"/>
-              <a:t>透过</a:t>
-            </a:r>
-            <a:r>
-              <a:rPr lang="zh-CN" altLang="en-US" dirty="0" smtClean="0"/>
-              <a:t>现象看本质</a:t>
+              <a:t>透过现象看本质</a:t>
             </a:r>
             <a:br>
               <a:rPr lang="zh-CN" altLang="en-US" dirty="0" smtClean="0"/>
@@ -5036,11 +5201,7 @@
             </a:r>
             <a:r>
               <a:rPr lang="zh-CN" altLang="en-US" sz="1600" b="1" dirty="0" smtClean="0"/>
-              <a:t>声明的「创建、初始化和赋值」</a:t>
-            </a:r>
-            <a:r>
-              <a:rPr lang="zh-CN" altLang="en-US" sz="1600" b="1" dirty="0" smtClean="0"/>
-              <a:t>过程</a:t>
+              <a:t>声明的「创建、初始化和赋值」过程</a:t>
             </a:r>
             <a:endParaRPr lang="en-US" altLang="zh-CN" sz="1600" b="1" dirty="0" smtClean="0"/>
           </a:p>
@@ -5050,11 +5211,7 @@
             </a:pPr>
             <a:r>
               <a:rPr lang="en-US" altLang="zh-CN" sz="1600" b="1" dirty="0" smtClean="0"/>
-              <a:t>	</a:t>
-            </a:r>
-            <a:r>
-              <a:rPr lang="en-US" altLang="zh-CN" sz="1600" b="1" dirty="0" smtClean="0"/>
-              <a:t>  </a:t>
+              <a:t>	  </a:t>
             </a:r>
             <a:r>
               <a:rPr lang="en-US" altLang="zh-CN" sz="1800" b="1" dirty="0" smtClean="0"/>
@@ -5094,6 +5251,7 @@
               <a:rPr lang="en-US" sz="1800" dirty="0" smtClean="0"/>
               <a:t>}</a:t>
             </a:r>
+            <a:endParaRPr lang="en-US" sz="1800" dirty="0" smtClean="0"/>
           </a:p>
           <a:p>
             <a:pPr lvl="1">
@@ -5115,20 +5273,9 @@
             </a:r>
             <a:r>
               <a:rPr lang="zh-CN" altLang="en-US" sz="1600" dirty="0" smtClean="0"/>
-              <a:t>引擎会</a:t>
-            </a:r>
-            <a:r>
-              <a:rPr lang="zh-CN" altLang="en-US" sz="1600" dirty="0" smtClean="0"/>
-              <a:t>有以下</a:t>
-            </a:r>
-            <a:r>
-              <a:rPr lang="zh-CN" altLang="en-US" sz="1600" dirty="0" smtClean="0"/>
-              <a:t>过程</a:t>
-            </a:r>
-            <a:r>
-              <a:rPr lang="zh-CN" altLang="en-US" sz="1600" dirty="0" smtClean="0"/>
-              <a:t>：</a:t>
-            </a:r>
+              <a:t>引擎会有以下过程：</a:t>
+            </a:r>
+            <a:endParaRPr lang="zh-CN" altLang="en-US" sz="1600" dirty="0" smtClean="0"/>
           </a:p>
           <a:p>
             <a:pPr lvl="0">
@@ -5148,7 +5295,25 @@
             </a:r>
             <a:r>
               <a:rPr lang="zh-CN" altLang="en-US" sz="1600" dirty="0" smtClean="0"/>
-              <a:t>声明的变量，在环境中「创建」这些变量</a:t>
+              <a:t>声明的变量，在环境中「创建」这些变量。</a:t>
+            </a:r>
+            <a:endParaRPr lang="zh-CN" altLang="en-US" sz="1600" dirty="0" smtClean="0"/>
+          </a:p>
+          <a:p>
+            <a:pPr lvl="0">
+              <a:buNone/>
+            </a:pPr>
+            <a:r>
+              <a:rPr lang="en-US" altLang="zh-CN" sz="1600" dirty="0" smtClean="0"/>
+              <a:t>2、</a:t>
+            </a:r>
+            <a:r>
+              <a:rPr lang="zh-CN" altLang="en-US" sz="1600" dirty="0" smtClean="0"/>
+              <a:t>将这些变量「初始化」并「赋值」为 </a:t>
+            </a:r>
+            <a:r>
+              <a:rPr lang="en-US" sz="1600" dirty="0" smtClean="0"/>
+              <a:t>function(){ console.log(2) } </a:t>
             </a:r>
             <a:r>
               <a:rPr lang="zh-CN" altLang="en-US" sz="1600" dirty="0" smtClean="0"/>
@@ -5157,28 +5322,6 @@
             <a:endParaRPr lang="zh-CN" altLang="en-US" sz="1600" dirty="0" smtClean="0"/>
           </a:p>
           <a:p>
-            <a:pPr lvl="0">
-              <a:buNone/>
-            </a:pPr>
-            <a:r>
-              <a:rPr lang="en-US" altLang="zh-CN" sz="1600" dirty="0" smtClean="0"/>
-              <a:t>2、</a:t>
-            </a:r>
-            <a:r>
-              <a:rPr lang="zh-CN" altLang="en-US" sz="1600" dirty="0" smtClean="0"/>
-              <a:t>将这些变量「初始化」并「赋值」为 </a:t>
-            </a:r>
-            <a:r>
-              <a:rPr lang="en-US" sz="1600" dirty="0" smtClean="0"/>
-              <a:t>function(){ console.log(2) } </a:t>
-            </a:r>
-            <a:r>
-              <a:rPr lang="zh-CN" altLang="en-US" sz="1600" dirty="0" smtClean="0"/>
-              <a:t>。</a:t>
-            </a:r>
-            <a:endParaRPr lang="zh-CN" altLang="en-US" sz="1600" dirty="0" smtClean="0"/>
-          </a:p>
-          <a:p>
             <a:pPr>
               <a:buNone/>
             </a:pPr>
@@ -5192,12 +5335,9 @@
             </a:r>
             <a:r>
               <a:rPr lang="en-US" altLang="zh-CN" sz="1600" dirty="0" smtClean="0"/>
-              <a:t>fn2</a:t>
-            </a:r>
-            <a:r>
-              <a:rPr lang="en-US" altLang="zh-CN" sz="1600" dirty="0" smtClean="0"/>
-              <a:t>()</a:t>
-            </a:r>
+              <a:t>fn2()</a:t>
+            </a:r>
+            <a:endParaRPr lang="en-US" altLang="zh-CN" sz="1600" dirty="0" smtClean="0"/>
           </a:p>
           <a:p>
             <a:pPr>
@@ -5213,11 +5353,7 @@
             </a:r>
             <a:r>
               <a:rPr lang="zh-CN" altLang="en-US" sz="1600" dirty="0" smtClean="0"/>
-              <a:t>声明会在代码执行之前就「创建、初始化并赋值</a:t>
-            </a:r>
-            <a:r>
-              <a:rPr lang="zh-CN" altLang="en-US" sz="1600" dirty="0" smtClean="0"/>
-              <a:t>」。</a:t>
+              <a:t>声明会在代码执行之前就「创建、初始化并赋值」。</a:t>
             </a:r>
             <a:endParaRPr lang="zh-CN" altLang="en-US" sz="1600" dirty="0" smtClean="0"/>
           </a:p>
@@ -5242,11 +5378,6 @@
         </p:txBody>
       </p:sp>
     </p:spTree>
-    <p:extLst>
-      <p:ext uri="{BB962C8B-B14F-4D97-AF65-F5344CB8AC3E}">
-        <p14:creationId xmlns:p14="http://schemas.microsoft.com/office/powerpoint/2010/main" xmlns="" val="2395894475"/>
-      </p:ext>
-    </p:extLst>
   </p:cSld>
   <p:clrMapOvr>
     <a:masterClrMapping/>
@@ -5288,27 +5419,15 @@
           </a:bodyPr>
           <a:lstStyle/>
           <a:p>
-            <a:r>
-              <a:rPr lang="en-US" altLang="zh-CN" sz="3200" dirty="0" smtClean="0"/>
-              <a:t/>
-            </a:r>
             <a:br>
               <a:rPr lang="en-US" altLang="zh-CN" sz="3200" dirty="0" smtClean="0"/>
             </a:br>
-            <a:r>
-              <a:rPr lang="en-US" altLang="zh-CN" sz="3200" dirty="0" smtClean="0"/>
-              <a:t/>
-            </a:r>
             <a:br>
               <a:rPr lang="en-US" altLang="zh-CN" sz="3200" dirty="0" smtClean="0"/>
             </a:br>
             <a:r>
               <a:rPr lang="zh-CN" altLang="en-US" dirty="0" smtClean="0"/>
-              <a:t>透过</a:t>
-            </a:r>
-            <a:r>
-              <a:rPr lang="zh-CN" altLang="en-US" dirty="0" smtClean="0"/>
-              <a:t>现象看本质</a:t>
+              <a:t>透过现象看本质</a:t>
             </a:r>
             <a:br>
               <a:rPr lang="zh-CN" altLang="en-US" dirty="0" smtClean="0"/>
@@ -5352,11 +5471,7 @@
             </a:r>
             <a:r>
               <a:rPr lang="zh-CN" altLang="en-US" sz="1600" b="1" dirty="0" smtClean="0"/>
-              <a:t>声明的「创建、初始化和赋值」</a:t>
-            </a:r>
-            <a:r>
-              <a:rPr lang="zh-CN" altLang="en-US" sz="1600" b="1" dirty="0" smtClean="0"/>
-              <a:t>过程</a:t>
+              <a:t>声明的「创建、初始化和赋值」过程</a:t>
             </a:r>
             <a:endParaRPr lang="zh-CN" altLang="en-US" sz="1600" dirty="0" smtClean="0"/>
           </a:p>
@@ -5372,6 +5487,7 @@
               <a:rPr lang="da-DK" sz="1600" dirty="0" smtClean="0"/>
               <a:t>{</a:t>
             </a:r>
+            <a:endParaRPr lang="da-DK" sz="1600" dirty="0" smtClean="0"/>
           </a:p>
           <a:p>
             <a:pPr lvl="1">
@@ -5379,36 +5495,17 @@
             </a:pPr>
             <a:r>
               <a:rPr lang="da-DK" sz="1600" dirty="0" smtClean="0"/>
-              <a:t> </a:t>
-            </a:r>
+              <a:t>       let x = 1</a:t>
+            </a:r>
+            <a:endParaRPr lang="da-DK" sz="1600" dirty="0" smtClean="0"/>
+          </a:p>
+          <a:p>
+            <a:pPr lvl="1">
+              <a:buNone/>
+            </a:pPr>
             <a:r>
               <a:rPr lang="da-DK" sz="1600" dirty="0" smtClean="0"/>
-              <a:t>      </a:t>
-            </a:r>
-            <a:r>
-              <a:rPr lang="da-DK" sz="1600" dirty="0" smtClean="0"/>
-              <a:t>let x = </a:t>
-            </a:r>
-            <a:r>
-              <a:rPr lang="da-DK" sz="1600" dirty="0" smtClean="0"/>
-              <a:t>1</a:t>
-            </a:r>
-          </a:p>
-          <a:p>
-            <a:pPr lvl="1">
-              <a:buNone/>
-            </a:pPr>
-            <a:r>
-              <a:rPr lang="da-DK" sz="1600" dirty="0" smtClean="0"/>
-              <a:t>	</a:t>
-            </a:r>
-            <a:r>
-              <a:rPr lang="da-DK" sz="1600" dirty="0" smtClean="0"/>
-              <a:t> </a:t>
-            </a:r>
-            <a:r>
-              <a:rPr lang="da-DK" sz="1600" dirty="0" smtClean="0"/>
-              <a:t>x = 2 </a:t>
+              <a:t>	 x = 2 </a:t>
             </a:r>
             <a:endParaRPr lang="da-DK" sz="1600" dirty="0" smtClean="0"/>
           </a:p>
@@ -5438,6 +5535,7 @@
               <a:rPr lang="zh-CN" altLang="en-US" sz="1600" dirty="0" smtClean="0"/>
               <a:t>时，会有以下过程（不完全）：</a:t>
             </a:r>
+            <a:endParaRPr lang="zh-CN" altLang="en-US" sz="1600" dirty="0" smtClean="0"/>
           </a:p>
           <a:p>
             <a:pPr>
@@ -5457,11 +5555,7 @@
             </a:r>
             <a:r>
               <a:rPr lang="zh-CN" altLang="en-US" sz="1600" dirty="0" smtClean="0"/>
-              <a:t>声明的变量，在环境中「创建」这些</a:t>
-            </a:r>
-            <a:r>
-              <a:rPr lang="zh-CN" altLang="en-US" sz="1600" dirty="0" smtClean="0"/>
-              <a:t>变量。</a:t>
+              <a:t>声明的变量，在环境中「创建」这些变量。</a:t>
             </a:r>
             <a:endParaRPr lang="zh-CN" altLang="en-US" sz="1600" dirty="0" smtClean="0"/>
           </a:p>
@@ -5475,19 +5569,7 @@
             </a:r>
             <a:r>
               <a:rPr lang="zh-CN" altLang="en-US" sz="1600" dirty="0" smtClean="0"/>
-              <a:t>开始执行代码（注意现在还没有</a:t>
-            </a:r>
-            <a:r>
-              <a:rPr lang="zh-CN" altLang="en-US" sz="1600" dirty="0" smtClean="0"/>
-              <a:t>初始化</a:t>
-            </a:r>
-            <a:r>
-              <a:rPr lang="zh-CN" altLang="en-US" sz="1600" dirty="0" smtClean="0"/>
-              <a:t>）</a:t>
-            </a:r>
-            <a:r>
-              <a:rPr lang="zh-CN" altLang="en-US" sz="1600" dirty="0" smtClean="0"/>
-              <a:t>。</a:t>
+              <a:t>开始执行代码（注意现在还没有初始化）。</a:t>
             </a:r>
             <a:endParaRPr lang="zh-CN" altLang="en-US" sz="1600" dirty="0" smtClean="0"/>
           </a:p>
@@ -5579,11 +5661,7 @@
             </a:r>
             <a:r>
               <a:rPr lang="zh-CN" altLang="en-US" sz="1600" dirty="0" smtClean="0"/>
-              <a:t>进行「赋值</a:t>
-            </a:r>
-            <a:r>
-              <a:rPr lang="zh-CN" altLang="en-US" sz="1600" dirty="0" smtClean="0"/>
-              <a:t>」</a:t>
+              <a:t>进行「赋值」</a:t>
             </a:r>
             <a:endParaRPr lang="en-US" altLang="zh-CN" sz="1600" dirty="0" smtClean="0"/>
           </a:p>
@@ -5609,11 +5687,7 @@
             </a:r>
             <a:r>
               <a:rPr lang="zh-CN" altLang="en-US" sz="1600" dirty="0" smtClean="0"/>
-              <a:t>会报错</a:t>
-            </a:r>
-            <a:r>
-              <a:rPr lang="zh-CN" altLang="en-US" sz="1600" dirty="0" smtClean="0"/>
-              <a:t>：</a:t>
+              <a:t>会报错：</a:t>
             </a:r>
             <a:endParaRPr lang="en-US" altLang="zh-CN" sz="1600" dirty="0" smtClean="0"/>
           </a:p>
@@ -5627,11 +5701,7 @@
             </a:r>
             <a:r>
               <a:rPr lang="en-US" sz="1600" dirty="0" smtClean="0"/>
-              <a:t> </a:t>
-            </a:r>
-            <a:r>
-              <a:rPr lang="en-US" sz="1600" dirty="0" smtClean="0"/>
-              <a:t>x </a:t>
+              <a:t> x </a:t>
             </a:r>
             <a:r>
               <a:rPr lang="en-US" sz="1600" b="1" dirty="0" smtClean="0"/>
@@ -5639,12 +5709,9 @@
             </a:r>
             <a:r>
               <a:rPr lang="en-US" sz="1600" dirty="0" smtClean="0"/>
-              <a:t> </a:t>
-            </a:r>
-            <a:r>
-              <a:rPr lang="en-US" sz="1600" dirty="0" smtClean="0"/>
-              <a:t>'global‘</a:t>
-            </a:r>
+              <a:t> 'global‘</a:t>
+            </a:r>
+            <a:endParaRPr lang="en-US" sz="1600" dirty="0" smtClean="0"/>
           </a:p>
           <a:p>
             <a:pPr>
@@ -5654,6 +5721,7 @@
               <a:rPr lang="en-US" sz="1600" dirty="0" smtClean="0"/>
               <a:t> 	{</a:t>
             </a:r>
+            <a:endParaRPr lang="en-US" sz="1600" dirty="0" smtClean="0"/>
           </a:p>
           <a:p>
             <a:pPr>
@@ -5661,11 +5729,7 @@
             </a:pPr>
             <a:r>
               <a:rPr lang="en-US" sz="1600" dirty="0" smtClean="0"/>
-              <a:t>	 	console.log(x</a:t>
-            </a:r>
-            <a:r>
-              <a:rPr lang="en-US" sz="1600" dirty="0" smtClean="0"/>
-              <a:t>) </a:t>
+              <a:t>	 	console.log(x) </a:t>
             </a:r>
             <a:r>
               <a:rPr lang="en-US" sz="1600" i="1" dirty="0" smtClean="0"/>
@@ -5695,11 +5759,7 @@
             </a:r>
             <a:r>
               <a:rPr lang="en-US" sz="1600" dirty="0" smtClean="0"/>
-              <a:t> </a:t>
-            </a:r>
-            <a:r>
-              <a:rPr lang="en-US" sz="1600" dirty="0" smtClean="0"/>
-              <a:t>x </a:t>
+              <a:t> x </a:t>
             </a:r>
             <a:r>
               <a:rPr lang="en-US" sz="1600" b="1" dirty="0" smtClean="0"/>
@@ -5707,12 +5767,9 @@
             </a:r>
             <a:r>
               <a:rPr lang="en-US" sz="1600" dirty="0" smtClean="0"/>
-              <a:t> </a:t>
-            </a:r>
-            <a:r>
-              <a:rPr lang="en-US" sz="1600" dirty="0" smtClean="0"/>
-              <a:t>1</a:t>
-            </a:r>
+              <a:t> 1</a:t>
+            </a:r>
+            <a:endParaRPr lang="en-US" sz="1600" dirty="0" smtClean="0"/>
           </a:p>
           <a:p>
             <a:pPr>
@@ -5739,11 +5796,6 @@
         </p:txBody>
       </p:sp>
     </p:spTree>
-    <p:extLst>
-      <p:ext uri="{BB962C8B-B14F-4D97-AF65-F5344CB8AC3E}">
-        <p14:creationId xmlns:p14="http://schemas.microsoft.com/office/powerpoint/2010/main" xmlns="" val="2395894475"/>
-      </p:ext>
-    </p:extLst>
   </p:cSld>
   <p:clrMapOvr>
     <a:masterClrMapping/>
@@ -5752,6 +5804,672 @@
 </file>
 
 <file path=ppt/slides/slide12.xml><?xml version="1.0" encoding="utf-8"?>
+<p:sld xmlns:a="http://schemas.openxmlformats.org/drawingml/2006/main" xmlns:r="http://schemas.openxmlformats.org/officeDocument/2006/relationships" xmlns:p="http://schemas.openxmlformats.org/presentationml/2006/main">
+  <p:cSld>
+    <p:spTree>
+      <p:nvGrpSpPr>
+        <p:cNvPr id="1" name=""/>
+        <p:cNvGrpSpPr/>
+        <p:nvPr/>
+      </p:nvGrpSpPr>
+      <p:grpSpPr>
+        <a:xfrm>
+          <a:off x="0" y="0"/>
+          <a:ext cx="0" cy="0"/>
+          <a:chOff x="0" y="0"/>
+          <a:chExt cx="0" cy="0"/>
+        </a:xfrm>
+      </p:grpSpPr>
+      <p:sp>
+        <p:nvSpPr>
+          <p:cNvPr id="2" name="标题 1"/>
+          <p:cNvSpPr>
+            <a:spLocks noGrp="1"/>
+          </p:cNvSpPr>
+          <p:nvPr>
+            <p:ph type="title"/>
+          </p:nvPr>
+        </p:nvSpPr>
+        <p:spPr/>
+        <p:txBody>
+          <a:bodyPr>
+            <a:normAutofit fontScale="90000"/>
+          </a:bodyPr>
+          <a:lstStyle/>
+          <a:p>
+            <a:br>
+              <a:rPr lang="en-US" altLang="zh-CN" sz="3200" dirty="0" smtClean="0"/>
+            </a:br>
+            <a:br>
+              <a:rPr lang="en-US" altLang="zh-CN" sz="3200" dirty="0" smtClean="0"/>
+            </a:br>
+            <a:r>
+              <a:rPr lang="zh-CN" altLang="en-US" dirty="0" smtClean="0"/>
+              <a:t>作用域构造</a:t>
+            </a:r>
+            <a:endParaRPr lang="zh-CN" altLang="en-US" b="1" dirty="0"/>
+          </a:p>
+        </p:txBody>
+      </p:sp>
+      <p:sp>
+        <p:nvSpPr>
+          <p:cNvPr id="3" name="内容占位符 2"/>
+          <p:cNvSpPr>
+            <a:spLocks noGrp="1"/>
+          </p:cNvSpPr>
+          <p:nvPr>
+            <p:ph idx="1"/>
+          </p:nvPr>
+        </p:nvSpPr>
+        <p:spPr/>
+        <p:txBody>
+          <a:bodyPr>
+            <a:normAutofit fontScale="50000"/>
+          </a:bodyPr>
+          <a:lstStyle/>
+          <a:p>
+            <a:pPr marL="0" indent="0">
+              <a:buNone/>
+            </a:pPr>
+            <a:r>
+              <a:rPr lang="zh-CN" altLang="en-US" sz="2400" dirty="0" smtClean="0"/>
+              <a:t>实际工作中，常常需要用立即执行函数来隔离变量，避免全局污染。</a:t>
+            </a:r>
+            <a:endParaRPr lang="zh-CN" altLang="en-US" sz="2400" dirty="0" smtClean="0"/>
+          </a:p>
+          <a:p>
+            <a:pPr marL="0" indent="0">
+              <a:buNone/>
+            </a:pPr>
+            <a:r>
+              <a:rPr lang="en-US" altLang="zh-CN" sz="2400" dirty="0" smtClean="0"/>
+              <a:t>(function(){</a:t>
+            </a:r>
+            <a:endParaRPr lang="en-US" altLang="zh-CN" sz="2400" dirty="0" smtClean="0"/>
+          </a:p>
+          <a:p>
+            <a:pPr marL="0" indent="0">
+              <a:buNone/>
+            </a:pPr>
+            <a:r>
+              <a:rPr lang="en-US" altLang="zh-CN" sz="2400" dirty="0" smtClean="0"/>
+              <a:t>	var a = 1;</a:t>
+            </a:r>
+            <a:endParaRPr lang="en-US" altLang="zh-CN" sz="2400" dirty="0" smtClean="0"/>
+          </a:p>
+          <a:p>
+            <a:pPr marL="0" indent="0">
+              <a:buNone/>
+            </a:pPr>
+            <a:r>
+              <a:rPr lang="en-US" altLang="zh-CN" sz="2400" dirty="0" smtClean="0"/>
+              <a:t>	console.log(a)</a:t>
+            </a:r>
+            <a:endParaRPr lang="en-US" altLang="zh-CN" sz="2400" dirty="0" smtClean="0"/>
+          </a:p>
+          <a:p>
+            <a:pPr marL="0" indent="0">
+              <a:buNone/>
+            </a:pPr>
+            <a:r>
+              <a:rPr lang="en-US" altLang="zh-CN" sz="2400" dirty="0" smtClean="0"/>
+              <a:t>	(function(){</a:t>
+            </a:r>
+            <a:endParaRPr lang="en-US" altLang="zh-CN" sz="2400" dirty="0" smtClean="0"/>
+          </a:p>
+          <a:p>
+            <a:pPr marL="0" indent="0">
+              <a:buNone/>
+            </a:pPr>
+            <a:r>
+              <a:rPr lang="en-US" altLang="zh-CN" sz="2400" dirty="0" smtClean="0"/>
+              <a:t>		var a =2;</a:t>
+            </a:r>
+            <a:endParaRPr lang="en-US" altLang="zh-CN" sz="2400" dirty="0" smtClean="0"/>
+          </a:p>
+          <a:p>
+            <a:pPr marL="0" indent="0">
+              <a:buNone/>
+            </a:pPr>
+            <a:r>
+              <a:rPr lang="en-US" altLang="zh-CN" sz="2400" dirty="0" smtClean="0"/>
+              <a:t>		console.log(a)</a:t>
+            </a:r>
+            <a:endParaRPr lang="en-US" altLang="zh-CN" sz="2400" dirty="0" smtClean="0"/>
+          </a:p>
+          <a:p>
+            <a:pPr marL="0" indent="0">
+              <a:buNone/>
+            </a:pPr>
+            <a:r>
+              <a:rPr lang="en-US" altLang="zh-CN" sz="2400" dirty="0" smtClean="0"/>
+              <a:t>	})()</a:t>
+            </a:r>
+            <a:endParaRPr lang="en-US" altLang="zh-CN" sz="2400" dirty="0" smtClean="0"/>
+          </a:p>
+          <a:p>
+            <a:pPr marL="0" indent="0">
+              <a:buNone/>
+            </a:pPr>
+            <a:r>
+              <a:rPr lang="en-US" altLang="zh-CN" sz="2400" dirty="0" smtClean="0"/>
+              <a:t>})()</a:t>
+            </a:r>
+            <a:endParaRPr lang="en-US" altLang="zh-CN" sz="2400" dirty="0" smtClean="0"/>
+          </a:p>
+          <a:p>
+            <a:pPr marL="0" indent="0">
+              <a:buNone/>
+            </a:pPr>
+            <a:endParaRPr lang="en-US" altLang="zh-CN" sz="2400" dirty="0" smtClean="0"/>
+          </a:p>
+          <a:p>
+            <a:pPr marL="0" indent="0">
+              <a:buNone/>
+            </a:pPr>
+            <a:r>
+              <a:rPr lang="en-US" altLang="zh-CN" sz="2400" dirty="0" smtClean="0"/>
+              <a:t>{</a:t>
+            </a:r>
+            <a:endParaRPr lang="en-US" altLang="zh-CN" sz="2400" dirty="0" smtClean="0"/>
+          </a:p>
+          <a:p>
+            <a:pPr marL="0" indent="0">
+              <a:buNone/>
+            </a:pPr>
+            <a:r>
+              <a:rPr lang="en-US" altLang="zh-CN" sz="2400" dirty="0" smtClean="0"/>
+              <a:t>	let a = 1;</a:t>
+            </a:r>
+            <a:endParaRPr lang="en-US" altLang="zh-CN" sz="2400" dirty="0" smtClean="0"/>
+          </a:p>
+          <a:p>
+            <a:pPr marL="0" indent="0">
+              <a:buNone/>
+            </a:pPr>
+            <a:r>
+              <a:rPr lang="en-US" altLang="zh-CN" sz="2400" dirty="0" smtClean="0"/>
+              <a:t>	console.log(a)</a:t>
+            </a:r>
+            <a:endParaRPr lang="en-US" altLang="zh-CN" sz="2400" dirty="0" smtClean="0"/>
+          </a:p>
+          <a:p>
+            <a:pPr marL="0" indent="0">
+              <a:buNone/>
+            </a:pPr>
+            <a:r>
+              <a:rPr lang="en-US" altLang="zh-CN" sz="2400" dirty="0" smtClean="0"/>
+              <a:t>	{</a:t>
+            </a:r>
+            <a:endParaRPr lang="en-US" altLang="zh-CN" sz="2400" dirty="0" smtClean="0"/>
+          </a:p>
+          <a:p>
+            <a:pPr marL="0" indent="0">
+              <a:buNone/>
+            </a:pPr>
+            <a:r>
+              <a:rPr lang="en-US" altLang="zh-CN" sz="2400" dirty="0" smtClean="0"/>
+              <a:t>		let a = 2;</a:t>
+            </a:r>
+            <a:endParaRPr lang="en-US" altLang="zh-CN" sz="2400" dirty="0" smtClean="0"/>
+          </a:p>
+          <a:p>
+            <a:pPr marL="0" indent="0">
+              <a:buNone/>
+            </a:pPr>
+            <a:r>
+              <a:rPr lang="en-US" altLang="zh-CN" sz="2400" dirty="0" smtClean="0"/>
+              <a:t>		console.log(a)</a:t>
+            </a:r>
+            <a:endParaRPr lang="en-US" altLang="zh-CN" sz="2400" dirty="0" smtClean="0"/>
+          </a:p>
+          <a:p>
+            <a:pPr marL="0" indent="0">
+              <a:buNone/>
+            </a:pPr>
+            <a:r>
+              <a:rPr lang="en-US" altLang="zh-CN" sz="2400" dirty="0" smtClean="0"/>
+              <a:t>	}</a:t>
+            </a:r>
+            <a:endParaRPr lang="en-US" altLang="zh-CN" sz="2400" dirty="0" smtClean="0"/>
+          </a:p>
+          <a:p>
+            <a:pPr marL="0" indent="0">
+              <a:buNone/>
+            </a:pPr>
+            <a:r>
+              <a:rPr lang="en-US" altLang="zh-CN" sz="2400" dirty="0" smtClean="0"/>
+              <a:t>}</a:t>
+            </a:r>
+            <a:endParaRPr lang="zh-CN" altLang="en-US" sz="2400" dirty="0" smtClean="0"/>
+          </a:p>
+          <a:p>
+            <a:endParaRPr lang="zh-CN" altLang="en-US" sz="2000" dirty="0" smtClean="0"/>
+          </a:p>
+          <a:p>
+            <a:endParaRPr lang="en-US" altLang="zh-CN" sz="2000" dirty="0" smtClean="0"/>
+          </a:p>
+        </p:txBody>
+      </p:sp>
+    </p:spTree>
+  </p:cSld>
+  <p:clrMapOvr>
+    <a:masterClrMapping/>
+  </p:clrMapOvr>
+</p:sld>
+</file>
+
+<file path=ppt/slides/slide13.xml><?xml version="1.0" encoding="utf-8"?>
+<p:sld xmlns:a="http://schemas.openxmlformats.org/drawingml/2006/main" xmlns:r="http://schemas.openxmlformats.org/officeDocument/2006/relationships" xmlns:p="http://schemas.openxmlformats.org/presentationml/2006/main">
+  <p:cSld>
+    <p:spTree>
+      <p:nvGrpSpPr>
+        <p:cNvPr id="1" name=""/>
+        <p:cNvGrpSpPr/>
+        <p:nvPr/>
+      </p:nvGrpSpPr>
+      <p:grpSpPr>
+        <a:xfrm>
+          <a:off x="0" y="0"/>
+          <a:ext cx="0" cy="0"/>
+          <a:chOff x="0" y="0"/>
+          <a:chExt cx="0" cy="0"/>
+        </a:xfrm>
+      </p:grpSpPr>
+      <p:sp>
+        <p:nvSpPr>
+          <p:cNvPr id="2" name="标题 1"/>
+          <p:cNvSpPr>
+            <a:spLocks noGrp="1"/>
+          </p:cNvSpPr>
+          <p:nvPr>
+            <p:ph type="title"/>
+          </p:nvPr>
+        </p:nvSpPr>
+        <p:spPr/>
+        <p:txBody>
+          <a:bodyPr>
+            <a:normAutofit fontScale="90000"/>
+          </a:bodyPr>
+          <a:lstStyle/>
+          <a:p>
+            <a:br>
+              <a:rPr lang="en-US" altLang="zh-CN" sz="3200" dirty="0" smtClean="0"/>
+            </a:br>
+            <a:br>
+              <a:rPr lang="en-US" altLang="zh-CN" sz="3200" dirty="0" smtClean="0"/>
+            </a:br>
+            <a:r>
+              <a:rPr lang="en-US" dirty="0" smtClean="0"/>
+              <a:t>const</a:t>
+            </a:r>
+            <a:r>
+              <a:rPr lang="zh-CN" altLang="en-US" dirty="0" smtClean="0"/>
+              <a:t>命令</a:t>
+            </a:r>
+            <a:endParaRPr lang="zh-CN" altLang="en-US" b="1" dirty="0"/>
+          </a:p>
+        </p:txBody>
+      </p:sp>
+      <p:sp>
+        <p:nvSpPr>
+          <p:cNvPr id="3" name="内容占位符 2"/>
+          <p:cNvSpPr>
+            <a:spLocks noGrp="1"/>
+          </p:cNvSpPr>
+          <p:nvPr>
+            <p:ph idx="1"/>
+          </p:nvPr>
+        </p:nvSpPr>
+        <p:spPr/>
+        <p:txBody>
+          <a:bodyPr>
+            <a:normAutofit/>
+          </a:bodyPr>
+          <a:lstStyle/>
+          <a:p>
+            <a:pPr marL="0" indent="0">
+              <a:buNone/>
+            </a:pPr>
+            <a:r>
+              <a:rPr lang="zh-CN" altLang="en-US" sz="2800" dirty="0" smtClean="0"/>
+              <a:t>日常开发中，</a:t>
+            </a:r>
+            <a:r>
+              <a:rPr lang="en-US" altLang="zh-CN" sz="2800" dirty="0" smtClean="0"/>
+              <a:t>js</a:t>
+            </a:r>
+            <a:r>
+              <a:rPr lang="zh-CN" altLang="en-US" sz="2800" dirty="0" smtClean="0"/>
+              <a:t>的全局对象是</a:t>
+            </a:r>
+            <a:r>
+              <a:rPr lang="en-US" altLang="zh-CN" sz="2800" dirty="0" smtClean="0"/>
+              <a:t>window,ES5</a:t>
+            </a:r>
+            <a:r>
+              <a:rPr lang="zh-CN" altLang="en-US" sz="2800" dirty="0" smtClean="0"/>
+              <a:t>中实现常量的方式：</a:t>
+            </a:r>
+            <a:endParaRPr lang="en-US" altLang="zh-CN" sz="2800" dirty="0" smtClean="0"/>
+          </a:p>
+          <a:p>
+            <a:pPr marL="0" indent="0">
+              <a:buNone/>
+            </a:pPr>
+            <a:r>
+              <a:rPr lang="en-US" altLang="zh-CN" sz="2800" dirty="0" smtClean="0"/>
+              <a:t>Object.defineProperty(window,”a”,{</a:t>
+            </a:r>
+            <a:endParaRPr lang="en-US" altLang="zh-CN" sz="2800" dirty="0" smtClean="0"/>
+          </a:p>
+          <a:p>
+            <a:pPr marL="457200" lvl="1" indent="0">
+              <a:buNone/>
+            </a:pPr>
+            <a:r>
+              <a:rPr lang="en-US" altLang="zh-CN" sz="2450" dirty="0" smtClean="0"/>
+              <a:t>	value:10,</a:t>
+            </a:r>
+            <a:endParaRPr lang="en-US" altLang="zh-CN" sz="2450" dirty="0" smtClean="0"/>
+          </a:p>
+          <a:p>
+            <a:pPr marL="457200" lvl="1" indent="0">
+              <a:buNone/>
+            </a:pPr>
+            <a:r>
+              <a:rPr lang="en-US" altLang="zh-CN" sz="2450" dirty="0" smtClean="0"/>
+              <a:t>	writable:false;</a:t>
+            </a:r>
+            <a:endParaRPr lang="en-US" altLang="zh-CN" sz="2450" dirty="0" smtClean="0"/>
+          </a:p>
+          <a:p>
+            <a:pPr marL="0" indent="0">
+              <a:buNone/>
+            </a:pPr>
+            <a:r>
+              <a:rPr lang="en-US" altLang="zh-CN" sz="2800" dirty="0" smtClean="0"/>
+              <a:t>    })</a:t>
+            </a:r>
+            <a:endParaRPr lang="en-US" altLang="zh-CN" sz="2800" dirty="0" smtClean="0"/>
+          </a:p>
+          <a:p>
+            <a:pPr marL="0" indent="0">
+              <a:buNone/>
+            </a:pPr>
+            <a:r>
+              <a:rPr lang="en-US" altLang="zh-CN" sz="2800" dirty="0" smtClean="0"/>
+              <a:t>ES6</a:t>
+            </a:r>
+            <a:r>
+              <a:rPr lang="zh-CN" altLang="en-US" sz="2800" dirty="0" smtClean="0"/>
+              <a:t>中实现常量的方式：</a:t>
+            </a:r>
+            <a:endParaRPr lang="zh-CN" altLang="en-US" sz="2800" dirty="0" smtClean="0"/>
+          </a:p>
+          <a:p>
+            <a:pPr marL="0" indent="0">
+              <a:buNone/>
+            </a:pPr>
+            <a:r>
+              <a:rPr lang="en-US" altLang="zh-CN" sz="2800" dirty="0" smtClean="0"/>
+              <a:t>const a = 10</a:t>
+            </a:r>
+            <a:endParaRPr lang="en-US" altLang="zh-CN" sz="2800" dirty="0" smtClean="0"/>
+          </a:p>
+          <a:p>
+            <a:endParaRPr lang="zh-CN" altLang="en-US" sz="2400" dirty="0" smtClean="0"/>
+          </a:p>
+          <a:p>
+            <a:pPr marL="0" indent="0">
+              <a:buNone/>
+            </a:pPr>
+            <a:endParaRPr lang="zh-CN" altLang="en-US" sz="2400" dirty="0" smtClean="0"/>
+          </a:p>
+          <a:p>
+            <a:endParaRPr lang="zh-CN" altLang="en-US" sz="2400" dirty="0" smtClean="0"/>
+          </a:p>
+          <a:p>
+            <a:endParaRPr lang="zh-CN" altLang="en-US" sz="2000" dirty="0" smtClean="0"/>
+          </a:p>
+          <a:p>
+            <a:endParaRPr lang="en-US" altLang="zh-CN" sz="2000" dirty="0" smtClean="0"/>
+          </a:p>
+        </p:txBody>
+      </p:sp>
+    </p:spTree>
+  </p:cSld>
+  <p:clrMapOvr>
+    <a:masterClrMapping/>
+  </p:clrMapOvr>
+</p:sld>
+</file>
+
+<file path=ppt/slides/slide14.xml><?xml version="1.0" encoding="utf-8"?>
+<p:sld xmlns:a="http://schemas.openxmlformats.org/drawingml/2006/main" xmlns:r="http://schemas.openxmlformats.org/officeDocument/2006/relationships" xmlns:p="http://schemas.openxmlformats.org/presentationml/2006/main">
+  <p:cSld>
+    <p:spTree>
+      <p:nvGrpSpPr>
+        <p:cNvPr id="1" name=""/>
+        <p:cNvGrpSpPr/>
+        <p:nvPr/>
+      </p:nvGrpSpPr>
+      <p:grpSpPr>
+        <a:xfrm>
+          <a:off x="0" y="0"/>
+          <a:ext cx="0" cy="0"/>
+          <a:chOff x="0" y="0"/>
+          <a:chExt cx="0" cy="0"/>
+        </a:xfrm>
+      </p:grpSpPr>
+      <p:sp>
+        <p:nvSpPr>
+          <p:cNvPr id="2" name="标题 1"/>
+          <p:cNvSpPr>
+            <a:spLocks noGrp="1"/>
+          </p:cNvSpPr>
+          <p:nvPr>
+            <p:ph type="title"/>
+          </p:nvPr>
+        </p:nvSpPr>
+        <p:spPr/>
+        <p:txBody>
+          <a:bodyPr>
+            <a:normAutofit fontScale="90000"/>
+          </a:bodyPr>
+          <a:lstStyle/>
+          <a:p>
+            <a:br>
+              <a:rPr lang="en-US" altLang="zh-CN" sz="3200" dirty="0" smtClean="0"/>
+            </a:br>
+            <a:br>
+              <a:rPr lang="en-US" altLang="zh-CN" sz="3200" dirty="0" smtClean="0"/>
+            </a:br>
+            <a:r>
+              <a:rPr lang="zh-CN" altLang="en-US" dirty="0" smtClean="0"/>
+              <a:t>箭头函数</a:t>
+            </a:r>
+            <a:endParaRPr lang="en-US" altLang="zh-CN" b="1" dirty="0" smtClean="0"/>
+          </a:p>
+        </p:txBody>
+      </p:sp>
+      <p:sp>
+        <p:nvSpPr>
+          <p:cNvPr id="3" name="内容占位符 2"/>
+          <p:cNvSpPr>
+            <a:spLocks noGrp="1"/>
+          </p:cNvSpPr>
+          <p:nvPr>
+            <p:ph idx="1"/>
+          </p:nvPr>
+        </p:nvSpPr>
+        <p:spPr/>
+        <p:txBody>
+          <a:bodyPr>
+            <a:normAutofit/>
+          </a:bodyPr>
+          <a:lstStyle/>
+          <a:p>
+            <a:pPr marL="457200" lvl="1" indent="0">
+              <a:buNone/>
+            </a:pPr>
+            <a:r>
+              <a:rPr lang="en-US" altLang="zh-CN" sz="1750" dirty="0" smtClean="0"/>
+              <a:t>ES5</a:t>
+            </a:r>
+            <a:r>
+              <a:rPr lang="zh-CN" altLang="en-US" sz="1750" dirty="0" smtClean="0"/>
+              <a:t>中函数的写法</a:t>
+            </a:r>
+            <a:endParaRPr lang="en-US" altLang="zh-CN" sz="2450" dirty="0" smtClean="0"/>
+          </a:p>
+          <a:p>
+            <a:pPr marL="457200" lvl="1" indent="0">
+              <a:buNone/>
+            </a:pPr>
+            <a:r>
+              <a:rPr lang="en-US" altLang="zh-CN" sz="1750" dirty="0" smtClean="0"/>
+              <a:t>function(){  </a:t>
+            </a:r>
+            <a:endParaRPr lang="en-US" altLang="zh-CN" sz="1750" dirty="0" smtClean="0"/>
+          </a:p>
+          <a:p>
+            <a:pPr marL="457200" lvl="1" indent="0">
+              <a:buNone/>
+            </a:pPr>
+            <a:r>
+              <a:rPr lang="en-US" altLang="zh-CN" sz="1750" dirty="0" smtClean="0"/>
+              <a:t>}</a:t>
+            </a:r>
+            <a:endParaRPr lang="en-US" altLang="zh-CN" sz="1750" dirty="0" smtClean="0"/>
+          </a:p>
+          <a:p>
+            <a:pPr marL="457200" lvl="1" indent="0">
+              <a:buNone/>
+            </a:pPr>
+            <a:endParaRPr lang="en-US" altLang="zh-CN" sz="1750" dirty="0" smtClean="0"/>
+          </a:p>
+          <a:p>
+            <a:pPr marL="457200" lvl="1" indent="0">
+              <a:buNone/>
+            </a:pPr>
+            <a:r>
+              <a:rPr lang="en-US" altLang="zh-CN" sz="1750" dirty="0" smtClean="0"/>
+              <a:t>ES6</a:t>
+            </a:r>
+            <a:r>
+              <a:rPr lang="zh-CN" altLang="en-US" sz="1750" dirty="0" smtClean="0"/>
+              <a:t>中函数的写法</a:t>
+            </a:r>
+            <a:endParaRPr lang="en-US" altLang="zh-CN" sz="1750" dirty="0" smtClean="0"/>
+          </a:p>
+          <a:p>
+            <a:pPr marL="457200" lvl="1" indent="0">
+              <a:buNone/>
+            </a:pPr>
+            <a:r>
+              <a:rPr lang="en-US" altLang="zh-CN" sz="1750" dirty="0" smtClean="0">
+                <a:sym typeface="+mn-ea"/>
+              </a:rPr>
+              <a:t> () = &gt; {</a:t>
+            </a:r>
+            <a:endParaRPr lang="en-US" altLang="zh-CN" sz="1750" dirty="0" smtClean="0">
+              <a:sym typeface="+mn-ea"/>
+            </a:endParaRPr>
+          </a:p>
+          <a:p>
+            <a:pPr marL="457200" lvl="1" indent="0">
+              <a:buNone/>
+            </a:pPr>
+            <a:r>
+              <a:rPr lang="en-US" altLang="zh-CN" sz="1750" dirty="0" smtClean="0">
+                <a:sym typeface="+mn-ea"/>
+              </a:rPr>
+              <a:t>}</a:t>
+            </a:r>
+            <a:endParaRPr lang="en-US" altLang="zh-CN" sz="1750" dirty="0" smtClean="0">
+              <a:sym typeface="+mn-ea"/>
+            </a:endParaRPr>
+          </a:p>
+          <a:p>
+            <a:pPr marL="457200" lvl="1" indent="0">
+              <a:buNone/>
+            </a:pPr>
+            <a:endParaRPr lang="en-US" altLang="zh-CN" sz="1750" dirty="0" smtClean="0">
+              <a:sym typeface="+mn-ea"/>
+            </a:endParaRPr>
+          </a:p>
+          <a:p>
+            <a:pPr marL="457200" lvl="1" indent="0">
+              <a:buNone/>
+            </a:pPr>
+            <a:r>
+              <a:rPr lang="zh-CN" altLang="en-US" sz="1750" dirty="0" smtClean="0"/>
+              <a:t>优点：</a:t>
+            </a:r>
+            <a:endParaRPr lang="zh-CN" altLang="en-US" sz="1750" dirty="0" smtClean="0"/>
+          </a:p>
+          <a:p>
+            <a:pPr marL="800100" lvl="1" indent="-342900">
+              <a:buFont typeface="+mj-ea"/>
+              <a:buAutoNum type="circleNumDbPlain"/>
+            </a:pPr>
+            <a:r>
+              <a:rPr lang="zh-CN" altLang="en-US" sz="1750" dirty="0" smtClean="0"/>
+              <a:t>少去了</a:t>
+            </a:r>
+            <a:r>
+              <a:rPr lang="en-US" altLang="zh-CN" sz="1750" dirty="0" smtClean="0"/>
+              <a:t>function</a:t>
+            </a:r>
+            <a:r>
+              <a:rPr lang="zh-CN" altLang="en-US" sz="1750" dirty="0" smtClean="0"/>
+              <a:t>，写法上更为简洁</a:t>
+            </a:r>
+            <a:endParaRPr lang="zh-CN" altLang="en-US" sz="1750" dirty="0" smtClean="0"/>
+          </a:p>
+          <a:p>
+            <a:pPr marL="800100" lvl="1" indent="-342900">
+              <a:buFont typeface="+mj-ea"/>
+              <a:buAutoNum type="circleNumDbPlain"/>
+            </a:pPr>
+            <a:r>
+              <a:rPr lang="zh-CN" altLang="en-US" sz="1750" dirty="0" smtClean="0"/>
+              <a:t>箭头函数中，</a:t>
+            </a:r>
+            <a:r>
+              <a:rPr lang="en-US" altLang="zh-CN" sz="1750" dirty="0" smtClean="0"/>
+              <a:t>this</a:t>
+            </a:r>
+            <a:r>
+              <a:rPr lang="zh-CN" altLang="en-US" sz="1750" dirty="0" smtClean="0"/>
+              <a:t>的指向有了新的意义</a:t>
+            </a:r>
+            <a:endParaRPr lang="en-US" altLang="zh-CN" sz="1750" dirty="0" smtClean="0"/>
+          </a:p>
+          <a:p>
+            <a:pPr marL="0" indent="0">
+              <a:buNone/>
+            </a:pPr>
+            <a:endParaRPr lang="zh-CN" altLang="en-US" sz="2000" dirty="0" smtClean="0"/>
+          </a:p>
+          <a:p>
+            <a:endParaRPr lang="zh-CN" altLang="en-US" sz="2000" dirty="0" smtClean="0"/>
+          </a:p>
+          <a:p>
+            <a:endParaRPr lang="en-US" altLang="zh-CN" sz="2000" dirty="0" smtClean="0"/>
+          </a:p>
+        </p:txBody>
+      </p:sp>
+    </p:spTree>
+  </p:cSld>
+  <p:clrMapOvr>
+    <a:masterClrMapping/>
+  </p:clrMapOvr>
+</p:sld>
+</file>
+
+<file path=ppt/slides/slide15.xml><?xml version="1.0" encoding="utf-8"?>
 <p:sld xmlns:a="http://schemas.openxmlformats.org/drawingml/2006/main" xmlns:r="http://schemas.openxmlformats.org/officeDocument/2006/relationships" xmlns:p="http://schemas.openxmlformats.org/presentationml/2006/main">
   <p:cSld>
     <p:spTree>
@@ -5858,37 +6576,72 @@
               <a:lnSpc>
                 <a:spcPct val="120000"/>
               </a:lnSpc>
-              <a:buBlip>
-                <a:blip r:embed="rId3"/>
-              </a:buBlip>
+              <a:buFont typeface="Wingdings" panose="05000000000000000000" charset="0"/>
+              <a:buChar char="Ø"/>
             </a:pPr>
             <a:r>
               <a:rPr lang="zh-CN" altLang="en-US" sz="2800" b="1" dirty="0" smtClean="0">
                 <a:solidFill>
                   <a:schemeClr val="tx2"/>
                 </a:solidFill>
-                <a:latin typeface="微软雅黑" pitchFamily="34" charset="-122"/>
-                <a:ea typeface="微软雅黑" pitchFamily="34" charset="-122"/>
+                <a:latin typeface="微软雅黑" panose="020B0503020204020204" pitchFamily="34" charset="-122"/>
+                <a:ea typeface="微软雅黑" panose="020B0503020204020204" pitchFamily="34" charset="-122"/>
               </a:rPr>
-              <a:t> </a:t>
-            </a:r>
+              <a:t> 为什么学</a:t>
+            </a:r>
+            <a:r>
+              <a:rPr lang="en-US" altLang="zh-CN" sz="2800" b="1" dirty="0" err="1" smtClean="0">
+                <a:solidFill>
+                  <a:schemeClr val="tx2"/>
+                </a:solidFill>
+                <a:latin typeface="微软雅黑" panose="020B0503020204020204" pitchFamily="34" charset="-122"/>
+                <a:ea typeface="微软雅黑" panose="020B0503020204020204" pitchFamily="34" charset="-122"/>
+              </a:rPr>
+              <a:t>ECMAScript</a:t>
+            </a:r>
+            <a:r>
+              <a:rPr lang="en-US" altLang="zh-CN" sz="2800" b="1" dirty="0" smtClean="0">
+                <a:solidFill>
+                  <a:schemeClr val="tx2"/>
+                </a:solidFill>
+                <a:latin typeface="微软雅黑" panose="020B0503020204020204" pitchFamily="34" charset="-122"/>
+                <a:ea typeface="微软雅黑" panose="020B0503020204020204" pitchFamily="34" charset="-122"/>
+              </a:rPr>
+              <a:t> 6</a:t>
+            </a:r>
+            <a:endParaRPr lang="en-US" altLang="zh-CN" sz="2800" b="1" dirty="0" smtClean="0">
+              <a:solidFill>
+                <a:schemeClr val="bg1"/>
+              </a:solidFill>
+              <a:latin typeface="微软雅黑" panose="020B0503020204020204" pitchFamily="34" charset="-122"/>
+              <a:ea typeface="微软雅黑" panose="020B0503020204020204" pitchFamily="34" charset="-122"/>
+            </a:endParaRPr>
+          </a:p>
+          <a:p>
+            <a:pPr>
+              <a:lnSpc>
+                <a:spcPct val="120000"/>
+              </a:lnSpc>
+              <a:buFont typeface="Wingdings" panose="05000000000000000000" charset="0"/>
+              <a:buChar char="Ø"/>
+            </a:pPr>
             <a:r>
               <a:rPr lang="zh-CN" altLang="en-US" sz="2800" b="1" dirty="0" smtClean="0">
                 <a:solidFill>
                   <a:schemeClr val="tx2"/>
                 </a:solidFill>
-                <a:latin typeface="微软雅黑" pitchFamily="34" charset="-122"/>
-                <a:ea typeface="微软雅黑" pitchFamily="34" charset="-122"/>
+                <a:latin typeface="微软雅黑" panose="020B0503020204020204" pitchFamily="34" charset="-122"/>
+                <a:ea typeface="微软雅黑" panose="020B0503020204020204" pitchFamily="34" charset="-122"/>
               </a:rPr>
-              <a:t>为什么学</a:t>
+              <a:t> </a:t>
             </a:r>
             <a:r>
               <a:rPr lang="en-US" altLang="zh-CN" sz="2800" b="1" dirty="0" err="1" smtClean="0">
                 <a:solidFill>
                   <a:schemeClr val="tx2"/>
                 </a:solidFill>
-                <a:latin typeface="微软雅黑" pitchFamily="34" charset="-122"/>
-                <a:ea typeface="微软雅黑" pitchFamily="34" charset="-122"/>
+                <a:latin typeface="微软雅黑" panose="020B0503020204020204" pitchFamily="34" charset="-122"/>
+                <a:ea typeface="微软雅黑" panose="020B0503020204020204" pitchFamily="34" charset="-122"/>
               </a:rPr>
               <a:t>ECMAScript</a:t>
             </a:r>
@@ -5897,17 +6650,27 @@
                 <a:solidFill>
                   <a:schemeClr val="tx2"/>
                 </a:solidFill>
-                <a:latin typeface="微软雅黑" pitchFamily="34" charset="-122"/>
-                <a:ea typeface="微软雅黑" pitchFamily="34" charset="-122"/>
+                <a:latin typeface="微软雅黑" panose="020B0503020204020204" pitchFamily="34" charset="-122"/>
+                <a:ea typeface="微软雅黑" panose="020B0503020204020204" pitchFamily="34" charset="-122"/>
               </a:rPr>
-              <a:t> 6</a:t>
+              <a:t> </a:t>
+            </a:r>
+            <a:r>
+              <a:rPr lang="zh-CN" altLang="en-US" sz="2800" b="1" dirty="0" smtClean="0">
+                <a:solidFill>
+                  <a:schemeClr val="tx2"/>
+                </a:solidFill>
+                <a:latin typeface="微软雅黑" panose="020B0503020204020204" pitchFamily="34" charset="-122"/>
+                <a:ea typeface="微软雅黑" panose="020B0503020204020204" pitchFamily="34" charset="-122"/>
+              </a:rPr>
+              <a:t>的发展历史</a:t>
             </a:r>
             <a:endParaRPr lang="en-US" altLang="zh-CN" sz="2800" b="1" dirty="0" smtClean="0">
               <a:solidFill>
-                <a:schemeClr val="bg1"/>
+                <a:schemeClr val="tx2"/>
               </a:solidFill>
-              <a:latin typeface="微软雅黑" pitchFamily="34" charset="-122"/>
-              <a:ea typeface="微软雅黑" pitchFamily="34" charset="-122"/>
+              <a:latin typeface="微软雅黑" panose="020B0503020204020204" pitchFamily="34" charset="-122"/>
+              <a:ea typeface="微软雅黑" panose="020B0503020204020204" pitchFamily="34" charset="-122"/>
             </a:endParaRPr>
           </a:p>
           <a:p>
@@ -5915,17 +6678,42 @@
               <a:lnSpc>
                 <a:spcPct val="120000"/>
               </a:lnSpc>
-              <a:buBlip>
-                <a:blip r:embed="rId3"/>
-              </a:buBlip>
+              <a:buFont typeface="Wingdings" panose="05000000000000000000" charset="0"/>
+              <a:buChar char="Ø"/>
             </a:pPr>
             <a:r>
               <a:rPr lang="zh-CN" altLang="en-US" sz="2800" b="1" dirty="0" smtClean="0">
                 <a:solidFill>
                   <a:schemeClr val="tx2"/>
                 </a:solidFill>
-                <a:latin typeface="微软雅黑" pitchFamily="34" charset="-122"/>
-                <a:ea typeface="微软雅黑" pitchFamily="34" charset="-122"/>
+                <a:latin typeface="微软雅黑" panose="020B0503020204020204" pitchFamily="34" charset="-122"/>
+                <a:ea typeface="微软雅黑" panose="020B0503020204020204" pitchFamily="34" charset="-122"/>
+              </a:rPr>
+              <a:t> 环境部署</a:t>
+            </a:r>
+            <a:endParaRPr lang="en-US" altLang="zh-CN" sz="2800" b="1" dirty="0" smtClean="0">
+              <a:solidFill>
+                <a:schemeClr val="tx2"/>
+              </a:solidFill>
+              <a:latin typeface="微软雅黑" panose="020B0503020204020204" pitchFamily="34" charset="-122"/>
+              <a:ea typeface="微软雅黑" panose="020B0503020204020204" pitchFamily="34" charset="-122"/>
+            </a:endParaRPr>
+          </a:p>
+          <a:p>
+            <a:pPr>
+              <a:lnSpc>
+                <a:spcPct val="120000"/>
+              </a:lnSpc>
+              <a:buFont typeface="Wingdings" panose="05000000000000000000" charset="0"/>
+              <a:buChar char="Ø"/>
+            </a:pPr>
+            <a:r>
+              <a:rPr lang="zh-CN" altLang="en-US" sz="2800" b="1" dirty="0" smtClean="0">
+                <a:solidFill>
+                  <a:schemeClr val="tx2"/>
+                </a:solidFill>
+                <a:latin typeface="微软雅黑" panose="020B0503020204020204" pitchFamily="34" charset="-122"/>
+                <a:ea typeface="微软雅黑" panose="020B0503020204020204" pitchFamily="34" charset="-122"/>
               </a:rPr>
               <a:t> </a:t>
             </a:r>
@@ -5934,8 +6722,8 @@
                 <a:solidFill>
                   <a:schemeClr val="tx2"/>
                 </a:solidFill>
-                <a:latin typeface="微软雅黑" pitchFamily="34" charset="-122"/>
-                <a:ea typeface="微软雅黑" pitchFamily="34" charset="-122"/>
+                <a:latin typeface="微软雅黑" panose="020B0503020204020204" pitchFamily="34" charset="-122"/>
+                <a:ea typeface="微软雅黑" panose="020B0503020204020204" pitchFamily="34" charset="-122"/>
               </a:rPr>
               <a:t>ECMAScript</a:t>
             </a:r>
@@ -5944,131 +6732,27 @@
                 <a:solidFill>
                   <a:schemeClr val="tx2"/>
                 </a:solidFill>
-                <a:latin typeface="微软雅黑" pitchFamily="34" charset="-122"/>
-                <a:ea typeface="微软雅黑" pitchFamily="34" charset="-122"/>
+                <a:latin typeface="微软雅黑" panose="020B0503020204020204" pitchFamily="34" charset="-122"/>
+                <a:ea typeface="微软雅黑" panose="020B0503020204020204" pitchFamily="34" charset="-122"/>
               </a:rPr>
-              <a:t> </a:t>
+              <a:t> 6</a:t>
             </a:r>
             <a:r>
               <a:rPr lang="zh-CN" altLang="en-US" sz="2800" b="1" dirty="0" smtClean="0">
                 <a:solidFill>
                   <a:schemeClr val="tx2"/>
                 </a:solidFill>
-                <a:latin typeface="微软雅黑" pitchFamily="34" charset="-122"/>
-                <a:ea typeface="微软雅黑" pitchFamily="34" charset="-122"/>
+                <a:latin typeface="微软雅黑" panose="020B0503020204020204" pitchFamily="34" charset="-122"/>
+                <a:ea typeface="微软雅黑" panose="020B0503020204020204" pitchFamily="34" charset="-122"/>
               </a:rPr>
-              <a:t>的</a:t>
-            </a:r>
-            <a:r>
-              <a:rPr lang="zh-CN" altLang="en-US" sz="2800" b="1" dirty="0" smtClean="0">
-                <a:solidFill>
-                  <a:schemeClr val="tx2"/>
-                </a:solidFill>
-                <a:latin typeface="微软雅黑" pitchFamily="34" charset="-122"/>
-                <a:ea typeface="微软雅黑" pitchFamily="34" charset="-122"/>
-              </a:rPr>
-              <a:t>发展历史</a:t>
+              <a:t>的常见用法</a:t>
             </a:r>
             <a:endParaRPr lang="en-US" altLang="zh-CN" sz="2800" b="1" dirty="0" smtClean="0">
               <a:solidFill>
                 <a:schemeClr val="tx2"/>
               </a:solidFill>
-              <a:latin typeface="微软雅黑" pitchFamily="34" charset="-122"/>
-              <a:ea typeface="微软雅黑" pitchFamily="34" charset="-122"/>
-            </a:endParaRPr>
-          </a:p>
-          <a:p>
-            <a:pPr>
-              <a:lnSpc>
-                <a:spcPct val="120000"/>
-              </a:lnSpc>
-              <a:buBlip>
-                <a:blip r:embed="rId3"/>
-              </a:buBlip>
-            </a:pPr>
-            <a:r>
-              <a:rPr lang="zh-CN" altLang="en-US" sz="2800" b="1" dirty="0" smtClean="0">
-                <a:solidFill>
-                  <a:schemeClr val="tx2"/>
-                </a:solidFill>
-                <a:latin typeface="微软雅黑" pitchFamily="34" charset="-122"/>
-                <a:ea typeface="微软雅黑" pitchFamily="34" charset="-122"/>
-              </a:rPr>
-              <a:t> </a:t>
-            </a:r>
-            <a:r>
-              <a:rPr lang="zh-CN" altLang="en-US" sz="2800" b="1" dirty="0" smtClean="0">
-                <a:solidFill>
-                  <a:schemeClr val="tx2"/>
-                </a:solidFill>
-                <a:latin typeface="微软雅黑" pitchFamily="34" charset="-122"/>
-                <a:ea typeface="微软雅黑" pitchFamily="34" charset="-122"/>
-              </a:rPr>
-              <a:t>环境部署</a:t>
-            </a:r>
-            <a:endParaRPr lang="en-US" altLang="zh-CN" sz="2800" b="1" dirty="0" smtClean="0">
-              <a:solidFill>
-                <a:schemeClr val="tx2"/>
-              </a:solidFill>
-              <a:latin typeface="微软雅黑" pitchFamily="34" charset="-122"/>
-              <a:ea typeface="微软雅黑" pitchFamily="34" charset="-122"/>
-            </a:endParaRPr>
-          </a:p>
-          <a:p>
-            <a:pPr>
-              <a:lnSpc>
-                <a:spcPct val="120000"/>
-              </a:lnSpc>
-              <a:buBlip>
-                <a:blip r:embed="rId3"/>
-              </a:buBlip>
-            </a:pPr>
-            <a:r>
-              <a:rPr lang="zh-CN" altLang="en-US" sz="2800" b="1" dirty="0" smtClean="0">
-                <a:solidFill>
-                  <a:schemeClr val="tx2"/>
-                </a:solidFill>
-                <a:latin typeface="微软雅黑" pitchFamily="34" charset="-122"/>
-                <a:ea typeface="微软雅黑" pitchFamily="34" charset="-122"/>
-              </a:rPr>
-              <a:t> </a:t>
-            </a:r>
-            <a:r>
-              <a:rPr lang="en-US" altLang="zh-CN" sz="2800" b="1" dirty="0" err="1" smtClean="0">
-                <a:solidFill>
-                  <a:schemeClr val="tx2"/>
-                </a:solidFill>
-                <a:latin typeface="微软雅黑" pitchFamily="34" charset="-122"/>
-                <a:ea typeface="微软雅黑" pitchFamily="34" charset="-122"/>
-              </a:rPr>
-              <a:t>ECMAScript</a:t>
-            </a:r>
-            <a:r>
-              <a:rPr lang="en-US" altLang="zh-CN" sz="2800" b="1" dirty="0" smtClean="0">
-                <a:solidFill>
-                  <a:schemeClr val="tx2"/>
-                </a:solidFill>
-                <a:latin typeface="微软雅黑" pitchFamily="34" charset="-122"/>
-                <a:ea typeface="微软雅黑" pitchFamily="34" charset="-122"/>
-              </a:rPr>
-              <a:t> 6</a:t>
-            </a:r>
-            <a:r>
-              <a:rPr lang="zh-CN" altLang="en-US" sz="2800" b="1" dirty="0" smtClean="0">
-                <a:solidFill>
-                  <a:schemeClr val="tx2"/>
-                </a:solidFill>
-                <a:latin typeface="微软雅黑" pitchFamily="34" charset="-122"/>
-                <a:ea typeface="微软雅黑" pitchFamily="34" charset="-122"/>
-              </a:rPr>
-              <a:t>的常见用法</a:t>
-            </a:r>
-            <a:endParaRPr lang="en-US" altLang="zh-CN" sz="2800" b="1" dirty="0" smtClean="0">
-              <a:solidFill>
-                <a:schemeClr val="tx2"/>
-              </a:solidFill>
-              <a:latin typeface="微软雅黑" pitchFamily="34" charset="-122"/>
-              <a:ea typeface="微软雅黑" pitchFamily="34" charset="-122"/>
+              <a:latin typeface="微软雅黑" panose="020B0503020204020204" pitchFamily="34" charset="-122"/>
+              <a:ea typeface="微软雅黑" panose="020B0503020204020204" pitchFamily="34" charset="-122"/>
             </a:endParaRPr>
           </a:p>
         </p:txBody>
@@ -6111,16 +6795,16 @@
             <a:pPr lvl="1"/>
             <a:r>
               <a:rPr lang="zh-CN" altLang="en-US" sz="3600" b="1" dirty="0" smtClean="0">
-                <a:latin typeface="微软雅黑" pitchFamily="34" charset="-122"/>
-                <a:ea typeface="微软雅黑" pitchFamily="34" charset="-122"/>
-                <a:cs typeface="Arial" pitchFamily="34" charset="0"/>
+                <a:latin typeface="微软雅黑" panose="020B0503020204020204" pitchFamily="34" charset="-122"/>
+                <a:ea typeface="微软雅黑" panose="020B0503020204020204" pitchFamily="34" charset="-122"/>
+                <a:cs typeface="Arial" panose="020B0604020202020204" pitchFamily="34" charset="0"/>
               </a:rPr>
               <a:t>目录</a:t>
             </a:r>
             <a:endParaRPr lang="zh-CN" altLang="en-US" sz="3600" b="1" dirty="0">
-              <a:latin typeface="微软雅黑" pitchFamily="34" charset="-122"/>
-              <a:ea typeface="微软雅黑" pitchFamily="34" charset="-122"/>
-              <a:cs typeface="Arial" pitchFamily="34" charset="0"/>
+              <a:latin typeface="微软雅黑" panose="020B0503020204020204" pitchFamily="34" charset="-122"/>
+              <a:ea typeface="微软雅黑" panose="020B0503020204020204" pitchFamily="34" charset="-122"/>
+              <a:cs typeface="Arial" panose="020B0604020202020204" pitchFamily="34" charset="0"/>
             </a:endParaRPr>
           </a:p>
         </p:txBody>
@@ -6153,8 +6837,6 @@
                   <a:schemeClr val="bg1"/>
                 </a:solidFill>
               </a:rPr>
-              <a:pPr/>
-              <a:t>2</a:t>
             </a:fld>
             <a:endParaRPr lang="zh-CN" altLang="en-US" dirty="0">
               <a:solidFill>
@@ -6165,11 +6847,6 @@
         </p:txBody>
       </p:sp>
     </p:spTree>
-    <p:extLst>
-      <p:ext uri="{BB962C8B-B14F-4D97-AF65-F5344CB8AC3E}">
-        <p14:creationId xmlns:p14="http://schemas.microsoft.com/office/powerpoint/2010/main" xmlns="" val="2658442634"/>
-      </p:ext>
-    </p:extLst>
   </p:cSld>
   <p:clrMapOvr>
     <a:masterClrMapping/>
@@ -6218,24 +6895,12 @@
           </a:bodyPr>
           <a:lstStyle/>
           <a:p>
-            <a:r>
-              <a:rPr lang="en-US" altLang="zh-CN" sz="3200" dirty="0" smtClean="0"/>
-              <a:t/>
-            </a:r>
             <a:br>
               <a:rPr lang="en-US" altLang="zh-CN" sz="3200" dirty="0" smtClean="0"/>
             </a:br>
-            <a:r>
-              <a:rPr lang="en-US" altLang="zh-CN" sz="3200" dirty="0" smtClean="0"/>
-              <a:t/>
-            </a:r>
             <a:br>
               <a:rPr lang="en-US" altLang="zh-CN" sz="3200" dirty="0" smtClean="0"/>
             </a:br>
-            <a:r>
-              <a:rPr lang="en-US" altLang="zh-CN" sz="3200" dirty="0" smtClean="0"/>
-              <a:t/>
-            </a:r>
             <a:br>
               <a:rPr lang="en-US" altLang="zh-CN" sz="3200" dirty="0" smtClean="0"/>
             </a:br>
@@ -6273,45 +6938,46 @@
             <a:endParaRPr lang="en-US" altLang="zh-CN" sz="2800" dirty="0" smtClean="0"/>
           </a:p>
           <a:p>
+            <a:pPr>
+              <a:buFont typeface="Wingdings" panose="05000000000000000000" charset="0"/>
+              <a:buChar char="Ø"/>
+            </a:pPr>
             <a:r>
               <a:rPr lang="zh-CN" altLang="en-US" sz="2800" dirty="0" smtClean="0"/>
-              <a:t>前</a:t>
-            </a:r>
-            <a:r>
-              <a:rPr lang="zh-CN" altLang="en-US" sz="2800" dirty="0" smtClean="0"/>
-              <a:t>后端</a:t>
-            </a:r>
-            <a:r>
-              <a:rPr lang="zh-CN" altLang="en-US" sz="2800" dirty="0" smtClean="0"/>
-              <a:t>分离</a:t>
+              <a:t>前后端分离</a:t>
             </a:r>
             <a:endParaRPr lang="en-US" altLang="zh-CN" sz="2800" dirty="0" smtClean="0"/>
           </a:p>
           <a:p>
             <a:pPr>
-              <a:buNone/>
+              <a:buFont typeface="Wingdings" panose="05000000000000000000" charset="0"/>
+              <a:buChar char="Ø"/>
             </a:pPr>
             <a:endParaRPr lang="en-US" altLang="zh-CN" dirty="0" smtClean="0"/>
           </a:p>
           <a:p>
+            <a:pPr>
+              <a:buFont typeface="Wingdings" panose="05000000000000000000" charset="0"/>
+              <a:buChar char="Ø"/>
+            </a:pPr>
             <a:r>
               <a:rPr lang="zh-CN" altLang="en-US" dirty="0" smtClean="0"/>
-              <a:t>能够</a:t>
-            </a:r>
-            <a:r>
-              <a:rPr lang="zh-CN" altLang="en-US" dirty="0" smtClean="0"/>
-              <a:t>看懂其他人的开源</a:t>
-            </a:r>
-            <a:r>
-              <a:rPr lang="zh-CN" altLang="en-US" dirty="0" smtClean="0"/>
-              <a:t>项目</a:t>
+              <a:t>能够看懂其他人的项目</a:t>
             </a:r>
             <a:endParaRPr lang="en-US" altLang="zh-CN" dirty="0" smtClean="0"/>
           </a:p>
           <a:p>
+            <a:pPr>
+              <a:buFont typeface="Wingdings" panose="05000000000000000000" charset="0"/>
+              <a:buChar char="Ø"/>
+            </a:pPr>
             <a:endParaRPr lang="en-US" altLang="zh-CN" dirty="0" smtClean="0"/>
           </a:p>
           <a:p>
+            <a:pPr>
+              <a:buFont typeface="Wingdings" panose="05000000000000000000" charset="0"/>
+              <a:buChar char="Ø"/>
+            </a:pPr>
             <a:r>
               <a:rPr lang="zh-CN" altLang="en-US" dirty="0" smtClean="0"/>
               <a:t>全栈工程师的修行之路</a:t>
@@ -6321,11 +6987,6 @@
         </p:txBody>
       </p:sp>
     </p:spTree>
-    <p:extLst>
-      <p:ext uri="{BB962C8B-B14F-4D97-AF65-F5344CB8AC3E}">
-        <p14:creationId xmlns:p14="http://schemas.microsoft.com/office/powerpoint/2010/main" xmlns="" val="2395894475"/>
-      </p:ext>
-    </p:extLst>
   </p:cSld>
   <p:clrMapOvr>
     <a:masterClrMapping/>
@@ -6367,30 +7028,22 @@
           </a:bodyPr>
           <a:lstStyle/>
           <a:p>
-            <a:r>
-              <a:rPr lang="en-US" altLang="zh-CN" sz="3200" dirty="0" smtClean="0"/>
-              <a:t/>
-            </a:r>
             <a:br>
               <a:rPr lang="en-US" altLang="zh-CN" sz="3200" dirty="0" smtClean="0"/>
             </a:br>
-            <a:r>
-              <a:rPr lang="en-US" altLang="zh-CN" sz="3200" dirty="0" smtClean="0"/>
-              <a:t/>
-            </a:r>
             <a:br>
               <a:rPr lang="en-US" altLang="zh-CN" sz="3200" dirty="0" smtClean="0"/>
             </a:br>
-            <a:r>
-              <a:rPr lang="en-US" altLang="zh-CN" sz="3200" dirty="0" smtClean="0"/>
-              <a:t/>
-            </a:r>
             <a:br>
               <a:rPr lang="en-US" altLang="zh-CN" sz="3200" dirty="0" smtClean="0"/>
             </a:br>
             <a:r>
+              <a:rPr lang="en-US" altLang="zh-CN" b="1" dirty="0" err="1" smtClean="0"/>
+              <a:t>ECMAScript</a:t>
+            </a:r>
+            <a:r>
               <a:rPr lang="zh-CN" altLang="en-US" b="1" dirty="0" smtClean="0"/>
-              <a:t>开发环境部署</a:t>
+              <a:t>的发展历史</a:t>
             </a:r>
             <a:endParaRPr lang="zh-CN" altLang="en-US" b="1" dirty="0"/>
           </a:p>
@@ -6408,96 +7061,268 @@
         </p:nvSpPr>
         <p:spPr/>
         <p:txBody>
-          <a:bodyPr>
-            <a:normAutofit lnSpcReduction="10000"/>
-          </a:bodyPr>
+          <a:bodyPr/>
           <a:lstStyle/>
           <a:p>
             <a:endParaRPr lang="en-US" altLang="zh-CN" sz="2800" dirty="0" smtClean="0"/>
           </a:p>
           <a:p>
             <a:r>
-              <a:rPr lang="zh-CN" altLang="en-US" sz="2800" dirty="0" smtClean="0"/>
-              <a:t>直接使用</a:t>
-            </a:r>
-            <a:r>
-              <a:rPr lang="en-US" altLang="zh-CN" sz="2800" dirty="0" smtClean="0"/>
-              <a:t>(</a:t>
-            </a:r>
-            <a:r>
-              <a:rPr lang="zh-CN" altLang="en-US" sz="2800" dirty="0" smtClean="0"/>
-              <a:t>浏览器兼容问题</a:t>
-            </a:r>
-            <a:r>
-              <a:rPr lang="en-US" altLang="zh-CN" sz="2800" dirty="0" smtClean="0"/>
-              <a:t>)</a:t>
-            </a:r>
-          </a:p>
-          <a:p>
-            <a:pPr>
-              <a:buNone/>
-            </a:pPr>
+              <a:rPr lang="en-US" sz="2000" dirty="0" smtClean="0">
+                <a:ea typeface="宋体" panose="02010600030101010101" pitchFamily="2" charset="-122"/>
+                <a:cs typeface="Times New Roman" panose="02020603050405020304"/>
+              </a:rPr>
+              <a:t>1995</a:t>
+            </a:r>
+            <a:r>
+              <a:rPr lang="zh-CN" altLang="en-US" sz="2000" dirty="0" smtClean="0">
+                <a:cs typeface="Times New Roman" panose="02020603050405020304"/>
+              </a:rPr>
+              <a:t>年</a:t>
+            </a:r>
+            <a:r>
+              <a:rPr lang="en-US" sz="2000" dirty="0" smtClean="0">
+                <a:ea typeface="宋体" panose="02010600030101010101" pitchFamily="2" charset="-122"/>
+                <a:cs typeface="Times New Roman" panose="02020603050405020304"/>
+              </a:rPr>
+              <a:t>05</a:t>
+            </a:r>
+            <a:r>
+              <a:rPr lang="zh-CN" altLang="en-US" sz="2000" dirty="0" smtClean="0">
+                <a:cs typeface="Times New Roman" panose="02020603050405020304"/>
+              </a:rPr>
+              <a:t>月：</a:t>
+            </a:r>
+            <a:r>
+              <a:rPr lang="en-US" sz="2000" dirty="0" smtClean="0">
+                <a:ea typeface="宋体" panose="02010600030101010101" pitchFamily="2" charset="-122"/>
+                <a:cs typeface="Times New Roman" panose="02020603050405020304"/>
+              </a:rPr>
+              <a:t>JavaScript</a:t>
+            </a:r>
+            <a:r>
+              <a:rPr lang="zh-CN" altLang="en-US" sz="2000" dirty="0" smtClean="0">
+                <a:cs typeface="Times New Roman" panose="02020603050405020304"/>
+              </a:rPr>
+              <a:t>诞生，它的初始名叫</a:t>
+            </a:r>
+            <a:r>
+              <a:rPr lang="en-US" sz="2000" dirty="0" err="1" smtClean="0">
+                <a:ea typeface="宋体" panose="02010600030101010101" pitchFamily="2" charset="-122"/>
+                <a:cs typeface="Times New Roman" panose="02020603050405020304"/>
+              </a:rPr>
+              <a:t>LiveScript</a:t>
+            </a:r>
             <a:endParaRPr lang="en-US" altLang="zh-CN" dirty="0" smtClean="0"/>
           </a:p>
           <a:p>
             <a:r>
-              <a:rPr lang="zh-CN" altLang="en-US" dirty="0" smtClean="0"/>
-              <a:t>引入转码器（</a:t>
-            </a:r>
-            <a:r>
-              <a:rPr lang="en-US" altLang="zh-CN" dirty="0" err="1" smtClean="0"/>
-              <a:t>babel</a:t>
-            </a:r>
-            <a:r>
-              <a:rPr lang="zh-CN" altLang="en-US" dirty="0" smtClean="0"/>
-              <a:t>）</a:t>
-            </a:r>
-            <a:endParaRPr lang="en-US" altLang="zh-CN" dirty="0" smtClean="0"/>
-          </a:p>
-          <a:p>
-            <a:endParaRPr lang="en-US" altLang="zh-CN" dirty="0" smtClean="0"/>
-          </a:p>
-          <a:p>
-            <a:r>
-              <a:rPr lang="zh-CN" altLang="en-US" dirty="0" smtClean="0"/>
-              <a:t>在线转换</a:t>
-            </a:r>
-            <a:r>
-              <a:rPr lang="en-US" altLang="zh-CN" dirty="0" smtClean="0"/>
-              <a:t>(https://babeljs.io/repl/)</a:t>
-            </a:r>
-            <a:endParaRPr lang="en-US" altLang="zh-CN" dirty="0" smtClean="0"/>
-          </a:p>
-          <a:p>
-            <a:endParaRPr lang="en-US" altLang="zh-CN" dirty="0" smtClean="0"/>
-          </a:p>
-          <a:p>
-            <a:r>
-              <a:rPr lang="zh-CN" altLang="en-US" dirty="0" smtClean="0"/>
-              <a:t>构建工具（</a:t>
-            </a:r>
-            <a:r>
-              <a:rPr lang="en-US" altLang="zh-CN" dirty="0" err="1" smtClean="0"/>
-              <a:t>webpack,grunt</a:t>
-            </a:r>
-            <a:r>
-              <a:rPr lang="en-US" altLang="zh-CN" dirty="0" err="1" smtClean="0"/>
-              <a:t>,gulp</a:t>
-            </a:r>
-            <a:r>
-              <a:rPr lang="zh-CN" altLang="en-US" dirty="0" smtClean="0"/>
-              <a:t>）</a:t>
-            </a:r>
-            <a:endParaRPr lang="zh-CN" altLang="en-US" dirty="0"/>
+              <a:rPr lang="en-US" sz="2000" dirty="0" smtClean="0"/>
+              <a:t>1996</a:t>
+            </a:r>
+            <a:r>
+              <a:rPr lang="zh-CN" altLang="en-US" sz="2000" dirty="0" smtClean="0"/>
+              <a:t>年</a:t>
+            </a:r>
+            <a:r>
+              <a:rPr lang="en-US" sz="2000" dirty="0" smtClean="0"/>
+              <a:t>11</a:t>
+            </a:r>
+            <a:r>
+              <a:rPr lang="zh-CN" altLang="en-US" sz="2000" dirty="0" smtClean="0"/>
+              <a:t>月，</a:t>
+            </a:r>
+            <a:r>
+              <a:rPr lang="en-US" sz="2000" dirty="0" smtClean="0"/>
+              <a:t>JavaScript </a:t>
+            </a:r>
+            <a:r>
+              <a:rPr lang="zh-CN" altLang="en-US" sz="2000" dirty="0" smtClean="0"/>
+              <a:t>的创造者</a:t>
+            </a:r>
+            <a:r>
+              <a:rPr lang="en-US" sz="2000" dirty="0" smtClean="0"/>
+              <a:t> Netscape </a:t>
+            </a:r>
+            <a:r>
+              <a:rPr lang="zh-CN" altLang="en-US" sz="2000" dirty="0" smtClean="0"/>
+              <a:t>公司，决定将</a:t>
+            </a:r>
+            <a:r>
+              <a:rPr lang="en-US" sz="2000" dirty="0" smtClean="0"/>
+              <a:t> JavaScript </a:t>
+            </a:r>
+            <a:r>
+              <a:rPr lang="zh-CN" altLang="en-US" sz="2000" dirty="0" smtClean="0"/>
+              <a:t>提交给标准化组织</a:t>
+            </a:r>
+            <a:r>
+              <a:rPr lang="en-US" sz="2000" dirty="0" smtClean="0"/>
+              <a:t> ECMA</a:t>
+            </a:r>
+            <a:r>
+              <a:rPr lang="zh-CN" altLang="en-US" sz="2000" dirty="0" smtClean="0"/>
+              <a:t>，希望这种语言能够成为国际标准</a:t>
+            </a:r>
+            <a:endParaRPr lang="en-US" altLang="zh-CN" sz="2000" dirty="0" smtClean="0"/>
+          </a:p>
+          <a:p>
+            <a:r>
+              <a:rPr lang="en-US" sz="2000" dirty="0" smtClean="0"/>
+              <a:t>1997</a:t>
+            </a:r>
+            <a:r>
+              <a:rPr lang="zh-CN" altLang="en-US" sz="2000" dirty="0" smtClean="0"/>
+              <a:t>年</a:t>
+            </a:r>
+            <a:r>
+              <a:rPr lang="en-US" sz="2000" dirty="0" smtClean="0"/>
+              <a:t>06</a:t>
+            </a:r>
+            <a:r>
+              <a:rPr lang="zh-CN" altLang="en-US" sz="2000" dirty="0" smtClean="0"/>
+              <a:t>月</a:t>
+            </a:r>
+            <a:r>
+              <a:rPr lang="en-US" sz="2000" dirty="0" smtClean="0"/>
+              <a:t>  </a:t>
+            </a:r>
+            <a:r>
+              <a:rPr lang="en-US" sz="2000" dirty="0" err="1" smtClean="0"/>
+              <a:t>ECMAScript</a:t>
+            </a:r>
+            <a:r>
+              <a:rPr lang="en-US" sz="2000" dirty="0" smtClean="0"/>
+              <a:t> 1.0</a:t>
+            </a:r>
+            <a:r>
+              <a:rPr lang="zh-CN" altLang="en-US" sz="2000" dirty="0" smtClean="0"/>
+              <a:t>（首版）</a:t>
+            </a:r>
+            <a:endParaRPr lang="en-US" altLang="zh-CN" sz="2000" dirty="0" smtClean="0"/>
+          </a:p>
+          <a:p>
+            <a:r>
+              <a:rPr lang="en-US" sz="2000" dirty="0" smtClean="0"/>
+              <a:t>2000</a:t>
+            </a:r>
+            <a:r>
+              <a:rPr lang="zh-CN" altLang="en-US" sz="2000" dirty="0" smtClean="0"/>
+              <a:t>年</a:t>
+            </a:r>
+            <a:r>
+              <a:rPr lang="en-US" sz="2000" dirty="0" smtClean="0"/>
+              <a:t>  </a:t>
+            </a:r>
+            <a:r>
+              <a:rPr lang="en-US" sz="2000" dirty="0" err="1" smtClean="0"/>
+              <a:t>ECMAScript</a:t>
+            </a:r>
+            <a:r>
+              <a:rPr lang="en-US" sz="2000" dirty="0" smtClean="0"/>
+              <a:t> 4.0</a:t>
+            </a:r>
+            <a:r>
+              <a:rPr lang="zh-CN" altLang="en-US" sz="2000" dirty="0" smtClean="0"/>
+              <a:t>开始酝酿</a:t>
+            </a:r>
+            <a:endParaRPr lang="en-US" altLang="zh-CN" sz="2000" dirty="0" smtClean="0"/>
+          </a:p>
+          <a:p>
+            <a:r>
+              <a:rPr lang="en-US" altLang="zh-CN" sz="2000" dirty="0" smtClean="0"/>
+              <a:t>2009</a:t>
+            </a:r>
+            <a:r>
+              <a:rPr lang="zh-CN" altLang="en-US" sz="2000" dirty="0" smtClean="0"/>
+              <a:t>年</a:t>
+            </a:r>
+            <a:r>
+              <a:rPr lang="en-US" altLang="zh-CN" sz="2000" dirty="0" smtClean="0"/>
+              <a:t>12</a:t>
+            </a:r>
+            <a:r>
+              <a:rPr lang="zh-CN" altLang="en-US" sz="2000" dirty="0" smtClean="0"/>
+              <a:t>月 </a:t>
+            </a:r>
+            <a:r>
+              <a:rPr lang="en-US" sz="2000" dirty="0" err="1" smtClean="0"/>
+              <a:t>ECMAScript</a:t>
+            </a:r>
+            <a:r>
+              <a:rPr lang="en-US" sz="2000" dirty="0" smtClean="0"/>
+              <a:t> 5.0</a:t>
+            </a:r>
+            <a:r>
+              <a:rPr lang="zh-CN" altLang="en-US" sz="2000" dirty="0" smtClean="0"/>
+              <a:t>正式发布（ </a:t>
+            </a:r>
+            <a:r>
+              <a:rPr lang="en-US" altLang="zh-CN" sz="2000" dirty="0" smtClean="0"/>
+              <a:t>ES5,</a:t>
+            </a:r>
+            <a:r>
+              <a:rPr lang="zh-CN" altLang="en-US" sz="2000" dirty="0" smtClean="0"/>
+              <a:t>这也是我们大多数人现在使用的）</a:t>
+            </a:r>
+            <a:endParaRPr lang="en-US" altLang="zh-CN" sz="2000" dirty="0" smtClean="0"/>
+          </a:p>
+          <a:p>
+            <a:r>
+              <a:rPr lang="en-US" altLang="zh-CN" sz="2000" dirty="0" smtClean="0"/>
+              <a:t>2015</a:t>
+            </a:r>
+            <a:r>
+              <a:rPr lang="zh-CN" altLang="en-US" sz="2000" dirty="0" smtClean="0"/>
+              <a:t>年</a:t>
+            </a:r>
+            <a:r>
+              <a:rPr lang="en-US" altLang="zh-CN" sz="2000" dirty="0" smtClean="0"/>
+              <a:t>6</a:t>
+            </a:r>
+            <a:r>
+              <a:rPr lang="zh-CN" altLang="en-US" sz="2000" dirty="0" smtClean="0"/>
+              <a:t>月 </a:t>
+            </a:r>
+            <a:r>
+              <a:rPr lang="en-US" sz="2000" dirty="0" err="1" smtClean="0"/>
+              <a:t>ECMAScript</a:t>
+            </a:r>
+            <a:r>
+              <a:rPr lang="en-US" sz="2000" dirty="0" smtClean="0"/>
+              <a:t> 6.0（ECMAScript2015）</a:t>
+            </a:r>
+            <a:r>
+              <a:rPr lang="zh-CN" altLang="en-US" sz="2000" dirty="0" smtClean="0"/>
+              <a:t>发布，从 </a:t>
+            </a:r>
+            <a:r>
+              <a:rPr lang="en-US" altLang="zh-CN" sz="2000" dirty="0" smtClean="0"/>
+              <a:t>2000 </a:t>
+            </a:r>
+            <a:r>
+              <a:rPr lang="zh-CN" altLang="en-US" sz="2000" dirty="0" smtClean="0"/>
+              <a:t>年算起，这时已经过去了 </a:t>
+            </a:r>
+            <a:r>
+              <a:rPr lang="en-US" altLang="zh-CN" sz="2000" dirty="0" smtClean="0"/>
+              <a:t>15 </a:t>
+            </a:r>
+            <a:r>
+              <a:rPr lang="zh-CN" altLang="en-US" sz="2000" dirty="0" smtClean="0"/>
+              <a:t>年</a:t>
+            </a:r>
+            <a:endParaRPr lang="zh-CN" altLang="en-US" sz="2000" dirty="0" smtClean="0"/>
+          </a:p>
+          <a:p>
+            <a:endParaRPr lang="zh-CN" altLang="en-US" sz="2000" dirty="0" smtClean="0"/>
+          </a:p>
+          <a:p>
+            <a:endParaRPr lang="en-US" altLang="zh-CN" sz="2000" dirty="0" smtClean="0"/>
           </a:p>
         </p:txBody>
       </p:sp>
     </p:spTree>
-    <p:extLst>
-      <p:ext uri="{BB962C8B-B14F-4D97-AF65-F5344CB8AC3E}">
-        <p14:creationId xmlns:p14="http://schemas.microsoft.com/office/powerpoint/2010/main" xmlns="" val="2395894475"/>
-      </p:ext>
-    </p:extLst>
   </p:cSld>
   <p:clrMapOvr>
     <a:masterClrMapping/>
@@ -6539,34 +7364,18 @@
           </a:bodyPr>
           <a:lstStyle/>
           <a:p>
-            <a:r>
-              <a:rPr lang="en-US" altLang="zh-CN" sz="3200" dirty="0" smtClean="0"/>
-              <a:t/>
-            </a:r>
             <a:br>
               <a:rPr lang="en-US" altLang="zh-CN" sz="3200" dirty="0" smtClean="0"/>
             </a:br>
-            <a:r>
-              <a:rPr lang="en-US" altLang="zh-CN" sz="3200" dirty="0" smtClean="0"/>
-              <a:t/>
-            </a:r>
             <a:br>
               <a:rPr lang="en-US" altLang="zh-CN" sz="3200" dirty="0" smtClean="0"/>
             </a:br>
-            <a:r>
-              <a:rPr lang="en-US" altLang="zh-CN" sz="3200" dirty="0" smtClean="0"/>
-              <a:t/>
-            </a:r>
             <a:br>
               <a:rPr lang="en-US" altLang="zh-CN" sz="3200" dirty="0" smtClean="0"/>
             </a:br>
             <a:r>
-              <a:rPr lang="en-US" altLang="zh-CN" b="1" dirty="0" err="1" smtClean="0"/>
-              <a:t>ECMAScript</a:t>
-            </a:r>
-            <a:r>
               <a:rPr lang="zh-CN" altLang="en-US" b="1" dirty="0" smtClean="0"/>
-              <a:t>的发展历史</a:t>
+              <a:t>开发环境部署</a:t>
             </a:r>
             <a:endParaRPr lang="zh-CN" altLang="en-US" b="1" dirty="0"/>
           </a:p>
@@ -6584,300 +7393,113 @@
         </p:nvSpPr>
         <p:spPr/>
         <p:txBody>
-          <a:bodyPr/>
+          <a:bodyPr>
+            <a:normAutofit lnSpcReduction="10000"/>
+          </a:bodyPr>
           <a:lstStyle/>
           <a:p>
             <a:endParaRPr lang="en-US" altLang="zh-CN" sz="2800" dirty="0" smtClean="0"/>
           </a:p>
           <a:p>
-            <a:r>
-              <a:rPr lang="en-US" sz="2000" dirty="0" smtClean="0">
-                <a:ea typeface="宋体"/>
-                <a:cs typeface="Times New Roman"/>
-              </a:rPr>
-              <a:t>1995</a:t>
-            </a:r>
-            <a:r>
-              <a:rPr lang="zh-CN" altLang="en-US" sz="2000" dirty="0" smtClean="0">
-                <a:cs typeface="Times New Roman"/>
-              </a:rPr>
-              <a:t>年</a:t>
-            </a:r>
-            <a:r>
-              <a:rPr lang="en-US" sz="2000" dirty="0" smtClean="0">
-                <a:ea typeface="宋体"/>
-                <a:cs typeface="Times New Roman"/>
-              </a:rPr>
-              <a:t>05</a:t>
-            </a:r>
-            <a:r>
-              <a:rPr lang="zh-CN" altLang="en-US" sz="2000" dirty="0" smtClean="0">
-                <a:cs typeface="Times New Roman"/>
-              </a:rPr>
-              <a:t>月：</a:t>
-            </a:r>
-            <a:r>
-              <a:rPr lang="en-US" sz="2000" dirty="0" smtClean="0">
-                <a:ea typeface="宋体"/>
-                <a:cs typeface="Times New Roman"/>
-              </a:rPr>
-              <a:t>JavaScript</a:t>
-            </a:r>
-            <a:r>
-              <a:rPr lang="zh-CN" altLang="en-US" sz="2000" dirty="0" smtClean="0">
-                <a:cs typeface="Times New Roman"/>
-              </a:rPr>
-              <a:t>诞生，它的初始名叫</a:t>
-            </a:r>
-            <a:r>
-              <a:rPr lang="en-US" sz="2000" dirty="0" err="1" smtClean="0">
-                <a:ea typeface="宋体"/>
-                <a:cs typeface="Times New Roman"/>
-              </a:rPr>
-              <a:t>LiveScript</a:t>
-            </a:r>
+            <a:pPr>
+              <a:buFont typeface="Wingdings" panose="05000000000000000000" charset="0"/>
+              <a:buChar char="Ø"/>
+            </a:pPr>
+            <a:r>
+              <a:rPr lang="zh-CN" altLang="en-US" sz="2800" dirty="0" smtClean="0"/>
+              <a:t>直接使用</a:t>
+            </a:r>
+            <a:r>
+              <a:rPr lang="en-US" altLang="zh-CN" sz="2800" dirty="0" smtClean="0"/>
+              <a:t>(</a:t>
+            </a:r>
+            <a:r>
+              <a:rPr lang="zh-CN" altLang="en-US" sz="2800" dirty="0" smtClean="0"/>
+              <a:t>浏览器兼容问题</a:t>
+            </a:r>
+            <a:r>
+              <a:rPr lang="en-US" altLang="zh-CN" sz="2800" dirty="0" smtClean="0"/>
+              <a:t>)</a:t>
+            </a:r>
+            <a:endParaRPr lang="en-US" altLang="zh-CN" sz="2800" dirty="0" smtClean="0"/>
+          </a:p>
+          <a:p>
+            <a:pPr>
+              <a:buFont typeface="Wingdings" panose="05000000000000000000" charset="0"/>
+              <a:buChar char="Ø"/>
+            </a:pPr>
             <a:endParaRPr lang="en-US" altLang="zh-CN" dirty="0" smtClean="0"/>
           </a:p>
           <a:p>
-            <a:r>
-              <a:rPr lang="en-US" sz="2000" dirty="0" smtClean="0"/>
-              <a:t>1996</a:t>
-            </a:r>
-            <a:r>
-              <a:rPr lang="zh-CN" altLang="en-US" sz="2000" dirty="0" smtClean="0"/>
-              <a:t>年</a:t>
-            </a:r>
-            <a:r>
-              <a:rPr lang="en-US" sz="2000" dirty="0" smtClean="0"/>
-              <a:t>11</a:t>
-            </a:r>
-            <a:r>
-              <a:rPr lang="zh-CN" altLang="en-US" sz="2000" dirty="0" smtClean="0"/>
-              <a:t>月，</a:t>
-            </a:r>
-            <a:r>
-              <a:rPr lang="en-US" sz="2000" dirty="0" smtClean="0"/>
-              <a:t>JavaScript </a:t>
-            </a:r>
-            <a:r>
-              <a:rPr lang="zh-CN" altLang="en-US" sz="2000" dirty="0" smtClean="0"/>
-              <a:t>的创造者</a:t>
-            </a:r>
-            <a:r>
-              <a:rPr lang="en-US" sz="2000" dirty="0" smtClean="0"/>
-              <a:t> Netscape </a:t>
-            </a:r>
-            <a:r>
-              <a:rPr lang="zh-CN" altLang="en-US" sz="2000" dirty="0" smtClean="0"/>
-              <a:t>公司，决定将</a:t>
-            </a:r>
-            <a:r>
-              <a:rPr lang="en-US" sz="2000" dirty="0" smtClean="0"/>
-              <a:t> JavaScript </a:t>
-            </a:r>
-            <a:r>
-              <a:rPr lang="zh-CN" altLang="en-US" sz="2000" dirty="0" smtClean="0"/>
-              <a:t>提交给标准化组织</a:t>
-            </a:r>
-            <a:r>
-              <a:rPr lang="en-US" sz="2000" dirty="0" smtClean="0"/>
-              <a:t> ECMA</a:t>
-            </a:r>
-            <a:r>
-              <a:rPr lang="zh-CN" altLang="en-US" sz="2000" dirty="0" smtClean="0"/>
-              <a:t>，希望这种语言能够成为国际标准</a:t>
-            </a:r>
-            <a:endParaRPr lang="en-US" altLang="zh-CN" sz="2000" dirty="0" smtClean="0"/>
-          </a:p>
-          <a:p>
-            <a:r>
-              <a:rPr lang="en-US" sz="2000" dirty="0" smtClean="0"/>
-              <a:t>1997</a:t>
-            </a:r>
-            <a:r>
-              <a:rPr lang="zh-CN" altLang="en-US" sz="2000" dirty="0" smtClean="0"/>
-              <a:t>年</a:t>
-            </a:r>
-            <a:r>
-              <a:rPr lang="en-US" sz="2000" dirty="0" smtClean="0"/>
-              <a:t>06</a:t>
-            </a:r>
-            <a:r>
-              <a:rPr lang="zh-CN" altLang="en-US" sz="2000" dirty="0" smtClean="0"/>
-              <a:t>月</a:t>
-            </a:r>
-            <a:r>
-              <a:rPr lang="en-US" sz="2000" dirty="0" smtClean="0"/>
-              <a:t>  </a:t>
-            </a:r>
-            <a:r>
-              <a:rPr lang="en-US" sz="2000" dirty="0" err="1" smtClean="0"/>
-              <a:t>ECMAScript</a:t>
-            </a:r>
-            <a:r>
-              <a:rPr lang="en-US" sz="2000" dirty="0" smtClean="0"/>
-              <a:t> </a:t>
-            </a:r>
-            <a:r>
-              <a:rPr lang="en-US" sz="2000" dirty="0" smtClean="0"/>
-              <a:t>1.0</a:t>
-            </a:r>
-            <a:r>
-              <a:rPr lang="zh-CN" altLang="en-US" sz="2000" dirty="0" smtClean="0"/>
-              <a:t>（首版</a:t>
-            </a:r>
-            <a:r>
-              <a:rPr lang="zh-CN" altLang="en-US" sz="2000" dirty="0" smtClean="0"/>
+            <a:pPr>
+              <a:buFont typeface="Wingdings" panose="05000000000000000000" charset="0"/>
+              <a:buChar char="Ø"/>
+            </a:pPr>
+            <a:r>
+              <a:rPr lang="zh-CN" altLang="en-US" dirty="0" smtClean="0"/>
+              <a:t>引入转码器（</a:t>
+            </a:r>
+            <a:r>
+              <a:rPr lang="en-US" altLang="zh-CN" dirty="0" err="1" smtClean="0"/>
+              <a:t>babel</a:t>
+            </a:r>
+            <a:r>
+              <a:rPr lang="zh-CN" altLang="en-US" dirty="0" smtClean="0"/>
               <a:t>）</a:t>
             </a:r>
-            <a:endParaRPr lang="en-US" altLang="zh-CN" sz="2000" dirty="0" smtClean="0"/>
-          </a:p>
-          <a:p>
-            <a:r>
-              <a:rPr lang="en-US" sz="2000" dirty="0" smtClean="0"/>
-              <a:t>2000</a:t>
-            </a:r>
-            <a:r>
-              <a:rPr lang="zh-CN" altLang="en-US" sz="2000" dirty="0" smtClean="0"/>
-              <a:t>年</a:t>
-            </a:r>
-            <a:r>
-              <a:rPr lang="en-US" sz="2000" dirty="0" smtClean="0"/>
-              <a:t>  </a:t>
-            </a:r>
-            <a:r>
-              <a:rPr lang="en-US" sz="2000" dirty="0" err="1" smtClean="0"/>
-              <a:t>ECMAScript</a:t>
-            </a:r>
-            <a:r>
-              <a:rPr lang="en-US" sz="2000" dirty="0" smtClean="0"/>
-              <a:t> 4.0</a:t>
-            </a:r>
-            <a:r>
-              <a:rPr lang="zh-CN" altLang="en-US" sz="2000" dirty="0" smtClean="0"/>
-              <a:t>开始</a:t>
-            </a:r>
-            <a:r>
-              <a:rPr lang="zh-CN" altLang="en-US" sz="2000" dirty="0" smtClean="0"/>
-              <a:t>酝酿</a:t>
-            </a:r>
-            <a:endParaRPr lang="en-US" altLang="zh-CN" sz="2000" dirty="0" smtClean="0"/>
-          </a:p>
-          <a:p>
-            <a:r>
-              <a:rPr lang="en-US" altLang="zh-CN" sz="2000" dirty="0" smtClean="0"/>
-              <a:t>2009</a:t>
-            </a:r>
-            <a:r>
-              <a:rPr lang="zh-CN" altLang="en-US" sz="2000" dirty="0" smtClean="0"/>
-              <a:t>年</a:t>
-            </a:r>
-            <a:r>
-              <a:rPr lang="en-US" altLang="zh-CN" sz="2000" dirty="0" smtClean="0"/>
-              <a:t>12</a:t>
-            </a:r>
-            <a:r>
-              <a:rPr lang="zh-CN" altLang="en-US" sz="2000" dirty="0" smtClean="0"/>
-              <a:t>月 </a:t>
-            </a:r>
-            <a:r>
-              <a:rPr lang="en-US" sz="2000" dirty="0" err="1" smtClean="0"/>
-              <a:t>ECMAScript</a:t>
-            </a:r>
-            <a:r>
-              <a:rPr lang="en-US" sz="2000" dirty="0" smtClean="0"/>
-              <a:t> 5.0</a:t>
-            </a:r>
-            <a:r>
-              <a:rPr lang="zh-CN" altLang="en-US" sz="2000" dirty="0" smtClean="0"/>
-              <a:t>正式</a:t>
-            </a:r>
-            <a:r>
-              <a:rPr lang="zh-CN" altLang="en-US" sz="2000" dirty="0" smtClean="0"/>
-              <a:t>发布（</a:t>
-            </a:r>
-            <a:r>
-              <a:rPr lang="zh-CN" altLang="en-US" sz="2000" dirty="0" smtClean="0"/>
-              <a:t> </a:t>
-            </a:r>
-            <a:r>
-              <a:rPr lang="en-US" altLang="zh-CN" sz="2000" dirty="0" smtClean="0"/>
-              <a:t>ES5,</a:t>
-            </a:r>
-            <a:r>
-              <a:rPr lang="zh-CN" altLang="en-US" sz="2000" dirty="0" smtClean="0"/>
-              <a:t>这也是我们大多数人现在使用</a:t>
-            </a:r>
-            <a:r>
-              <a:rPr lang="zh-CN" altLang="en-US" sz="2000" dirty="0" smtClean="0"/>
-              <a:t>的）</a:t>
-            </a:r>
-            <a:endParaRPr lang="en-US" altLang="zh-CN" sz="2000" dirty="0" smtClean="0"/>
-          </a:p>
-          <a:p>
-            <a:r>
-              <a:rPr lang="en-US" altLang="zh-CN" sz="2000" dirty="0" smtClean="0"/>
-              <a:t>2015</a:t>
-            </a:r>
-            <a:r>
-              <a:rPr lang="zh-CN" altLang="en-US" sz="2000" dirty="0" smtClean="0"/>
-              <a:t>年</a:t>
-            </a:r>
-            <a:r>
-              <a:rPr lang="en-US" altLang="zh-CN" sz="2000" dirty="0" smtClean="0"/>
-              <a:t>6</a:t>
-            </a:r>
-            <a:r>
-              <a:rPr lang="zh-CN" altLang="en-US" sz="2000" dirty="0" smtClean="0"/>
-              <a:t>月 </a:t>
-            </a:r>
-            <a:r>
-              <a:rPr lang="en-US" sz="2000" dirty="0" err="1" smtClean="0"/>
-              <a:t>ECMAScript</a:t>
-            </a:r>
-            <a:r>
-              <a:rPr lang="en-US" sz="2000" dirty="0" smtClean="0"/>
-              <a:t> 6.0（ECMAScript2015）</a:t>
-            </a:r>
-            <a:r>
-              <a:rPr lang="zh-CN" altLang="en-US" sz="2000" dirty="0" smtClean="0"/>
-              <a:t>发布，</a:t>
-            </a:r>
-            <a:r>
-              <a:rPr lang="zh-CN" altLang="en-US" sz="2000" dirty="0" smtClean="0"/>
-              <a:t>从 </a:t>
-            </a:r>
-            <a:r>
-              <a:rPr lang="en-US" altLang="zh-CN" sz="2000" dirty="0" smtClean="0"/>
-              <a:t>2000 </a:t>
-            </a:r>
-            <a:r>
-              <a:rPr lang="zh-CN" altLang="en-US" sz="2000" dirty="0" smtClean="0"/>
-              <a:t>年算起，这时已经过去了 </a:t>
-            </a:r>
-            <a:r>
-              <a:rPr lang="en-US" altLang="zh-CN" sz="2000" dirty="0" smtClean="0"/>
-              <a:t>15 </a:t>
-            </a:r>
-            <a:r>
-              <a:rPr lang="zh-CN" altLang="en-US" sz="2000" dirty="0" smtClean="0"/>
-              <a:t>年</a:t>
-            </a:r>
-          </a:p>
-          <a:p>
-            <a:endParaRPr lang="zh-CN" altLang="en-US" sz="2000" dirty="0" smtClean="0"/>
-          </a:p>
-          <a:p>
-            <a:endParaRPr lang="en-US" altLang="zh-CN" sz="2000" dirty="0" smtClean="0"/>
+            <a:endParaRPr lang="en-US" altLang="zh-CN" dirty="0" smtClean="0"/>
+          </a:p>
+          <a:p>
+            <a:pPr>
+              <a:buFont typeface="Wingdings" panose="05000000000000000000" charset="0"/>
+              <a:buChar char="Ø"/>
+            </a:pPr>
+            <a:endParaRPr lang="en-US" altLang="zh-CN" dirty="0" smtClean="0"/>
+          </a:p>
+          <a:p>
+            <a:pPr>
+              <a:buFont typeface="Wingdings" panose="05000000000000000000" charset="0"/>
+              <a:buChar char="Ø"/>
+            </a:pPr>
+            <a:r>
+              <a:rPr lang="zh-CN" altLang="en-US" dirty="0" smtClean="0"/>
+              <a:t>在线转换</a:t>
+            </a:r>
+            <a:r>
+              <a:rPr lang="en-US" altLang="zh-CN" dirty="0" smtClean="0"/>
+              <a:t>(https://babeljs.io/repl/)</a:t>
+            </a:r>
+            <a:endParaRPr lang="en-US" altLang="zh-CN" dirty="0" smtClean="0"/>
+          </a:p>
+          <a:p>
+            <a:pPr>
+              <a:buFont typeface="Wingdings" panose="05000000000000000000" charset="0"/>
+              <a:buChar char="Ø"/>
+            </a:pPr>
+            <a:endParaRPr lang="en-US" altLang="zh-CN" dirty="0" smtClean="0"/>
+          </a:p>
+          <a:p>
+            <a:pPr>
+              <a:buFont typeface="Wingdings" panose="05000000000000000000" charset="0"/>
+              <a:buChar char="Ø"/>
+            </a:pPr>
+            <a:r>
+              <a:rPr lang="zh-CN" altLang="en-US" dirty="0" smtClean="0"/>
+              <a:t>构建工具（</a:t>
+            </a:r>
+            <a:r>
+              <a:rPr lang="en-US" altLang="zh-CN" dirty="0" err="1" smtClean="0"/>
+              <a:t>webpack,grunt,gulp</a:t>
+            </a:r>
+            <a:r>
+              <a:rPr lang="zh-CN" altLang="en-US" dirty="0" smtClean="0"/>
+              <a:t>）</a:t>
+            </a:r>
+            <a:endParaRPr lang="zh-CN" altLang="en-US" dirty="0"/>
           </a:p>
         </p:txBody>
       </p:sp>
     </p:spTree>
-    <p:extLst>
-      <p:ext uri="{BB962C8B-B14F-4D97-AF65-F5344CB8AC3E}">
-        <p14:creationId xmlns:p14="http://schemas.microsoft.com/office/powerpoint/2010/main" xmlns="" val="2395894475"/>
-      </p:ext>
-    </p:extLst>
   </p:cSld>
   <p:clrMapOvr>
     <a:masterClrMapping/>
@@ -6919,17 +7541,9 @@
           </a:bodyPr>
           <a:lstStyle/>
           <a:p>
-            <a:r>
-              <a:rPr lang="en-US" altLang="zh-CN" sz="3200" dirty="0" smtClean="0"/>
-              <a:t/>
-            </a:r>
             <a:br>
               <a:rPr lang="en-US" altLang="zh-CN" sz="3200" dirty="0" smtClean="0"/>
             </a:br>
-            <a:r>
-              <a:rPr lang="en-US" altLang="zh-CN" sz="3200" dirty="0" smtClean="0"/>
-              <a:t/>
-            </a:r>
             <a:br>
               <a:rPr lang="en-US" altLang="zh-CN" sz="3200" dirty="0" smtClean="0"/>
             </a:br>
@@ -6977,36 +7591,42 @@
               <a:rPr lang="en-US" sz="2400" dirty="0" smtClean="0"/>
               <a:t>const</a:t>
             </a:r>
+            <a:endParaRPr lang="en-US" sz="2400" dirty="0" smtClean="0"/>
           </a:p>
           <a:p>
             <a:r>
               <a:rPr lang="zh-CN" altLang="en-US" sz="2800" dirty="0" smtClean="0"/>
               <a:t>解构赋值</a:t>
             </a:r>
+            <a:endParaRPr lang="zh-CN" altLang="en-US" sz="2800" dirty="0" smtClean="0"/>
           </a:p>
           <a:p>
             <a:r>
               <a:rPr lang="zh-CN" altLang="en-US" sz="2800" dirty="0" smtClean="0"/>
               <a:t>默认参数</a:t>
             </a:r>
+            <a:endParaRPr lang="zh-CN" altLang="en-US" sz="2800" dirty="0" smtClean="0"/>
           </a:p>
           <a:p>
             <a:r>
               <a:rPr lang="zh-CN" altLang="en-US" sz="2800" dirty="0" smtClean="0"/>
               <a:t>模板对象</a:t>
             </a:r>
+            <a:endParaRPr lang="zh-CN" altLang="en-US" sz="2800" dirty="0" smtClean="0"/>
           </a:p>
           <a:p>
             <a:r>
               <a:rPr lang="zh-CN" altLang="en-US" sz="2800" dirty="0" smtClean="0"/>
               <a:t>多行字符串</a:t>
             </a:r>
+            <a:endParaRPr lang="zh-CN" altLang="en-US" sz="2800" dirty="0" smtClean="0"/>
           </a:p>
           <a:p>
             <a:r>
               <a:rPr lang="zh-CN" altLang="en-US" sz="2800" dirty="0" smtClean="0"/>
               <a:t>箭头函数</a:t>
             </a:r>
+            <a:endParaRPr lang="zh-CN" altLang="en-US" sz="2800" dirty="0" smtClean="0"/>
           </a:p>
           <a:p>
             <a:r>
@@ -7024,11 +7644,6 @@
         </p:txBody>
       </p:sp>
     </p:spTree>
-    <p:extLst>
-      <p:ext uri="{BB962C8B-B14F-4D97-AF65-F5344CB8AC3E}">
-        <p14:creationId xmlns:p14="http://schemas.microsoft.com/office/powerpoint/2010/main" xmlns="" val="2395894475"/>
-      </p:ext>
-    </p:extLst>
   </p:cSld>
   <p:clrMapOvr>
     <a:masterClrMapping/>
@@ -7070,25 +7685,13 @@
           </a:bodyPr>
           <a:lstStyle/>
           <a:p>
-            <a:r>
-              <a:rPr lang="en-US" altLang="zh-CN" sz="3200" dirty="0" smtClean="0"/>
-              <a:t/>
-            </a:r>
             <a:br>
               <a:rPr lang="en-US" altLang="zh-CN" sz="3200" dirty="0" smtClean="0"/>
             </a:br>
-            <a:r>
-              <a:rPr lang="en-US" altLang="zh-CN" sz="3200" dirty="0" smtClean="0"/>
-              <a:t/>
-            </a:r>
             <a:br>
               <a:rPr lang="en-US" altLang="zh-CN" sz="3200" dirty="0" smtClean="0"/>
             </a:br>
             <a:r>
-              <a:rPr lang="zh-CN" altLang="en-US" dirty="0" smtClean="0"/>
-              <a:t>块作用域构造</a:t>
-            </a:r>
-            <a:r>
               <a:rPr lang="en-US" dirty="0" smtClean="0"/>
               <a:t>let</a:t>
             </a:r>
@@ -7100,7 +7703,11 @@
               <a:rPr lang="en-US" dirty="0" smtClean="0"/>
               <a:t>const</a:t>
             </a:r>
-            <a:endParaRPr lang="zh-CN" altLang="en-US" b="1" dirty="0"/>
+            <a:r>
+              <a:rPr lang="zh-CN" altLang="en-US" dirty="0" smtClean="0"/>
+              <a:t>命令</a:t>
+            </a:r>
+            <a:endParaRPr lang="zh-CN" altLang="en-US" b="1" dirty="0" smtClean="0"/>
           </a:p>
         </p:txBody>
       </p:sp>
@@ -7124,6 +7731,10 @@
             <a:endParaRPr lang="en-US" altLang="zh-CN" sz="2800" dirty="0" smtClean="0"/>
           </a:p>
           <a:p>
+            <a:pPr>
+              <a:buFont typeface="Wingdings" panose="05000000000000000000" charset="0"/>
+              <a:buChar char="Ø"/>
+            </a:pPr>
             <a:r>
               <a:rPr lang="en-US" sz="2000" dirty="0" smtClean="0"/>
               <a:t>let</a:t>
@@ -7140,8 +7751,13 @@
               <a:rPr lang="zh-CN" altLang="en-US" sz="2000" dirty="0" smtClean="0"/>
               <a:t>中，块级作用域起不了任何作用</a:t>
             </a:r>
-          </a:p>
-          <a:p>
+            <a:endParaRPr lang="zh-CN" altLang="en-US" sz="2000" dirty="0" smtClean="0"/>
+          </a:p>
+          <a:p>
+            <a:pPr>
+              <a:buFont typeface="Wingdings" panose="05000000000000000000" charset="0"/>
+              <a:buChar char="Ø"/>
+            </a:pPr>
             <a:r>
               <a:rPr lang="en-US" sz="2000" dirty="0" smtClean="0"/>
               <a:t>const</a:t>
@@ -7150,21 +7766,17 @@
               <a:rPr lang="zh-CN" altLang="en-US" sz="2000" dirty="0" smtClean="0"/>
               <a:t>声明一个只读的常量。一旦声明，常量的值就不能改变</a:t>
             </a:r>
-          </a:p>
-          <a:p>
             <a:endParaRPr lang="zh-CN" altLang="en-US" sz="2000" dirty="0" smtClean="0"/>
           </a:p>
           <a:p>
+            <a:endParaRPr lang="zh-CN" altLang="en-US" sz="2000" dirty="0" smtClean="0"/>
+          </a:p>
+          <a:p>
             <a:endParaRPr lang="en-US" altLang="zh-CN" sz="2000" dirty="0" smtClean="0"/>
           </a:p>
         </p:txBody>
       </p:sp>
     </p:spTree>
-    <p:extLst>
-      <p:ext uri="{BB962C8B-B14F-4D97-AF65-F5344CB8AC3E}">
-        <p14:creationId xmlns:p14="http://schemas.microsoft.com/office/powerpoint/2010/main" xmlns="" val="2395894475"/>
-      </p:ext>
-    </p:extLst>
   </p:cSld>
   <p:clrMapOvr>
     <a:masterClrMapping/>
@@ -7206,17 +7818,9 @@
           </a:bodyPr>
           <a:lstStyle/>
           <a:p>
-            <a:r>
-              <a:rPr lang="en-US" altLang="zh-CN" sz="3200" dirty="0" smtClean="0"/>
-              <a:t/>
-            </a:r>
             <a:br>
               <a:rPr lang="en-US" altLang="zh-CN" sz="3200" dirty="0" smtClean="0"/>
             </a:br>
-            <a:r>
-              <a:rPr lang="en-US" altLang="zh-CN" sz="3200" dirty="0" smtClean="0"/>
-              <a:t/>
-            </a:r>
             <a:br>
               <a:rPr lang="en-US" altLang="zh-CN" sz="3200" dirty="0" smtClean="0"/>
             </a:br>
@@ -7252,6 +7856,10 @@
             <a:endParaRPr lang="en-US" altLang="zh-CN" sz="2800" dirty="0" smtClean="0"/>
           </a:p>
           <a:p>
+            <a:pPr>
+              <a:buFont typeface="Wingdings" panose="05000000000000000000" charset="0"/>
+              <a:buChar char="Ø"/>
+            </a:pPr>
             <a:r>
               <a:rPr lang="en-US" sz="2400" dirty="0" smtClean="0"/>
               <a:t>let </a:t>
@@ -7260,8 +7868,20 @@
               <a:rPr lang="zh-CN" altLang="en-US" sz="2400" dirty="0" smtClean="0"/>
               <a:t>声明的变量的作用域是块级的</a:t>
             </a:r>
-          </a:p>
-          <a:p>
+            <a:endParaRPr lang="zh-CN" altLang="en-US" sz="2400" dirty="0" smtClean="0"/>
+          </a:p>
+          <a:p>
+            <a:pPr>
+              <a:buFont typeface="Wingdings" panose="05000000000000000000" charset="0"/>
+              <a:buChar char="Ø"/>
+            </a:pPr>
+            <a:endParaRPr lang="zh-CN" altLang="en-US" sz="2400" dirty="0" smtClean="0"/>
+          </a:p>
+          <a:p>
+            <a:pPr>
+              <a:buFont typeface="Wingdings" panose="05000000000000000000" charset="0"/>
+              <a:buChar char="Ø"/>
+            </a:pPr>
             <a:r>
               <a:rPr lang="en-US" sz="2400" dirty="0" smtClean="0"/>
               <a:t>let </a:t>
@@ -7270,8 +7890,20 @@
               <a:rPr lang="zh-CN" altLang="en-US" sz="2400" dirty="0" smtClean="0"/>
               <a:t>不能重复声明已存在的变量</a:t>
             </a:r>
-          </a:p>
-          <a:p>
+            <a:endParaRPr lang="zh-CN" altLang="en-US" sz="2400" dirty="0" smtClean="0"/>
+          </a:p>
+          <a:p>
+            <a:pPr>
+              <a:buFont typeface="Wingdings" panose="05000000000000000000" charset="0"/>
+              <a:buChar char="Ø"/>
+            </a:pPr>
+            <a:endParaRPr lang="zh-CN" altLang="en-US" sz="2400" dirty="0" smtClean="0"/>
+          </a:p>
+          <a:p>
+            <a:pPr>
+              <a:buFont typeface="Wingdings" panose="05000000000000000000" charset="0"/>
+              <a:buChar char="Ø"/>
+            </a:pPr>
             <a:r>
               <a:rPr lang="en-US" sz="2400" dirty="0" smtClean="0"/>
               <a:t>let </a:t>
@@ -7280,6 +7912,7 @@
               <a:rPr lang="zh-CN" altLang="en-US" sz="2400" dirty="0" smtClean="0"/>
               <a:t>有暂时死区，不会被提升</a:t>
             </a:r>
+            <a:endParaRPr lang="zh-CN" altLang="en-US" sz="2400" dirty="0" smtClean="0"/>
           </a:p>
           <a:p>
             <a:endParaRPr lang="zh-CN" altLang="en-US" sz="2000" dirty="0" smtClean="0"/>
@@ -7290,11 +7923,6 @@
         </p:txBody>
       </p:sp>
     </p:spTree>
-    <p:extLst>
-      <p:ext uri="{BB962C8B-B14F-4D97-AF65-F5344CB8AC3E}">
-        <p14:creationId xmlns:p14="http://schemas.microsoft.com/office/powerpoint/2010/main" xmlns="" val="2395894475"/>
-      </p:ext>
-    </p:extLst>
   </p:cSld>
   <p:clrMapOvr>
     <a:masterClrMapping/>
@@ -7336,27 +7964,15 @@
           </a:bodyPr>
           <a:lstStyle/>
           <a:p>
-            <a:r>
-              <a:rPr lang="en-US" altLang="zh-CN" sz="3200" dirty="0" smtClean="0"/>
-              <a:t/>
-            </a:r>
             <a:br>
               <a:rPr lang="en-US" altLang="zh-CN" sz="3200" dirty="0" smtClean="0"/>
             </a:br>
-            <a:r>
-              <a:rPr lang="en-US" altLang="zh-CN" sz="3200" dirty="0" smtClean="0"/>
-              <a:t/>
-            </a:r>
             <a:br>
               <a:rPr lang="en-US" altLang="zh-CN" sz="3200" dirty="0" smtClean="0"/>
             </a:br>
             <a:r>
               <a:rPr lang="zh-CN" altLang="en-US" dirty="0" smtClean="0"/>
-              <a:t>透过</a:t>
-            </a:r>
-            <a:r>
-              <a:rPr lang="zh-CN" altLang="en-US" dirty="0" smtClean="0"/>
-              <a:t>现象看本质</a:t>
+              <a:t>透过现象看本质</a:t>
             </a:r>
             <a:br>
               <a:rPr lang="zh-CN" altLang="en-US" dirty="0" smtClean="0"/>
@@ -7428,15 +8044,25 @@
             </a:pPr>
             <a:r>
               <a:rPr lang="en-US" sz="1600" dirty="0" smtClean="0"/>
-              <a:t>  </a:t>
-            </a:r>
+              <a:t>    console.log(x)</a:t>
+            </a:r>
+            <a:endParaRPr lang="zh-CN" altLang="en-US" sz="1600" dirty="0" smtClean="0"/>
+          </a:p>
+          <a:p>
+            <a:pPr lvl="1">
+              <a:buNone/>
+            </a:pPr>
             <a:r>
               <a:rPr lang="en-US" sz="1600" dirty="0" smtClean="0"/>
-              <a:t>  console.log(x</a:t>
+              <a:t>    </a:t>
+            </a:r>
+            <a:r>
+              <a:rPr lang="en-US" sz="1600" dirty="0" err="1" smtClean="0"/>
+              <a:t>var</a:t>
             </a:r>
             <a:r>
               <a:rPr lang="en-US" sz="1600" dirty="0" smtClean="0"/>
-              <a:t>)</a:t>
+              <a:t> x = 1</a:t>
             </a:r>
             <a:endParaRPr lang="zh-CN" altLang="en-US" sz="1600" dirty="0" smtClean="0"/>
           </a:p>
@@ -7444,15 +8070,113 @@
             <a:pPr lvl="1">
               <a:buNone/>
             </a:pPr>
+            <a:r>
+              <a:rPr lang="en-US" sz="1600" dirty="0" smtClean="0"/>
+              <a:t>    </a:t>
+            </a:r>
+            <a:r>
+              <a:rPr lang="en-US" sz="1600" dirty="0" err="1" smtClean="0"/>
+              <a:t>var</a:t>
+            </a:r>
+            <a:r>
+              <a:rPr lang="en-US" sz="1600" dirty="0" smtClean="0"/>
+              <a:t> y = 2</a:t>
+            </a:r>
+            <a:endParaRPr lang="zh-CN" altLang="en-US" sz="1600" dirty="0" smtClean="0"/>
+          </a:p>
+          <a:p>
+            <a:pPr lvl="1">
+              <a:buNone/>
+            </a:pPr>
+            <a:r>
+              <a:rPr lang="en-US" sz="1600" dirty="0" smtClean="0"/>
+              <a:t>}</a:t>
+            </a:r>
+            <a:endParaRPr lang="zh-CN" altLang="en-US" sz="1600" dirty="0" smtClean="0"/>
+          </a:p>
+          <a:p>
+            <a:pPr lvl="1">
+              <a:buNone/>
+            </a:pPr>
+            <a:r>
+              <a:rPr lang="en-US" sz="1600" dirty="0" smtClean="0"/>
+              <a:t>fn()</a:t>
+            </a:r>
+            <a:endParaRPr lang="zh-CN" altLang="en-US" sz="1600" dirty="0" smtClean="0"/>
+          </a:p>
+          <a:p>
+            <a:pPr>
+              <a:buNone/>
+            </a:pPr>
+            <a:r>
+              <a:rPr lang="zh-CN" altLang="en-US" sz="1600" dirty="0" smtClean="0"/>
+              <a:t>在执行</a:t>
+            </a:r>
+            <a:r>
+              <a:rPr lang="en-US" sz="1600" dirty="0" smtClean="0"/>
+              <a:t> fn </a:t>
+            </a:r>
+            <a:r>
+              <a:rPr lang="zh-CN" altLang="en-US" sz="1600" dirty="0" smtClean="0"/>
+              <a:t>时，会有以下过程（不完全）：</a:t>
+            </a:r>
+            <a:endParaRPr lang="zh-CN" altLang="en-US" sz="1600" dirty="0" smtClean="0"/>
+          </a:p>
+          <a:p>
+            <a:pPr lvl="0">
+              <a:buNone/>
+            </a:pPr>
+            <a:r>
+              <a:rPr lang="en-US" altLang="zh-CN" sz="1600" dirty="0" smtClean="0"/>
+              <a:t>1、</a:t>
+            </a:r>
+            <a:r>
+              <a:rPr lang="zh-CN" altLang="en-US" sz="1600" dirty="0" smtClean="0"/>
+              <a:t>进入</a:t>
+            </a:r>
+            <a:r>
+              <a:rPr lang="en-US" sz="1600" dirty="0" smtClean="0"/>
+              <a:t> fn</a:t>
+            </a:r>
+            <a:r>
+              <a:rPr lang="zh-CN" altLang="en-US" sz="1600" dirty="0" smtClean="0"/>
+              <a:t>，为</a:t>
+            </a:r>
+            <a:r>
+              <a:rPr lang="en-US" sz="1600" dirty="0" smtClean="0"/>
+              <a:t> fn </a:t>
+            </a:r>
+            <a:r>
+              <a:rPr lang="zh-CN" altLang="en-US" sz="1600" dirty="0" smtClean="0"/>
+              <a:t>创建一个环境。</a:t>
+            </a:r>
+            <a:endParaRPr lang="zh-CN" altLang="en-US" sz="1600" dirty="0" smtClean="0"/>
+          </a:p>
+          <a:p>
+            <a:pPr lvl="0">
+              <a:buNone/>
+            </a:pPr>
+            <a:r>
+              <a:rPr lang="en-US" altLang="zh-CN" sz="1600" dirty="0" smtClean="0"/>
+              <a:t>2、</a:t>
+            </a:r>
+            <a:r>
+              <a:rPr lang="zh-CN" altLang="en-US" sz="1600" dirty="0" smtClean="0"/>
+              <a:t>找到</a:t>
+            </a:r>
+            <a:r>
+              <a:rPr lang="en-US" sz="1600" dirty="0" smtClean="0"/>
+              <a:t> fn </a:t>
+            </a:r>
+            <a:r>
+              <a:rPr lang="zh-CN" altLang="en-US" sz="1600" dirty="0" smtClean="0"/>
+              <a:t>中所有用</a:t>
+            </a:r>
             <a:r>
               <a:rPr lang="en-US" sz="1600" dirty="0" smtClean="0"/>
               <a:t> </a:t>
             </a:r>
             <a:r>
-              <a:rPr lang="en-US" sz="1600" dirty="0" smtClean="0"/>
-              <a:t>   </a:t>
-            </a:r>
-            <a:r>
               <a:rPr lang="en-US" sz="1600" dirty="0" err="1" smtClean="0"/>
               <a:t>var</a:t>
             </a:r>
@@ -7461,18 +8185,138 @@
               <a:t> </a:t>
             </a:r>
             <a:r>
+              <a:rPr lang="zh-CN" altLang="en-US" sz="1600" dirty="0" smtClean="0"/>
+              <a:t>声明的变量，在这个环境中「创建」这些变量（即</a:t>
+            </a:r>
+            <a:r>
               <a:rPr lang="en-US" sz="1600" dirty="0" smtClean="0"/>
-              <a:t>x = 1</a:t>
+              <a:t> x </a:t>
+            </a:r>
+            <a:r>
+              <a:rPr lang="zh-CN" altLang="en-US" sz="1600" dirty="0" smtClean="0"/>
+              <a:t>和</a:t>
+            </a:r>
+            <a:r>
+              <a:rPr lang="en-US" sz="1600" dirty="0" smtClean="0"/>
+              <a:t> y</a:t>
+            </a:r>
+            <a:r>
+              <a:rPr lang="zh-CN" altLang="en-US" sz="1600" dirty="0" smtClean="0"/>
+              <a:t>）。</a:t>
             </a:r>
             <a:endParaRPr lang="zh-CN" altLang="en-US" sz="1600" dirty="0" smtClean="0"/>
           </a:p>
           <a:p>
-            <a:pPr lvl="1">
-              <a:buNone/>
-            </a:pPr>
+            <a:pPr lvl="0">
+              <a:buNone/>
+            </a:pPr>
+            <a:r>
+              <a:rPr lang="en-US" altLang="zh-CN" sz="1600" dirty="0" smtClean="0"/>
+              <a:t>3、</a:t>
+            </a:r>
+            <a:r>
+              <a:rPr lang="zh-CN" altLang="en-US" sz="1600" dirty="0" smtClean="0"/>
+              <a:t>将这些变量「初始化」为</a:t>
+            </a:r>
             <a:r>
               <a:rPr lang="en-US" sz="1600" dirty="0" smtClean="0"/>
-              <a:t>    </a:t>
+              <a:t> undefined</a:t>
+            </a:r>
+            <a:r>
+              <a:rPr lang="zh-CN" altLang="en-US" sz="1600" dirty="0" smtClean="0"/>
+              <a:t>。</a:t>
+            </a:r>
+            <a:endParaRPr lang="zh-CN" altLang="en-US" sz="1600" dirty="0" smtClean="0"/>
+          </a:p>
+          <a:p>
+            <a:pPr lvl="0">
+              <a:buNone/>
+            </a:pPr>
+            <a:r>
+              <a:rPr lang="en-US" altLang="zh-CN" sz="1600" dirty="0" smtClean="0"/>
+              <a:t>4、</a:t>
+            </a:r>
+            <a:r>
+              <a:rPr lang="zh-CN" altLang="en-US" sz="1600" dirty="0" smtClean="0"/>
+              <a:t>开始执行代码</a:t>
+            </a:r>
+            <a:endParaRPr lang="zh-CN" altLang="en-US" sz="1600" dirty="0" smtClean="0"/>
+          </a:p>
+          <a:p>
+            <a:pPr lvl="0">
+              <a:buNone/>
+            </a:pPr>
+            <a:r>
+              <a:rPr lang="en-US" sz="1600" dirty="0" smtClean="0"/>
+              <a:t>5、 </a:t>
+            </a:r>
+            <a:r>
+              <a:rPr lang="en-US" altLang="zh-CN" sz="1600" dirty="0" smtClean="0"/>
+              <a:t>x</a:t>
+            </a:r>
+            <a:r>
+              <a:rPr lang="en-US" sz="1600" dirty="0" smtClean="0"/>
+              <a:t>= 1 </a:t>
+            </a:r>
+            <a:r>
+              <a:rPr lang="zh-CN" altLang="en-US" sz="1600" dirty="0" smtClean="0"/>
+              <a:t>将</a:t>
+            </a:r>
+            <a:r>
+              <a:rPr lang="en-US" sz="1600" dirty="0" smtClean="0"/>
+              <a:t> x </a:t>
+            </a:r>
+            <a:r>
+              <a:rPr lang="zh-CN" altLang="en-US" sz="1600" dirty="0" smtClean="0"/>
+              <a:t>变量「赋值」为</a:t>
+            </a:r>
+            <a:r>
+              <a:rPr lang="en-US" sz="1600" dirty="0" smtClean="0"/>
+              <a:t> 1</a:t>
+            </a:r>
+            <a:endParaRPr lang="en-US" sz="1600" dirty="0" smtClean="0"/>
+          </a:p>
+          <a:p>
+            <a:pPr lvl="0">
+              <a:buNone/>
+            </a:pPr>
+            <a:r>
+              <a:rPr lang="en-US" altLang="zh-CN" sz="1600" dirty="0" smtClean="0"/>
+              <a:t>6、</a:t>
+            </a:r>
+            <a:r>
+              <a:rPr lang="en-US" sz="1600" dirty="0" smtClean="0"/>
+              <a:t> y = 2 </a:t>
+            </a:r>
+            <a:r>
+              <a:rPr lang="zh-CN" altLang="en-US" sz="1600" dirty="0" smtClean="0"/>
+              <a:t>将</a:t>
+            </a:r>
+            <a:r>
+              <a:rPr lang="en-US" sz="1600" dirty="0" smtClean="0"/>
+              <a:t> y </a:t>
+            </a:r>
+            <a:r>
+              <a:rPr lang="zh-CN" altLang="en-US" sz="1600" dirty="0" smtClean="0"/>
+              <a:t>变量「赋值」为</a:t>
+            </a:r>
+            <a:r>
+              <a:rPr lang="en-US" sz="1600" dirty="0" smtClean="0"/>
+              <a:t> 2</a:t>
+            </a:r>
+            <a:endParaRPr lang="zh-CN" altLang="en-US" sz="1600" dirty="0" smtClean="0"/>
+          </a:p>
+          <a:p>
+            <a:pPr>
+              <a:buNone/>
+            </a:pPr>
+            <a:r>
+              <a:rPr lang="zh-CN" altLang="en-US" sz="1600" dirty="0" smtClean="0"/>
+              <a:t>也就是说</a:t>
+            </a:r>
+            <a:r>
+              <a:rPr lang="en-US" sz="1600" dirty="0" smtClean="0"/>
+              <a:t> </a:t>
             </a:r>
             <a:r>
               <a:rPr lang="en-US" sz="1600" dirty="0" err="1" smtClean="0"/>
@@ -7483,346 +8327,72 @@
               <a:t> </a:t>
             </a:r>
             <a:r>
+              <a:rPr lang="zh-CN" altLang="en-US" sz="1600" dirty="0" smtClean="0"/>
+              <a:t>声明会在代码执行之前就将「创建变量，并将其初始化为</a:t>
+            </a:r>
+            <a:r>
               <a:rPr lang="en-US" sz="1600" dirty="0" smtClean="0"/>
-              <a:t>y = 2</a:t>
+              <a:t> undefined</a:t>
+            </a:r>
+            <a:r>
+              <a:rPr lang="zh-CN" altLang="en-US" sz="1600" dirty="0" smtClean="0"/>
+              <a:t>」。</a:t>
             </a:r>
             <a:endParaRPr lang="zh-CN" altLang="en-US" sz="1600" dirty="0" smtClean="0"/>
           </a:p>
           <a:p>
-            <a:pPr lvl="1">
-              <a:buNone/>
-            </a:pPr>
-            <a:r>
-              <a:rPr lang="en-US" sz="1600" dirty="0" smtClean="0"/>
-              <a:t>}</a:t>
-            </a:r>
-            <a:endParaRPr lang="zh-CN" altLang="en-US" sz="1600" dirty="0" smtClean="0"/>
-          </a:p>
-          <a:p>
-            <a:pPr lvl="1">
-              <a:buNone/>
-            </a:pPr>
-            <a:r>
-              <a:rPr lang="en-US" sz="1600" dirty="0" smtClean="0"/>
-              <a:t>fn()</a:t>
-            </a:r>
-            <a:endParaRPr lang="zh-CN" altLang="en-US" sz="1600" dirty="0" smtClean="0"/>
-          </a:p>
-          <a:p>
             <a:pPr>
               <a:buNone/>
             </a:pPr>
             <a:r>
               <a:rPr lang="zh-CN" altLang="en-US" sz="1600" dirty="0" smtClean="0"/>
-              <a:t>在</a:t>
-            </a:r>
-            <a:r>
-              <a:rPr lang="zh-CN" altLang="en-US" sz="1600" dirty="0" smtClean="0"/>
-              <a:t>执行</a:t>
-            </a:r>
-            <a:r>
-              <a:rPr lang="en-US" sz="1600" dirty="0" smtClean="0"/>
-              <a:t> fn </a:t>
-            </a:r>
-            <a:r>
-              <a:rPr lang="zh-CN" altLang="en-US" sz="1600" dirty="0" smtClean="0"/>
-              <a:t>时，会有以下过程（不完全）：</a:t>
-            </a:r>
-          </a:p>
-          <a:p>
-            <a:pPr lvl="0">
-              <a:buNone/>
-            </a:pPr>
-            <a:r>
-              <a:rPr lang="en-US" altLang="zh-CN" sz="1600" dirty="0" smtClean="0"/>
-              <a:t>1、</a:t>
-            </a:r>
-            <a:r>
-              <a:rPr lang="zh-CN" altLang="en-US" sz="1600" dirty="0" smtClean="0"/>
-              <a:t>进入</a:t>
+              <a:t>这就解释了为什么在</a:t>
             </a:r>
             <a:r>
               <a:rPr lang="en-US" sz="1600" dirty="0" smtClean="0"/>
               <a:t> </a:t>
             </a:r>
             <a:r>
-              <a:rPr lang="en-US" sz="1600" dirty="0" smtClean="0"/>
-              <a:t>fn</a:t>
-            </a:r>
-            <a:r>
-              <a:rPr lang="zh-CN" altLang="en-US" sz="1600" dirty="0" smtClean="0"/>
-              <a:t>，为</a:t>
-            </a:r>
-            <a:r>
-              <a:rPr lang="en-US" sz="1600" dirty="0" smtClean="0"/>
-              <a:t> fn </a:t>
-            </a:r>
-            <a:r>
-              <a:rPr lang="zh-CN" altLang="en-US" sz="1600" dirty="0" smtClean="0"/>
-              <a:t>创建一个环境。</a:t>
-            </a:r>
-          </a:p>
-          <a:p>
-            <a:pPr lvl="0">
-              <a:buNone/>
-            </a:pPr>
-            <a:r>
-              <a:rPr lang="en-US" altLang="zh-CN" sz="1600" dirty="0" smtClean="0"/>
-              <a:t>2、</a:t>
-            </a:r>
-            <a:r>
-              <a:rPr lang="zh-CN" altLang="en-US" sz="1600" dirty="0" smtClean="0"/>
-              <a:t>找到</a:t>
-            </a:r>
-            <a:r>
-              <a:rPr lang="en-US" sz="1600" dirty="0" smtClean="0"/>
-              <a:t> </a:t>
-            </a:r>
-            <a:r>
-              <a:rPr lang="en-US" sz="1600" dirty="0" smtClean="0"/>
-              <a:t>fn </a:t>
-            </a:r>
-            <a:r>
-              <a:rPr lang="zh-CN" altLang="en-US" sz="1600" dirty="0" smtClean="0"/>
-              <a:t>中所有用</a:t>
-            </a:r>
-            <a:r>
-              <a:rPr lang="en-US" sz="1600" dirty="0" smtClean="0"/>
-              <a:t> </a:t>
-            </a:r>
-            <a:r>
               <a:rPr lang="en-US" sz="1600" dirty="0" err="1" smtClean="0"/>
               <a:t>var</a:t>
             </a:r>
             <a:r>
               <a:rPr lang="en-US" sz="1600" dirty="0" smtClean="0"/>
-              <a:t> </a:t>
+              <a:t> x = 1 </a:t>
             </a:r>
             <a:r>
               <a:rPr lang="zh-CN" altLang="en-US" sz="1600" dirty="0" smtClean="0"/>
-              <a:t>声明的变量，在这个环境中「创建」这些变量（即</a:t>
+              <a:t>之前</a:t>
             </a:r>
             <a:r>
               <a:rPr lang="en-US" sz="1600" dirty="0" smtClean="0"/>
-              <a:t> x </a:t>
+              <a:t> console.log(x) </a:t>
             </a:r>
             <a:r>
               <a:rPr lang="zh-CN" altLang="en-US" sz="1600" dirty="0" smtClean="0"/>
-              <a:t>和</a:t>
-            </a:r>
-            <a:r>
-              <a:rPr lang="en-US" sz="1600" dirty="0" smtClean="0"/>
-              <a:t> y</a:t>
-            </a:r>
-            <a:r>
-              <a:rPr lang="zh-CN" altLang="en-US" sz="1600" dirty="0" smtClean="0"/>
-              <a:t>）。</a:t>
-            </a:r>
-          </a:p>
-          <a:p>
-            <a:pPr lvl="0">
-              <a:buNone/>
-            </a:pPr>
-            <a:r>
-              <a:rPr lang="en-US" altLang="zh-CN" sz="1600" dirty="0" smtClean="0"/>
-              <a:t>3、</a:t>
-            </a:r>
-            <a:r>
-              <a:rPr lang="zh-CN" altLang="en-US" sz="1600" dirty="0" smtClean="0"/>
-              <a:t>将</a:t>
-            </a:r>
-            <a:r>
-              <a:rPr lang="zh-CN" altLang="en-US" sz="1600" dirty="0" smtClean="0"/>
-              <a:t>这些变量「初始化」为</a:t>
+              <a:t>会得到</a:t>
             </a:r>
             <a:r>
               <a:rPr lang="en-US" sz="1600" dirty="0" smtClean="0"/>
               <a:t> undefined</a:t>
             </a:r>
-            <a:r>
-              <a:rPr lang="zh-CN" altLang="en-US" sz="1600" dirty="0" smtClean="0"/>
-              <a:t>。</a:t>
-            </a:r>
-          </a:p>
-          <a:p>
-            <a:pPr lvl="0">
-              <a:buNone/>
-            </a:pPr>
-            <a:r>
-              <a:rPr lang="en-US" altLang="zh-CN" sz="1600" dirty="0" smtClean="0"/>
-              <a:t>4、</a:t>
-            </a:r>
-            <a:r>
-              <a:rPr lang="zh-CN" altLang="en-US" sz="1600" dirty="0" smtClean="0"/>
-              <a:t>开始</a:t>
-            </a:r>
-            <a:r>
-              <a:rPr lang="zh-CN" altLang="en-US" sz="1600" dirty="0" smtClean="0"/>
-              <a:t>执行代码</a:t>
-            </a:r>
-          </a:p>
-          <a:p>
-            <a:pPr lvl="0">
-              <a:buNone/>
-            </a:pPr>
-            <a:r>
-              <a:rPr lang="en-US" sz="1600" dirty="0" smtClean="0"/>
-              <a:t>5、 </a:t>
-            </a:r>
-            <a:r>
-              <a:rPr lang="en-US" altLang="zh-CN" sz="1600" dirty="0" smtClean="0"/>
-              <a:t>x</a:t>
-            </a:r>
-            <a:r>
-              <a:rPr lang="en-US" sz="1600" dirty="0" smtClean="0"/>
-              <a:t>= </a:t>
-            </a:r>
-            <a:r>
-              <a:rPr lang="en-US" sz="1600" dirty="0" smtClean="0"/>
-              <a:t>1 </a:t>
-            </a:r>
-            <a:r>
-              <a:rPr lang="zh-CN" altLang="en-US" sz="1600" dirty="0" smtClean="0"/>
-              <a:t>将</a:t>
-            </a:r>
-            <a:r>
-              <a:rPr lang="en-US" sz="1600" dirty="0" smtClean="0"/>
-              <a:t> x </a:t>
-            </a:r>
-            <a:r>
-              <a:rPr lang="zh-CN" altLang="en-US" sz="1600" dirty="0" smtClean="0"/>
-              <a:t>变量「赋值」为</a:t>
-            </a:r>
-            <a:r>
-              <a:rPr lang="en-US" sz="1600" dirty="0" smtClean="0"/>
-              <a:t> </a:t>
-            </a:r>
-            <a:r>
-              <a:rPr lang="en-US" sz="1600" dirty="0" smtClean="0"/>
-              <a:t>1</a:t>
-            </a:r>
-          </a:p>
-          <a:p>
-            <a:pPr lvl="0">
-              <a:buNone/>
-            </a:pPr>
-            <a:r>
-              <a:rPr lang="en-US" altLang="zh-CN" sz="1600" dirty="0" smtClean="0"/>
-              <a:t>6、</a:t>
-            </a:r>
-            <a:r>
-              <a:rPr lang="en-US" sz="1600" dirty="0" smtClean="0"/>
-              <a:t> y = 2 </a:t>
-            </a:r>
-            <a:r>
-              <a:rPr lang="zh-CN" altLang="en-US" sz="1600" dirty="0" smtClean="0"/>
-              <a:t>将</a:t>
-            </a:r>
-            <a:r>
-              <a:rPr lang="en-US" sz="1600" dirty="0" smtClean="0"/>
-              <a:t> y </a:t>
-            </a:r>
-            <a:r>
-              <a:rPr lang="zh-CN" altLang="en-US" sz="1600" dirty="0" smtClean="0"/>
-              <a:t>变量「赋值」为</a:t>
-            </a:r>
-            <a:r>
-              <a:rPr lang="en-US" sz="1600" dirty="0" smtClean="0"/>
-              <a:t> 2</a:t>
-            </a:r>
             <a:endParaRPr lang="zh-CN" altLang="en-US" sz="1600" dirty="0" smtClean="0"/>
           </a:p>
           <a:p>
             <a:pPr>
               <a:buNone/>
             </a:pPr>
-            <a:r>
-              <a:rPr lang="zh-CN" altLang="en-US" sz="1600" dirty="0" smtClean="0"/>
-              <a:t>也就是说</a:t>
-            </a:r>
-            <a:r>
-              <a:rPr lang="en-US" sz="1600" dirty="0" smtClean="0"/>
-              <a:t> </a:t>
-            </a:r>
-            <a:r>
-              <a:rPr lang="en-US" sz="1600" dirty="0" err="1" smtClean="0"/>
-              <a:t>var</a:t>
-            </a:r>
-            <a:r>
-              <a:rPr lang="en-US" sz="1600" dirty="0" smtClean="0"/>
-              <a:t> </a:t>
-            </a:r>
-            <a:r>
-              <a:rPr lang="zh-CN" altLang="en-US" sz="1600" dirty="0" smtClean="0"/>
-              <a:t>声明会在代码执行之前就将「创建变量，并将其初始化为</a:t>
-            </a:r>
-            <a:r>
-              <a:rPr lang="en-US" sz="1600" dirty="0" smtClean="0"/>
-              <a:t> undefined</a:t>
-            </a:r>
-            <a:r>
-              <a:rPr lang="zh-CN" altLang="en-US" sz="1600" dirty="0" smtClean="0"/>
-              <a:t>」。</a:t>
-            </a:r>
+            <a:endParaRPr lang="zh-CN" altLang="en-US" sz="2000" dirty="0" smtClean="0"/>
           </a:p>
           <a:p>
             <a:pPr>
               <a:buNone/>
             </a:pPr>
-            <a:r>
-              <a:rPr lang="zh-CN" altLang="en-US" sz="1600" dirty="0" smtClean="0"/>
-              <a:t>这就解释了为什么在</a:t>
-            </a:r>
-            <a:r>
-              <a:rPr lang="en-US" sz="1600" dirty="0" smtClean="0"/>
-              <a:t> </a:t>
-            </a:r>
-            <a:r>
-              <a:rPr lang="en-US" sz="1600" dirty="0" err="1" smtClean="0"/>
-              <a:t>var</a:t>
-            </a:r>
-            <a:r>
-              <a:rPr lang="en-US" sz="1600" dirty="0" smtClean="0"/>
-              <a:t> x = 1 </a:t>
-            </a:r>
-            <a:r>
-              <a:rPr lang="zh-CN" altLang="en-US" sz="1600" dirty="0" smtClean="0"/>
-              <a:t>之前</a:t>
-            </a:r>
-            <a:r>
-              <a:rPr lang="en-US" sz="1600" dirty="0" smtClean="0"/>
-              <a:t> console.log(x) </a:t>
-            </a:r>
-            <a:r>
-              <a:rPr lang="zh-CN" altLang="en-US" sz="1600" dirty="0" smtClean="0"/>
-              <a:t>会得到</a:t>
-            </a:r>
-            <a:r>
-              <a:rPr lang="en-US" sz="1600" dirty="0" smtClean="0"/>
-              <a:t> undefined</a:t>
-            </a:r>
-            <a:endParaRPr lang="zh-CN" altLang="en-US" sz="1600" dirty="0" smtClean="0"/>
-          </a:p>
-          <a:p>
-            <a:pPr>
-              <a:buNone/>
-            </a:pPr>
-            <a:endParaRPr lang="zh-CN" altLang="en-US" sz="2000" dirty="0" smtClean="0"/>
-          </a:p>
-          <a:p>
-            <a:pPr>
-              <a:buNone/>
-            </a:pPr>
             <a:endParaRPr lang="en-US" altLang="zh-CN" sz="2000" dirty="0" smtClean="0"/>
           </a:p>
         </p:txBody>
       </p:sp>
     </p:spTree>
-    <p:extLst>
-      <p:ext uri="{BB962C8B-B14F-4D97-AF65-F5344CB8AC3E}">
-        <p14:creationId xmlns:p14="http://schemas.microsoft.com/office/powerpoint/2010/main" xmlns="" val="2395894475"/>
-      </p:ext>
-    </p:extLst>
   </p:cSld>
   <p:clrMapOvr>
     <a:masterClrMapping/>
@@ -8108,8 +8678,11 @@
       </a:bgFillStyleLst>
     </a:fmtScheme>
   </a:themeElements>
-  <a:objectDefaults/>
-  <a:extraClrSchemeLst/>
+  <a:extLst>
+    <a:ext uri="{05A4C25C-085E-4340-85A3-A5531E510DB2}">
+      <thm15:themeFamily xmlns:thm15="http://schemas.microsoft.com/office/thememl/2012/main" name="Office Theme" id="{62F939B6-93AF-4DB8-9C6B-D6C7DFDC589F}" vid="{4A3C46E8-61CC-4603-A589-7422A47A8E4A}"/>
+    </a:ext>
+  </a:extLst>
 </a:theme>
 </file>
 
@@ -8391,8 +8964,11 @@
       </a:bgFillStyleLst>
     </a:fmtScheme>
   </a:themeElements>
-  <a:objectDefaults/>
-  <a:extraClrSchemeLst/>
+  <a:extLst>
+    <a:ext uri="{05A4C25C-085E-4340-85A3-A5531E510DB2}">
+      <thm15:themeFamily xmlns:thm15="http://schemas.microsoft.com/office/thememl/2012/main" name="Office Theme" id="{62F939B6-93AF-4DB8-9C6B-D6C7DFDC589F}" vid="{4A3C46E8-61CC-4603-A589-7422A47A8E4A}"/>
+    </a:ext>
+  </a:extLst>
 </a:theme>
 </file>
 
@@ -8647,11 +9223,9 @@
       </a:bgFillStyleLst>
     </a:fmtScheme>
   </a:themeElements>
-  <a:objectDefaults/>
-  <a:extraClrSchemeLst/>
   <a:extLst>
     <a:ext uri="{05A4C25C-085E-4340-85A3-A5531E510DB2}">
-      <thm15:themeFamily xmlns:thm15="http://schemas.microsoft.com/office/thememl/2012/main" xmlns="" name="Office Theme" id="{62F939B6-93AF-4DB8-9C6B-D6C7DFDC589F}" vid="{4A3C46E8-61CC-4603-A589-7422A47A8E4A}"/>
+      <thm15:themeFamily xmlns:thm15="http://schemas.microsoft.com/office/thememl/2012/main" name="Office Theme" id="{62F939B6-93AF-4DB8-9C6B-D6C7DFDC589F}" vid="{4A3C46E8-61CC-4603-A589-7422A47A8E4A}"/>
     </a:ext>
   </a:extLst>
 </a:theme>

--- a/es6.pptx
+++ b/es6.pptx
@@ -5,27 +5,28 @@
     <p:sldMasterId id="2147483648" r:id="rId1"/>
   </p:sldMasterIdLst>
   <p:notesMasterIdLst>
-    <p:notesMasterId r:id="rId5"/>
+    <p:notesMasterId r:id="rId18"/>
   </p:notesMasterIdLst>
   <p:handoutMasterIdLst>
     <p:handoutMasterId r:id="rId19"/>
   </p:handoutMasterIdLst>
   <p:sldIdLst>
-    <p:sldId id="256" r:id="rId3"/>
-    <p:sldId id="342" r:id="rId4"/>
-    <p:sldId id="343" r:id="rId6"/>
-    <p:sldId id="346" r:id="rId7"/>
-    <p:sldId id="363" r:id="rId8"/>
-    <p:sldId id="347" r:id="rId9"/>
-    <p:sldId id="348" r:id="rId10"/>
-    <p:sldId id="349" r:id="rId11"/>
-    <p:sldId id="350" r:id="rId12"/>
-    <p:sldId id="351" r:id="rId13"/>
-    <p:sldId id="352" r:id="rId14"/>
-    <p:sldId id="365" r:id="rId15"/>
-    <p:sldId id="364" r:id="rId16"/>
-    <p:sldId id="366" r:id="rId17"/>
-    <p:sldId id="353" r:id="rId18"/>
+    <p:sldId id="256" r:id="rId2"/>
+    <p:sldId id="342" r:id="rId3"/>
+    <p:sldId id="343" r:id="rId4"/>
+    <p:sldId id="346" r:id="rId5"/>
+    <p:sldId id="363" r:id="rId6"/>
+    <p:sldId id="347" r:id="rId7"/>
+    <p:sldId id="348" r:id="rId8"/>
+    <p:sldId id="349" r:id="rId9"/>
+    <p:sldId id="350" r:id="rId10"/>
+    <p:sldId id="351" r:id="rId11"/>
+    <p:sldId id="352" r:id="rId12"/>
+    <p:sldId id="365" r:id="rId13"/>
+    <p:sldId id="364" r:id="rId14"/>
+    <p:sldId id="367" r:id="rId15"/>
+    <p:sldId id="366" r:id="rId16"/>
+    <p:sldId id="353" r:id="rId17"/>
   </p:sldIdLst>
   <p:sldSz cx="9144000" cy="6858000" type="screen4x3"/>
   <p:notesSz cx="6858000" cy="9144000"/>
@@ -209,6 +210,8 @@
           <a:p>
             <a:fld id="{2B471368-A268-4F46-9D8F-43FF13D74201}" type="datetimeFigureOut">
               <a:rPr lang="zh-CN" altLang="en-US" smtClean="0"/>
+              <a:pPr/>
+              <a:t>2018/5/10</a:t>
             </a:fld>
             <a:endParaRPr lang="zh-CN" altLang="en-US"/>
           </a:p>
@@ -274,6 +277,8 @@
           <a:p>
             <a:fld id="{2455E5EF-3FC4-4151-AE4E-090C95274B57}" type="slidenum">
               <a:rPr lang="zh-CN" altLang="en-US" smtClean="0"/>
+              <a:pPr/>
+              <a:t>‹#›</a:t>
             </a:fld>
             <a:endParaRPr lang="zh-CN" altLang="en-US"/>
           </a:p>
@@ -368,6 +373,8 @@
           <a:p>
             <a:fld id="{BC787B11-B30B-454B-BAC2-C5C8A2AD0F0E}" type="datetimeFigureOut">
               <a:rPr lang="zh-CN" altLang="en-US" smtClean="0"/>
+              <a:pPr/>
+              <a:t>2018/5/10</a:t>
             </a:fld>
             <a:endParaRPr lang="zh-CN" altLang="en-US"/>
           </a:p>
@@ -436,7 +443,6 @@
               <a:rPr lang="zh-CN" altLang="en-US" smtClean="0"/>
               <a:t>单击此处编辑母版文本样式</a:t>
             </a:r>
-            <a:endParaRPr lang="zh-CN" altLang="en-US" smtClean="0"/>
           </a:p>
           <a:p>
             <a:pPr lvl="1"/>
@@ -444,7 +450,6 @@
               <a:rPr lang="zh-CN" altLang="en-US" smtClean="0"/>
               <a:t>第二级</a:t>
             </a:r>
-            <a:endParaRPr lang="zh-CN" altLang="en-US" smtClean="0"/>
           </a:p>
           <a:p>
             <a:pPr lvl="2"/>
@@ -452,7 +457,6 @@
               <a:rPr lang="zh-CN" altLang="en-US" smtClean="0"/>
               <a:t>第三级</a:t>
             </a:r>
-            <a:endParaRPr lang="zh-CN" altLang="en-US" smtClean="0"/>
           </a:p>
           <a:p>
             <a:pPr lvl="3"/>
@@ -460,7 +464,6 @@
               <a:rPr lang="zh-CN" altLang="en-US" smtClean="0"/>
               <a:t>第四级</a:t>
             </a:r>
-            <a:endParaRPr lang="zh-CN" altLang="en-US" smtClean="0"/>
           </a:p>
           <a:p>
             <a:pPr lvl="4"/>
@@ -532,6 +535,8 @@
           <a:p>
             <a:fld id="{2092F04E-6042-45DC-BBEC-10C44BABB3C2}" type="slidenum">
               <a:rPr lang="zh-CN" altLang="en-US" smtClean="0"/>
+              <a:pPr/>
+              <a:t>‹#›</a:t>
             </a:fld>
             <a:endParaRPr lang="zh-CN" altLang="en-US"/>
           </a:p>
@@ -703,6 +708,8 @@
           <a:p>
             <a:fld id="{2092F04E-6042-45DC-BBEC-10C44BABB3C2}" type="slidenum">
               <a:rPr lang="zh-CN" altLang="en-US" smtClean="0"/>
+              <a:pPr/>
+              <a:t>2</a:t>
             </a:fld>
             <a:endParaRPr lang="zh-CN" altLang="en-US"/>
           </a:p>
@@ -783,6 +790,8 @@
           <a:p>
             <a:fld id="{2092F04E-6042-45DC-BBEC-10C44BABB3C2}" type="slidenum">
               <a:rPr lang="zh-CN" altLang="en-US" smtClean="0"/>
+              <a:pPr/>
+              <a:t>11</a:t>
             </a:fld>
             <a:endParaRPr lang="zh-CN" altLang="en-US"/>
           </a:p>
@@ -863,6 +872,8 @@
           <a:p>
             <a:fld id="{2092F04E-6042-45DC-BBEC-10C44BABB3C2}" type="slidenum">
               <a:rPr lang="zh-CN" altLang="en-US" smtClean="0"/>
+              <a:pPr/>
+              <a:t>12</a:t>
             </a:fld>
             <a:endParaRPr lang="zh-CN" altLang="en-US"/>
           </a:p>
@@ -943,6 +954,8 @@
           <a:p>
             <a:fld id="{2092F04E-6042-45DC-BBEC-10C44BABB3C2}" type="slidenum">
               <a:rPr lang="zh-CN" altLang="en-US" smtClean="0"/>
+              <a:pPr/>
+              <a:t>13</a:t>
             </a:fld>
             <a:endParaRPr lang="zh-CN" altLang="en-US"/>
           </a:p>
@@ -1023,6 +1036,90 @@
           <a:p>
             <a:fld id="{2092F04E-6042-45DC-BBEC-10C44BABB3C2}" type="slidenum">
               <a:rPr lang="zh-CN" altLang="en-US" smtClean="0"/>
+              <a:pPr/>
+              <a:t>14</a:t>
+            </a:fld>
+            <a:endParaRPr lang="zh-CN" altLang="en-US"/>
+          </a:p>
+        </p:txBody>
+      </p:sp>
+    </p:spTree>
+  </p:cSld>
+  <p:clrMapOvr>
+    <a:masterClrMapping/>
+  </p:clrMapOvr>
+</p:notes>
+</file>
+
+<file path=ppt/notesSlides/notesSlide14.xml><?xml version="1.0" encoding="utf-8"?>
+<p:notes xmlns:a="http://schemas.openxmlformats.org/drawingml/2006/main" xmlns:r="http://schemas.openxmlformats.org/officeDocument/2006/relationships" xmlns:p="http://schemas.openxmlformats.org/presentationml/2006/main">
+  <p:cSld>
+    <p:spTree>
+      <p:nvGrpSpPr>
+        <p:cNvPr id="1" name=""/>
+        <p:cNvGrpSpPr/>
+        <p:nvPr/>
+      </p:nvGrpSpPr>
+      <p:grpSpPr>
+        <a:xfrm>
+          <a:off x="0" y="0"/>
+          <a:ext cx="0" cy="0"/>
+          <a:chOff x="0" y="0"/>
+          <a:chExt cx="0" cy="0"/>
+        </a:xfrm>
+      </p:grpSpPr>
+      <p:sp>
+        <p:nvSpPr>
+          <p:cNvPr id="2" name="幻灯片图像占位符 1"/>
+          <p:cNvSpPr>
+            <a:spLocks noGrp="1" noRot="1" noChangeAspect="1"/>
+          </p:cNvSpPr>
+          <p:nvPr>
+            <p:ph type="sldImg"/>
+          </p:nvPr>
+        </p:nvSpPr>
+        <p:spPr/>
+      </p:sp>
+      <p:sp>
+        <p:nvSpPr>
+          <p:cNvPr id="3" name="备注占位符 2"/>
+          <p:cNvSpPr>
+            <a:spLocks noGrp="1"/>
+          </p:cNvSpPr>
+          <p:nvPr>
+            <p:ph type="body" idx="1"/>
+          </p:nvPr>
+        </p:nvSpPr>
+        <p:spPr/>
+        <p:txBody>
+          <a:bodyPr>
+            <a:normAutofit/>
+          </a:bodyPr>
+          <a:lstStyle/>
+          <a:p>
+            <a:endParaRPr lang="zh-CN" altLang="en-US" dirty="0"/>
+          </a:p>
+        </p:txBody>
+      </p:sp>
+      <p:sp>
+        <p:nvSpPr>
+          <p:cNvPr id="4" name="灯片编号占位符 3"/>
+          <p:cNvSpPr>
+            <a:spLocks noGrp="1"/>
+          </p:cNvSpPr>
+          <p:nvPr>
+            <p:ph type="sldNum" sz="quarter" idx="10"/>
+          </p:nvPr>
+        </p:nvSpPr>
+        <p:spPr/>
+        <p:txBody>
+          <a:bodyPr/>
+          <a:lstStyle/>
+          <a:p>
+            <a:fld id="{2092F04E-6042-45DC-BBEC-10C44BABB3C2}" type="slidenum">
+              <a:rPr lang="zh-CN" altLang="en-US" smtClean="0"/>
+              <a:pPr/>
+              <a:t>15</a:t>
             </a:fld>
             <a:endParaRPr lang="zh-CN" altLang="en-US"/>
           </a:p>
@@ -1082,6 +1179,375 @@
           </a:bodyPr>
           <a:lstStyle/>
           <a:p>
+            <a:r>
+              <a:rPr lang="zh-CN" altLang="en-US" sz="1200" kern="1200" dirty="0" smtClean="0">
+                <a:solidFill>
+                  <a:schemeClr val="tx1"/>
+                </a:solidFill>
+                <a:latin typeface="+mn-lt"/>
+                <a:ea typeface="+mn-ea"/>
+                <a:cs typeface="+mn-cs"/>
+              </a:rPr>
+              <a:t>一、前后端分离（公司朝前后端分离这个方向走，而前后端分离的主流技术就三个，</a:t>
+            </a:r>
+            <a:r>
+              <a:rPr lang="en-US" sz="1200" kern="1200" dirty="0" err="1" smtClean="0">
+                <a:solidFill>
+                  <a:schemeClr val="tx1"/>
+                </a:solidFill>
+                <a:latin typeface="+mn-lt"/>
+                <a:ea typeface="+mn-ea"/>
+                <a:cs typeface="+mn-cs"/>
+              </a:rPr>
+              <a:t>vue</a:t>
+            </a:r>
+            <a:r>
+              <a:rPr lang="zh-CN" altLang="en-US" sz="1200" kern="1200" dirty="0" smtClean="0">
+                <a:solidFill>
+                  <a:schemeClr val="tx1"/>
+                </a:solidFill>
+                <a:latin typeface="+mn-lt"/>
+                <a:ea typeface="+mn-ea"/>
+                <a:cs typeface="+mn-cs"/>
+              </a:rPr>
+              <a:t>，</a:t>
+            </a:r>
+            <a:r>
+              <a:rPr lang="en-US" sz="1200" kern="1200" dirty="0" smtClean="0">
+                <a:solidFill>
+                  <a:schemeClr val="tx1"/>
+                </a:solidFill>
+                <a:latin typeface="+mn-lt"/>
+                <a:ea typeface="+mn-ea"/>
+                <a:cs typeface="+mn-cs"/>
+              </a:rPr>
+              <a:t>react</a:t>
+            </a:r>
+            <a:r>
+              <a:rPr lang="zh-CN" altLang="en-US" sz="1200" kern="1200" dirty="0" smtClean="0">
+                <a:solidFill>
+                  <a:schemeClr val="tx1"/>
+                </a:solidFill>
+                <a:latin typeface="+mn-lt"/>
+                <a:ea typeface="+mn-ea"/>
+                <a:cs typeface="+mn-cs"/>
+              </a:rPr>
+              <a:t>，</a:t>
+            </a:r>
+            <a:r>
+              <a:rPr lang="en-US" sz="1200" kern="1200" dirty="0" smtClean="0">
+                <a:solidFill>
+                  <a:schemeClr val="tx1"/>
+                </a:solidFill>
+                <a:latin typeface="+mn-lt"/>
+                <a:ea typeface="+mn-ea"/>
+                <a:cs typeface="+mn-cs"/>
+              </a:rPr>
+              <a:t>angular</a:t>
+            </a:r>
+            <a:r>
+              <a:rPr lang="zh-CN" altLang="en-US" sz="1200" kern="1200" dirty="0" smtClean="0">
+                <a:solidFill>
+                  <a:schemeClr val="tx1"/>
+                </a:solidFill>
+                <a:latin typeface="+mn-lt"/>
+                <a:ea typeface="+mn-ea"/>
+                <a:cs typeface="+mn-cs"/>
+              </a:rPr>
+              <a:t>，目前我们前端商量的结果是采用</a:t>
+            </a:r>
+            <a:r>
+              <a:rPr lang="en-US" sz="1200" kern="1200" dirty="0" err="1" smtClean="0">
+                <a:solidFill>
+                  <a:schemeClr val="tx1"/>
+                </a:solidFill>
+                <a:latin typeface="+mn-lt"/>
+                <a:ea typeface="+mn-ea"/>
+                <a:cs typeface="+mn-cs"/>
+              </a:rPr>
+              <a:t>vue</a:t>
+            </a:r>
+            <a:r>
+              <a:rPr lang="zh-CN" altLang="en-US" sz="1200" kern="1200" dirty="0" smtClean="0">
+                <a:solidFill>
+                  <a:schemeClr val="tx1"/>
+                </a:solidFill>
+                <a:latin typeface="+mn-lt"/>
+                <a:ea typeface="+mn-ea"/>
+                <a:cs typeface="+mn-cs"/>
+              </a:rPr>
+              <a:t>开发，它具有学习曲线平缓，社区活跃，轻量等优点，在</a:t>
+            </a:r>
+            <a:r>
+              <a:rPr lang="en-US" sz="1200" kern="1200" dirty="0" err="1" smtClean="0">
+                <a:solidFill>
+                  <a:schemeClr val="tx1"/>
+                </a:solidFill>
+                <a:latin typeface="+mn-lt"/>
+                <a:ea typeface="+mn-ea"/>
+                <a:cs typeface="+mn-cs"/>
+              </a:rPr>
+              <a:t>vue</a:t>
+            </a:r>
+            <a:r>
+              <a:rPr lang="zh-CN" altLang="en-US" sz="1200" kern="1200" dirty="0" smtClean="0">
+                <a:solidFill>
+                  <a:schemeClr val="tx1"/>
+                </a:solidFill>
+                <a:latin typeface="+mn-lt"/>
+                <a:ea typeface="+mn-ea"/>
+                <a:cs typeface="+mn-cs"/>
+              </a:rPr>
+              <a:t>开发中，我们常用</a:t>
+            </a:r>
+            <a:r>
+              <a:rPr lang="en-US" sz="1200" kern="1200" dirty="0" err="1" smtClean="0">
+                <a:solidFill>
+                  <a:schemeClr val="tx1"/>
+                </a:solidFill>
+                <a:latin typeface="+mn-lt"/>
+                <a:ea typeface="+mn-ea"/>
+                <a:cs typeface="+mn-cs"/>
+              </a:rPr>
+              <a:t>ECMAScript</a:t>
+            </a:r>
+            <a:r>
+              <a:rPr lang="en-US" sz="1200" kern="1200" dirty="0" smtClean="0">
+                <a:solidFill>
+                  <a:schemeClr val="tx1"/>
+                </a:solidFill>
+                <a:latin typeface="+mn-lt"/>
+                <a:ea typeface="+mn-ea"/>
+                <a:cs typeface="+mn-cs"/>
+              </a:rPr>
+              <a:t> 6</a:t>
+            </a:r>
+            <a:r>
+              <a:rPr lang="zh-CN" altLang="en-US" sz="1200" kern="1200" dirty="0" smtClean="0">
+                <a:solidFill>
+                  <a:schemeClr val="tx1"/>
+                </a:solidFill>
+                <a:latin typeface="+mn-lt"/>
+                <a:ea typeface="+mn-ea"/>
+                <a:cs typeface="+mn-cs"/>
+              </a:rPr>
+              <a:t>来提高开发效率）</a:t>
+            </a:r>
+          </a:p>
+          <a:p>
+            <a:r>
+              <a:rPr lang="zh-CN" altLang="en-US" sz="1200" kern="1200" dirty="0" smtClean="0">
+                <a:solidFill>
+                  <a:schemeClr val="tx1"/>
+                </a:solidFill>
+                <a:latin typeface="+mn-lt"/>
+                <a:ea typeface="+mn-ea"/>
+                <a:cs typeface="+mn-cs"/>
+              </a:rPr>
+              <a:t>二、能够看懂其他人的开源项目（在平时的工作中，有时我们需要借鉴别人的方法或学习其他人的开发技巧，这时我们会去</a:t>
+            </a:r>
+            <a:r>
+              <a:rPr lang="en-US" sz="1200" kern="1200" dirty="0" err="1" smtClean="0">
+                <a:solidFill>
+                  <a:schemeClr val="tx1"/>
+                </a:solidFill>
+                <a:latin typeface="+mn-lt"/>
+                <a:ea typeface="+mn-ea"/>
+                <a:cs typeface="+mn-cs"/>
+              </a:rPr>
+              <a:t>github</a:t>
+            </a:r>
+            <a:r>
+              <a:rPr lang="zh-CN" altLang="en-US" sz="1200" kern="1200" dirty="0" smtClean="0">
+                <a:solidFill>
+                  <a:schemeClr val="tx1"/>
+                </a:solidFill>
+                <a:latin typeface="+mn-lt"/>
+                <a:ea typeface="+mn-ea"/>
+                <a:cs typeface="+mn-cs"/>
+              </a:rPr>
+              <a:t>找类似的开源项目，有的项目是用</a:t>
+            </a:r>
+            <a:r>
+              <a:rPr lang="en-US" sz="1200" kern="1200" dirty="0" err="1" smtClean="0">
+                <a:solidFill>
+                  <a:schemeClr val="tx1"/>
+                </a:solidFill>
+                <a:latin typeface="+mn-lt"/>
+                <a:ea typeface="+mn-ea"/>
+                <a:cs typeface="+mn-cs"/>
+              </a:rPr>
+              <a:t>ECMAScript</a:t>
+            </a:r>
+            <a:r>
+              <a:rPr lang="en-US" sz="1200" kern="1200" dirty="0" smtClean="0">
+                <a:solidFill>
+                  <a:schemeClr val="tx1"/>
+                </a:solidFill>
+                <a:latin typeface="+mn-lt"/>
+                <a:ea typeface="+mn-ea"/>
+                <a:cs typeface="+mn-cs"/>
+              </a:rPr>
+              <a:t> 6</a:t>
+            </a:r>
+            <a:r>
+              <a:rPr lang="zh-CN" altLang="en-US" sz="1200" kern="1200" dirty="0" smtClean="0">
+                <a:solidFill>
+                  <a:schemeClr val="tx1"/>
+                </a:solidFill>
+                <a:latin typeface="+mn-lt"/>
+                <a:ea typeface="+mn-ea"/>
+                <a:cs typeface="+mn-cs"/>
+              </a:rPr>
+              <a:t>开发的，如果我们不会，我们就看不懂）</a:t>
+            </a:r>
+          </a:p>
+          <a:p>
+            <a:r>
+              <a:rPr lang="zh-CN" altLang="en-US" sz="1200" kern="1200" dirty="0" smtClean="0">
+                <a:solidFill>
+                  <a:schemeClr val="tx1"/>
+                </a:solidFill>
+                <a:latin typeface="+mn-lt"/>
+                <a:ea typeface="+mn-ea"/>
+                <a:cs typeface="+mn-cs"/>
+              </a:rPr>
+              <a:t>三、</a:t>
+            </a:r>
+            <a:r>
+              <a:rPr lang="en-US" sz="1200" kern="1200" dirty="0" smtClean="0">
+                <a:solidFill>
+                  <a:schemeClr val="tx1"/>
+                </a:solidFill>
+                <a:latin typeface="+mn-lt"/>
+                <a:ea typeface="+mn-ea"/>
+                <a:cs typeface="+mn-cs"/>
+              </a:rPr>
+              <a:t>Node </a:t>
+            </a:r>
+            <a:r>
+              <a:rPr lang="zh-CN" altLang="en-US" sz="1200" kern="1200" dirty="0" smtClean="0">
+                <a:solidFill>
+                  <a:schemeClr val="tx1"/>
+                </a:solidFill>
+                <a:latin typeface="+mn-lt"/>
+                <a:ea typeface="+mn-ea"/>
+                <a:cs typeface="+mn-cs"/>
+              </a:rPr>
+              <a:t>是</a:t>
+            </a:r>
+            <a:r>
+              <a:rPr lang="en-US" sz="1200" kern="1200" dirty="0" smtClean="0">
+                <a:solidFill>
+                  <a:schemeClr val="tx1"/>
+                </a:solidFill>
+                <a:latin typeface="+mn-lt"/>
+                <a:ea typeface="+mn-ea"/>
+                <a:cs typeface="+mn-cs"/>
+              </a:rPr>
+              <a:t> JavaScript </a:t>
+            </a:r>
+            <a:r>
+              <a:rPr lang="zh-CN" altLang="en-US" sz="1200" kern="1200" dirty="0" smtClean="0">
+                <a:solidFill>
+                  <a:schemeClr val="tx1"/>
+                </a:solidFill>
+                <a:latin typeface="+mn-lt"/>
+                <a:ea typeface="+mn-ea"/>
+                <a:cs typeface="+mn-cs"/>
+              </a:rPr>
+              <a:t>的服务器运行环境（</a:t>
+            </a:r>
+            <a:r>
+              <a:rPr lang="en-US" sz="1200" kern="1200" dirty="0" smtClean="0">
+                <a:solidFill>
+                  <a:schemeClr val="tx1"/>
+                </a:solidFill>
+                <a:latin typeface="+mn-lt"/>
+                <a:ea typeface="+mn-ea"/>
+                <a:cs typeface="+mn-cs"/>
+              </a:rPr>
+              <a:t>runtime</a:t>
+            </a:r>
+            <a:r>
+              <a:rPr lang="zh-CN" altLang="en-US" sz="1200" kern="1200" dirty="0" smtClean="0">
+                <a:solidFill>
+                  <a:schemeClr val="tx1"/>
+                </a:solidFill>
+                <a:latin typeface="+mn-lt"/>
+                <a:ea typeface="+mn-ea"/>
+                <a:cs typeface="+mn-cs"/>
+              </a:rPr>
+              <a:t>）。它对</a:t>
+            </a:r>
+            <a:r>
+              <a:rPr lang="en-US" sz="1200" kern="1200" dirty="0" smtClean="0">
+                <a:solidFill>
+                  <a:schemeClr val="tx1"/>
+                </a:solidFill>
+                <a:latin typeface="+mn-lt"/>
+                <a:ea typeface="+mn-ea"/>
+                <a:cs typeface="+mn-cs"/>
+              </a:rPr>
+              <a:t> ES6 </a:t>
+            </a:r>
+            <a:r>
+              <a:rPr lang="zh-CN" altLang="en-US" sz="1200" kern="1200" dirty="0" smtClean="0">
+                <a:solidFill>
+                  <a:schemeClr val="tx1"/>
+                </a:solidFill>
+                <a:latin typeface="+mn-lt"/>
+                <a:ea typeface="+mn-ea"/>
+                <a:cs typeface="+mn-cs"/>
+              </a:rPr>
+              <a:t>的支持度更高，如果</a:t>
+            </a:r>
+            <a:r>
+              <a:rPr lang="en-US" sz="1200" kern="1200" dirty="0" smtClean="0">
+                <a:solidFill>
+                  <a:schemeClr val="tx1"/>
+                </a:solidFill>
+                <a:latin typeface="+mn-lt"/>
+                <a:ea typeface="+mn-ea"/>
+                <a:cs typeface="+mn-cs"/>
+              </a:rPr>
+              <a:t>JavaScript</a:t>
+            </a:r>
+            <a:r>
+              <a:rPr lang="zh-CN" altLang="en-US" sz="1200" kern="1200" dirty="0" smtClean="0">
+                <a:solidFill>
+                  <a:schemeClr val="tx1"/>
+                </a:solidFill>
+                <a:latin typeface="+mn-lt"/>
+                <a:ea typeface="+mn-ea"/>
+                <a:cs typeface="+mn-cs"/>
+              </a:rPr>
+              <a:t>功底深厚，学习</a:t>
+            </a:r>
+            <a:r>
+              <a:rPr lang="en-US" sz="1200" kern="1200" dirty="0" err="1" smtClean="0">
+                <a:solidFill>
+                  <a:schemeClr val="tx1"/>
+                </a:solidFill>
+                <a:latin typeface="+mn-lt"/>
+                <a:ea typeface="+mn-ea"/>
+                <a:cs typeface="+mn-cs"/>
+              </a:rPr>
+              <a:t>nodejs</a:t>
+            </a:r>
+            <a:r>
+              <a:rPr lang="zh-CN" altLang="en-US" sz="1200" kern="1200" dirty="0" smtClean="0">
+                <a:solidFill>
+                  <a:schemeClr val="tx1"/>
+                </a:solidFill>
+                <a:latin typeface="+mn-lt"/>
+                <a:ea typeface="+mn-ea"/>
+                <a:cs typeface="+mn-cs"/>
+              </a:rPr>
+              <a:t>，走全栈也是不错的选择。</a:t>
+            </a:r>
+          </a:p>
+          <a:p>
             <a:endParaRPr lang="zh-CN" altLang="en-US" dirty="0"/>
           </a:p>
         </p:txBody>
@@ -1103,6 +1569,8 @@
           <a:p>
             <a:fld id="{2092F04E-6042-45DC-BBEC-10C44BABB3C2}" type="slidenum">
               <a:rPr lang="zh-CN" altLang="en-US" smtClean="0"/>
+              <a:pPr/>
+              <a:t>3</a:t>
             </a:fld>
             <a:endParaRPr lang="zh-CN" altLang="en-US"/>
           </a:p>
@@ -1183,6 +1651,8 @@
           <a:p>
             <a:fld id="{2092F04E-6042-45DC-BBEC-10C44BABB3C2}" type="slidenum">
               <a:rPr lang="zh-CN" altLang="en-US" smtClean="0"/>
+              <a:pPr/>
+              <a:t>4</a:t>
             </a:fld>
             <a:endParaRPr lang="zh-CN" altLang="en-US"/>
           </a:p>
@@ -1263,6 +1733,8 @@
           <a:p>
             <a:fld id="{2092F04E-6042-45DC-BBEC-10C44BABB3C2}" type="slidenum">
               <a:rPr lang="zh-CN" altLang="en-US" smtClean="0"/>
+              <a:pPr/>
+              <a:t>5</a:t>
             </a:fld>
             <a:endParaRPr lang="zh-CN" altLang="en-US"/>
           </a:p>
@@ -1343,6 +1815,8 @@
           <a:p>
             <a:fld id="{2092F04E-6042-45DC-BBEC-10C44BABB3C2}" type="slidenum">
               <a:rPr lang="zh-CN" altLang="en-US" smtClean="0"/>
+              <a:pPr/>
+              <a:t>6</a:t>
             </a:fld>
             <a:endParaRPr lang="zh-CN" altLang="en-US"/>
           </a:p>
@@ -1423,6 +1897,8 @@
           <a:p>
             <a:fld id="{2092F04E-6042-45DC-BBEC-10C44BABB3C2}" type="slidenum">
               <a:rPr lang="zh-CN" altLang="en-US" smtClean="0"/>
+              <a:pPr/>
+              <a:t>7</a:t>
             </a:fld>
             <a:endParaRPr lang="zh-CN" altLang="en-US"/>
           </a:p>
@@ -1503,6 +1979,8 @@
           <a:p>
             <a:fld id="{2092F04E-6042-45DC-BBEC-10C44BABB3C2}" type="slidenum">
               <a:rPr lang="zh-CN" altLang="en-US" smtClean="0"/>
+              <a:pPr/>
+              <a:t>8</a:t>
             </a:fld>
             <a:endParaRPr lang="zh-CN" altLang="en-US"/>
           </a:p>
@@ -1583,6 +2061,8 @@
           <a:p>
             <a:fld id="{2092F04E-6042-45DC-BBEC-10C44BABB3C2}" type="slidenum">
               <a:rPr lang="zh-CN" altLang="en-US" smtClean="0"/>
+              <a:pPr/>
+              <a:t>9</a:t>
             </a:fld>
             <a:endParaRPr lang="zh-CN" altLang="en-US"/>
           </a:p>
@@ -1663,6 +2143,8 @@
           <a:p>
             <a:fld id="{2092F04E-6042-45DC-BBEC-10C44BABB3C2}" type="slidenum">
               <a:rPr lang="zh-CN" altLang="en-US" smtClean="0"/>
+              <a:pPr/>
+              <a:t>10</a:t>
             </a:fld>
             <a:endParaRPr lang="zh-CN" altLang="en-US"/>
           </a:p>
@@ -1857,6 +2339,8 @@
           <a:p>
             <a:fld id="{6B305A6F-67B0-4A05-BF4F-ED5D91920B6E}" type="datetime1">
               <a:rPr lang="zh-CN" altLang="en-US" smtClean="0"/>
+              <a:pPr/>
+              <a:t>2018/5/10</a:t>
             </a:fld>
             <a:endParaRPr lang="zh-CN" altLang="en-US"/>
           </a:p>
@@ -1902,6 +2386,8 @@
           <a:p>
             <a:fld id="{F27E8493-5078-47B7-9DFF-F75323757EA1}" type="slidenum">
               <a:rPr lang="zh-CN" altLang="en-US" smtClean="0"/>
+              <a:pPr/>
+              <a:t>‹#›</a:t>
             </a:fld>
             <a:endParaRPr lang="zh-CN" altLang="en-US"/>
           </a:p>
@@ -1931,6 +2417,8 @@
           <a:p>
             <a:fld id="{1EA49882-CD4F-4632-B256-A56120B6E7DC}" type="slidenum">
               <a:rPr lang="en-US" altLang="zh-CN" smtClean="0"/>
+              <a:pPr/>
+              <a:t>‹#›</a:t>
             </a:fld>
             <a:endParaRPr lang="zh-CN" altLang="en-US" dirty="0"/>
           </a:p>
@@ -2004,7 +2492,6 @@
               <a:rPr lang="zh-CN" altLang="en-US" smtClean="0"/>
               <a:t>单击此处编辑母版文本样式</a:t>
             </a:r>
-            <a:endParaRPr lang="zh-CN" altLang="en-US" smtClean="0"/>
           </a:p>
           <a:p>
             <a:pPr lvl="1"/>
@@ -2012,7 +2499,6 @@
               <a:rPr lang="zh-CN" altLang="en-US" smtClean="0"/>
               <a:t>第二级</a:t>
             </a:r>
-            <a:endParaRPr lang="zh-CN" altLang="en-US" smtClean="0"/>
           </a:p>
           <a:p>
             <a:pPr lvl="2"/>
@@ -2020,7 +2506,6 @@
               <a:rPr lang="zh-CN" altLang="en-US" smtClean="0"/>
               <a:t>第三级</a:t>
             </a:r>
-            <a:endParaRPr lang="zh-CN" altLang="en-US" smtClean="0"/>
           </a:p>
           <a:p>
             <a:pPr lvl="3"/>
@@ -2028,7 +2513,6 @@
               <a:rPr lang="zh-CN" altLang="en-US" smtClean="0"/>
               <a:t>第四级</a:t>
             </a:r>
-            <a:endParaRPr lang="zh-CN" altLang="en-US" smtClean="0"/>
           </a:p>
           <a:p>
             <a:pPr lvl="4"/>
@@ -2057,6 +2541,8 @@
           <a:p>
             <a:fld id="{0C49D4BC-8F85-4CAA-92A1-C35C78AB1C7A}" type="datetime1">
               <a:rPr lang="zh-CN" altLang="en-US" smtClean="0"/>
+              <a:pPr/>
+              <a:t>2018/5/10</a:t>
             </a:fld>
             <a:endParaRPr lang="zh-CN" altLang="en-US"/>
           </a:p>
@@ -2102,6 +2588,8 @@
           <a:p>
             <a:fld id="{F27E8493-5078-47B7-9DFF-F75323757EA1}" type="slidenum">
               <a:rPr lang="zh-CN" altLang="en-US" smtClean="0"/>
+              <a:pPr/>
+              <a:t>‹#›</a:t>
             </a:fld>
             <a:endParaRPr lang="zh-CN" altLang="en-US"/>
           </a:p>
@@ -2185,7 +2673,6 @@
               <a:rPr lang="zh-CN" altLang="en-US" smtClean="0"/>
               <a:t>单击此处编辑母版文本样式</a:t>
             </a:r>
-            <a:endParaRPr lang="zh-CN" altLang="en-US" smtClean="0"/>
           </a:p>
           <a:p>
             <a:pPr lvl="1"/>
@@ -2193,7 +2680,6 @@
               <a:rPr lang="zh-CN" altLang="en-US" smtClean="0"/>
               <a:t>第二级</a:t>
             </a:r>
-            <a:endParaRPr lang="zh-CN" altLang="en-US" smtClean="0"/>
           </a:p>
           <a:p>
             <a:pPr lvl="2"/>
@@ -2201,7 +2687,6 @@
               <a:rPr lang="zh-CN" altLang="en-US" smtClean="0"/>
               <a:t>第三级</a:t>
             </a:r>
-            <a:endParaRPr lang="zh-CN" altLang="en-US" smtClean="0"/>
           </a:p>
           <a:p>
             <a:pPr lvl="3"/>
@@ -2209,7 +2694,6 @@
               <a:rPr lang="zh-CN" altLang="en-US" smtClean="0"/>
               <a:t>第四级</a:t>
             </a:r>
-            <a:endParaRPr lang="zh-CN" altLang="en-US" smtClean="0"/>
           </a:p>
           <a:p>
             <a:pPr lvl="4"/>
@@ -2238,6 +2722,8 @@
           <a:p>
             <a:fld id="{1BE52367-AB01-40F0-B52E-280B2A4D42AC}" type="datetime1">
               <a:rPr lang="zh-CN" altLang="en-US" smtClean="0"/>
+              <a:pPr/>
+              <a:t>2018/5/10</a:t>
             </a:fld>
             <a:endParaRPr lang="zh-CN" altLang="en-US"/>
           </a:p>
@@ -2283,6 +2769,8 @@
           <a:p>
             <a:fld id="{F27E8493-5078-47B7-9DFF-F75323757EA1}" type="slidenum">
               <a:rPr lang="zh-CN" altLang="en-US" smtClean="0"/>
+              <a:pPr/>
+              <a:t>‹#›</a:t>
             </a:fld>
             <a:endParaRPr lang="zh-CN" altLang="en-US"/>
           </a:p>
@@ -2356,7 +2844,6 @@
               <a:rPr lang="zh-CN" altLang="en-US" smtClean="0"/>
               <a:t>单击此处编辑母版文本样式</a:t>
             </a:r>
-            <a:endParaRPr lang="zh-CN" altLang="en-US" smtClean="0"/>
           </a:p>
           <a:p>
             <a:pPr lvl="1"/>
@@ -2364,7 +2851,6 @@
               <a:rPr lang="zh-CN" altLang="en-US" smtClean="0"/>
               <a:t>第二级</a:t>
             </a:r>
-            <a:endParaRPr lang="zh-CN" altLang="en-US" smtClean="0"/>
           </a:p>
           <a:p>
             <a:pPr lvl="2"/>
@@ -2372,7 +2858,6 @@
               <a:rPr lang="zh-CN" altLang="en-US" smtClean="0"/>
               <a:t>第三级</a:t>
             </a:r>
-            <a:endParaRPr lang="zh-CN" altLang="en-US" smtClean="0"/>
           </a:p>
           <a:p>
             <a:pPr lvl="3"/>
@@ -2380,7 +2865,6 @@
               <a:rPr lang="zh-CN" altLang="en-US" smtClean="0"/>
               <a:t>第四级</a:t>
             </a:r>
-            <a:endParaRPr lang="zh-CN" altLang="en-US" smtClean="0"/>
           </a:p>
           <a:p>
             <a:pPr lvl="4"/>
@@ -2409,6 +2893,8 @@
           <a:p>
             <a:fld id="{BB973D66-70C0-4762-879F-0E45A516B41B}" type="datetime1">
               <a:rPr lang="zh-CN" altLang="en-US" smtClean="0"/>
+              <a:pPr/>
+              <a:t>2018/5/10</a:t>
             </a:fld>
             <a:endParaRPr lang="zh-CN" altLang="en-US"/>
           </a:p>
@@ -2454,6 +2940,8 @@
           <a:p>
             <a:fld id="{F27E8493-5078-47B7-9DFF-F75323757EA1}" type="slidenum">
               <a:rPr lang="zh-CN" altLang="en-US" smtClean="0"/>
+              <a:pPr/>
+              <a:t>‹#›</a:t>
             </a:fld>
             <a:endParaRPr lang="zh-CN" altLang="en-US"/>
           </a:p>
@@ -2632,7 +3120,6 @@
               <a:rPr lang="zh-CN" altLang="en-US" smtClean="0"/>
               <a:t>单击此处编辑母版文本样式</a:t>
             </a:r>
-            <a:endParaRPr lang="zh-CN" altLang="en-US" smtClean="0"/>
           </a:p>
         </p:txBody>
       </p:sp>
@@ -2653,6 +3140,8 @@
           <a:p>
             <a:fld id="{545C7007-3CB9-46C7-8CC2-E02200B60706}" type="datetime1">
               <a:rPr lang="zh-CN" altLang="en-US" smtClean="0"/>
+              <a:pPr/>
+              <a:t>2018/5/10</a:t>
             </a:fld>
             <a:endParaRPr lang="zh-CN" altLang="en-US"/>
           </a:p>
@@ -2698,6 +3187,8 @@
           <a:p>
             <a:fld id="{F27E8493-5078-47B7-9DFF-F75323757EA1}" type="slidenum">
               <a:rPr lang="zh-CN" altLang="en-US" smtClean="0"/>
+              <a:pPr/>
+              <a:t>‹#›</a:t>
             </a:fld>
             <a:endParaRPr lang="zh-CN" altLang="en-US"/>
           </a:p>
@@ -2804,7 +3295,6 @@
               <a:rPr lang="zh-CN" altLang="en-US" smtClean="0"/>
               <a:t>单击此处编辑母版文本样式</a:t>
             </a:r>
-            <a:endParaRPr lang="zh-CN" altLang="en-US" smtClean="0"/>
           </a:p>
           <a:p>
             <a:pPr lvl="1"/>
@@ -2812,7 +3302,6 @@
               <a:rPr lang="zh-CN" altLang="en-US" smtClean="0"/>
               <a:t>第二级</a:t>
             </a:r>
-            <a:endParaRPr lang="zh-CN" altLang="en-US" smtClean="0"/>
           </a:p>
           <a:p>
             <a:pPr lvl="2"/>
@@ -2820,7 +3309,6 @@
               <a:rPr lang="zh-CN" altLang="en-US" smtClean="0"/>
               <a:t>第三级</a:t>
             </a:r>
-            <a:endParaRPr lang="zh-CN" altLang="en-US" smtClean="0"/>
           </a:p>
           <a:p>
             <a:pPr lvl="3"/>
@@ -2828,7 +3316,6 @@
               <a:rPr lang="zh-CN" altLang="en-US" smtClean="0"/>
               <a:t>第四级</a:t>
             </a:r>
-            <a:endParaRPr lang="zh-CN" altLang="en-US" smtClean="0"/>
           </a:p>
           <a:p>
             <a:pPr lvl="4"/>
@@ -2893,7 +3380,6 @@
               <a:rPr lang="zh-CN" altLang="en-US" smtClean="0"/>
               <a:t>单击此处编辑母版文本样式</a:t>
             </a:r>
-            <a:endParaRPr lang="zh-CN" altLang="en-US" smtClean="0"/>
           </a:p>
           <a:p>
             <a:pPr lvl="1"/>
@@ -2901,7 +3387,6 @@
               <a:rPr lang="zh-CN" altLang="en-US" smtClean="0"/>
               <a:t>第二级</a:t>
             </a:r>
-            <a:endParaRPr lang="zh-CN" altLang="en-US" smtClean="0"/>
           </a:p>
           <a:p>
             <a:pPr lvl="2"/>
@@ -2909,7 +3394,6 @@
               <a:rPr lang="zh-CN" altLang="en-US" smtClean="0"/>
               <a:t>第三级</a:t>
             </a:r>
-            <a:endParaRPr lang="zh-CN" altLang="en-US" smtClean="0"/>
           </a:p>
           <a:p>
             <a:pPr lvl="3"/>
@@ -2917,7 +3401,6 @@
               <a:rPr lang="zh-CN" altLang="en-US" smtClean="0"/>
               <a:t>第四级</a:t>
             </a:r>
-            <a:endParaRPr lang="zh-CN" altLang="en-US" smtClean="0"/>
           </a:p>
           <a:p>
             <a:pPr lvl="4"/>
@@ -2946,6 +3429,8 @@
           <a:p>
             <a:fld id="{B65F9DD6-7EBE-42AB-8A01-A43AD0202AF6}" type="datetime1">
               <a:rPr lang="zh-CN" altLang="en-US" smtClean="0"/>
+              <a:pPr/>
+              <a:t>2018/5/10</a:t>
             </a:fld>
             <a:endParaRPr lang="zh-CN" altLang="en-US"/>
           </a:p>
@@ -2991,6 +3476,8 @@
           <a:p>
             <a:fld id="{F27E8493-5078-47B7-9DFF-F75323757EA1}" type="slidenum">
               <a:rPr lang="zh-CN" altLang="en-US" smtClean="0"/>
+              <a:pPr/>
+              <a:t>‹#›</a:t>
             </a:fld>
             <a:endParaRPr lang="zh-CN" altLang="en-US"/>
           </a:p>
@@ -3110,7 +3597,6 @@
               <a:rPr lang="zh-CN" altLang="en-US" smtClean="0"/>
               <a:t>单击此处编辑母版文本样式</a:t>
             </a:r>
-            <a:endParaRPr lang="zh-CN" altLang="en-US" smtClean="0"/>
           </a:p>
         </p:txBody>
       </p:sp>
@@ -3167,7 +3653,6 @@
               <a:rPr lang="zh-CN" altLang="en-US" smtClean="0"/>
               <a:t>单击此处编辑母版文本样式</a:t>
             </a:r>
-            <a:endParaRPr lang="zh-CN" altLang="en-US" smtClean="0"/>
           </a:p>
           <a:p>
             <a:pPr lvl="1"/>
@@ -3175,7 +3660,6 @@
               <a:rPr lang="zh-CN" altLang="en-US" smtClean="0"/>
               <a:t>第二级</a:t>
             </a:r>
-            <a:endParaRPr lang="zh-CN" altLang="en-US" smtClean="0"/>
           </a:p>
           <a:p>
             <a:pPr lvl="2"/>
@@ -3183,7 +3667,6 @@
               <a:rPr lang="zh-CN" altLang="en-US" smtClean="0"/>
               <a:t>第三级</a:t>
             </a:r>
-            <a:endParaRPr lang="zh-CN" altLang="en-US" smtClean="0"/>
           </a:p>
           <a:p>
             <a:pPr lvl="3"/>
@@ -3191,7 +3674,6 @@
               <a:rPr lang="zh-CN" altLang="en-US" smtClean="0"/>
               <a:t>第四级</a:t>
             </a:r>
-            <a:endParaRPr lang="zh-CN" altLang="en-US" smtClean="0"/>
           </a:p>
           <a:p>
             <a:pPr lvl="4"/>
@@ -3265,7 +3747,6 @@
               <a:rPr lang="zh-CN" altLang="en-US" smtClean="0"/>
               <a:t>单击此处编辑母版文本样式</a:t>
             </a:r>
-            <a:endParaRPr lang="zh-CN" altLang="en-US" smtClean="0"/>
           </a:p>
         </p:txBody>
       </p:sp>
@@ -3322,7 +3803,6 @@
               <a:rPr lang="zh-CN" altLang="en-US" smtClean="0"/>
               <a:t>单击此处编辑母版文本样式</a:t>
             </a:r>
-            <a:endParaRPr lang="zh-CN" altLang="en-US" smtClean="0"/>
           </a:p>
           <a:p>
             <a:pPr lvl="1"/>
@@ -3330,7 +3810,6 @@
               <a:rPr lang="zh-CN" altLang="en-US" smtClean="0"/>
               <a:t>第二级</a:t>
             </a:r>
-            <a:endParaRPr lang="zh-CN" altLang="en-US" smtClean="0"/>
           </a:p>
           <a:p>
             <a:pPr lvl="2"/>
@@ -3338,7 +3817,6 @@
               <a:rPr lang="zh-CN" altLang="en-US" smtClean="0"/>
               <a:t>第三级</a:t>
             </a:r>
-            <a:endParaRPr lang="zh-CN" altLang="en-US" smtClean="0"/>
           </a:p>
           <a:p>
             <a:pPr lvl="3"/>
@@ -3346,7 +3824,6 @@
               <a:rPr lang="zh-CN" altLang="en-US" smtClean="0"/>
               <a:t>第四级</a:t>
             </a:r>
-            <a:endParaRPr lang="zh-CN" altLang="en-US" smtClean="0"/>
           </a:p>
           <a:p>
             <a:pPr lvl="4"/>
@@ -3375,6 +3852,8 @@
           <a:p>
             <a:fld id="{D0C1DF06-F5D8-4490-BD4A-9648C7B971BE}" type="datetime1">
               <a:rPr lang="zh-CN" altLang="en-US" smtClean="0"/>
+              <a:pPr/>
+              <a:t>2018/5/10</a:t>
             </a:fld>
             <a:endParaRPr lang="zh-CN" altLang="en-US"/>
           </a:p>
@@ -3420,6 +3899,8 @@
           <a:p>
             <a:fld id="{F27E8493-5078-47B7-9DFF-F75323757EA1}" type="slidenum">
               <a:rPr lang="zh-CN" altLang="en-US" smtClean="0"/>
+              <a:pPr/>
+              <a:t>‹#›</a:t>
             </a:fld>
             <a:endParaRPr lang="zh-CN" altLang="en-US"/>
           </a:p>
@@ -3490,6 +3971,8 @@
           <a:p>
             <a:fld id="{A2B22A2B-3CC2-48E7-8BE3-18F6D2A1F14D}" type="datetime1">
               <a:rPr lang="zh-CN" altLang="en-US" smtClean="0"/>
+              <a:pPr/>
+              <a:t>2018/5/10</a:t>
             </a:fld>
             <a:endParaRPr lang="zh-CN" altLang="en-US"/>
           </a:p>
@@ -3535,6 +4018,8 @@
           <a:p>
             <a:fld id="{F27E8493-5078-47B7-9DFF-F75323757EA1}" type="slidenum">
               <a:rPr lang="zh-CN" altLang="en-US" smtClean="0"/>
+              <a:pPr/>
+              <a:t>‹#›</a:t>
             </a:fld>
             <a:endParaRPr lang="zh-CN" altLang="en-US"/>
           </a:p>
@@ -3582,6 +4067,8 @@
           <a:p>
             <a:fld id="{F1A7B960-1E2E-49D8-862C-6334DA7576D2}" type="datetime1">
               <a:rPr lang="zh-CN" altLang="en-US" smtClean="0"/>
+              <a:pPr/>
+              <a:t>2018/5/10</a:t>
             </a:fld>
             <a:endParaRPr lang="zh-CN" altLang="en-US"/>
           </a:p>
@@ -3627,6 +4114,8 @@
           <a:p>
             <a:fld id="{F27E8493-5078-47B7-9DFF-F75323757EA1}" type="slidenum">
               <a:rPr lang="zh-CN" altLang="en-US" smtClean="0"/>
+              <a:pPr/>
+              <a:t>‹#›</a:t>
             </a:fld>
             <a:endParaRPr lang="zh-CN" altLang="en-US"/>
           </a:p>
@@ -3742,7 +4231,6 @@
               <a:rPr lang="zh-CN" altLang="en-US" smtClean="0"/>
               <a:t>单击此处编辑母版文本样式</a:t>
             </a:r>
-            <a:endParaRPr lang="zh-CN" altLang="en-US" smtClean="0"/>
           </a:p>
           <a:p>
             <a:pPr lvl="1"/>
@@ -3750,7 +4238,6 @@
               <a:rPr lang="zh-CN" altLang="en-US" smtClean="0"/>
               <a:t>第二级</a:t>
             </a:r>
-            <a:endParaRPr lang="zh-CN" altLang="en-US" smtClean="0"/>
           </a:p>
           <a:p>
             <a:pPr lvl="2"/>
@@ -3758,7 +4245,6 @@
               <a:rPr lang="zh-CN" altLang="en-US" smtClean="0"/>
               <a:t>第三级</a:t>
             </a:r>
-            <a:endParaRPr lang="zh-CN" altLang="en-US" smtClean="0"/>
           </a:p>
           <a:p>
             <a:pPr lvl="3"/>
@@ -3766,7 +4252,6 @@
               <a:rPr lang="zh-CN" altLang="en-US" smtClean="0"/>
               <a:t>第四级</a:t>
             </a:r>
-            <a:endParaRPr lang="zh-CN" altLang="en-US" smtClean="0"/>
           </a:p>
           <a:p>
             <a:pPr lvl="4"/>
@@ -3840,7 +4325,6 @@
               <a:rPr lang="zh-CN" altLang="en-US" smtClean="0"/>
               <a:t>单击此处编辑母版文本样式</a:t>
             </a:r>
-            <a:endParaRPr lang="zh-CN" altLang="en-US" smtClean="0"/>
           </a:p>
         </p:txBody>
       </p:sp>
@@ -3861,6 +4345,8 @@
           <a:p>
             <a:fld id="{30A184F1-3C7F-446E-ACB3-61D468746A0C}" type="datetime1">
               <a:rPr lang="zh-CN" altLang="en-US" smtClean="0"/>
+              <a:pPr/>
+              <a:t>2018/5/10</a:t>
             </a:fld>
             <a:endParaRPr lang="zh-CN" altLang="en-US"/>
           </a:p>
@@ -3906,6 +4392,8 @@
           <a:p>
             <a:fld id="{F27E8493-5078-47B7-9DFF-F75323757EA1}" type="slidenum">
               <a:rPr lang="zh-CN" altLang="en-US" smtClean="0"/>
+              <a:pPr/>
+              <a:t>‹#›</a:t>
             </a:fld>
             <a:endParaRPr lang="zh-CN" altLang="en-US"/>
           </a:p>
@@ -4095,7 +4583,6 @@
               <a:rPr lang="zh-CN" altLang="en-US" smtClean="0"/>
               <a:t>单击此处编辑母版文本样式</a:t>
             </a:r>
-            <a:endParaRPr lang="zh-CN" altLang="en-US" smtClean="0"/>
           </a:p>
         </p:txBody>
       </p:sp>
@@ -4116,6 +4603,8 @@
           <a:p>
             <a:fld id="{A4DCCAC6-30E0-4415-A304-D3420E0A3410}" type="datetime1">
               <a:rPr lang="zh-CN" altLang="en-US" smtClean="0"/>
+              <a:pPr/>
+              <a:t>2018/5/10</a:t>
             </a:fld>
             <a:endParaRPr lang="zh-CN" altLang="en-US"/>
           </a:p>
@@ -4161,6 +4650,8 @@
           <a:p>
             <a:fld id="{F27E8493-5078-47B7-9DFF-F75323757EA1}" type="slidenum">
               <a:rPr lang="zh-CN" altLang="en-US" smtClean="0"/>
+              <a:pPr/>
+              <a:t>‹#›</a:t>
             </a:fld>
             <a:endParaRPr lang="zh-CN" altLang="en-US"/>
           </a:p>
@@ -4180,7 +4671,7 @@
     <p:bg>
       <p:bgPr>
         <a:blipFill dpi="0" rotWithShape="1">
-          <a:blip r:embed="rId12">
+          <a:blip r:embed="rId13">
             <a:lum/>
           </a:blip>
           <a:srcRect/>
@@ -4268,7 +4759,6 @@
               <a:rPr lang="zh-CN" altLang="en-US" smtClean="0"/>
               <a:t>单击此处编辑母版文本样式</a:t>
             </a:r>
-            <a:endParaRPr lang="zh-CN" altLang="en-US" smtClean="0"/>
           </a:p>
           <a:p>
             <a:pPr lvl="1"/>
@@ -4276,7 +4766,6 @@
               <a:rPr lang="zh-CN" altLang="en-US" smtClean="0"/>
               <a:t>第二级</a:t>
             </a:r>
-            <a:endParaRPr lang="zh-CN" altLang="en-US" smtClean="0"/>
           </a:p>
           <a:p>
             <a:pPr lvl="2"/>
@@ -4284,7 +4773,6 @@
               <a:rPr lang="zh-CN" altLang="en-US" smtClean="0"/>
               <a:t>第三级</a:t>
             </a:r>
-            <a:endParaRPr lang="zh-CN" altLang="en-US" smtClean="0"/>
           </a:p>
           <a:p>
             <a:pPr lvl="3"/>
@@ -4292,7 +4780,6 @@
               <a:rPr lang="zh-CN" altLang="en-US" smtClean="0"/>
               <a:t>第四级</a:t>
             </a:r>
-            <a:endParaRPr lang="zh-CN" altLang="en-US" smtClean="0"/>
           </a:p>
           <a:p>
             <a:pPr lvl="4"/>
@@ -4339,6 +4826,8 @@
           <a:p>
             <a:fld id="{E571E792-7658-49BB-B5B0-E1EC211B134D}" type="datetime1">
               <a:rPr lang="zh-CN" altLang="en-US" smtClean="0"/>
+              <a:pPr/>
+              <a:t>2018/5/10</a:t>
             </a:fld>
             <a:endParaRPr lang="zh-CN" altLang="en-US"/>
           </a:p>
@@ -4420,6 +4909,8 @@
           <a:p>
             <a:fld id="{F27E8493-5078-47B7-9DFF-F75323757EA1}" type="slidenum">
               <a:rPr lang="zh-CN" altLang="en-US" smtClean="0"/>
+              <a:pPr/>
+              <a:t>‹#›</a:t>
             </a:fld>
             <a:endParaRPr lang="zh-CN" altLang="en-US" dirty="0"/>
           </a:p>
@@ -4721,7 +5212,7 @@
           <p:nvPr/>
         </p:nvPicPr>
         <p:blipFill>
-          <a:blip r:embed="rId1"/>
+          <a:blip r:embed="rId2"/>
           <a:stretch>
             <a:fillRect/>
           </a:stretch>
@@ -5149,9 +5640,17 @@
           </a:bodyPr>
           <a:lstStyle/>
           <a:p>
+            <a:r>
+              <a:rPr lang="en-US" altLang="zh-CN" sz="3200" dirty="0" smtClean="0"/>
+              <a:t/>
+            </a:r>
             <a:br>
               <a:rPr lang="en-US" altLang="zh-CN" sz="3200" dirty="0" smtClean="0"/>
             </a:br>
+            <a:r>
+              <a:rPr lang="en-US" altLang="zh-CN" sz="3200" dirty="0" smtClean="0"/>
+              <a:t/>
+            </a:r>
             <a:br>
               <a:rPr lang="en-US" altLang="zh-CN" sz="3200" dirty="0" smtClean="0"/>
             </a:br>
@@ -5251,7 +5750,6 @@
               <a:rPr lang="en-US" sz="1800" dirty="0" smtClean="0"/>
               <a:t>}</a:t>
             </a:r>
-            <a:endParaRPr lang="en-US" sz="1800" dirty="0" smtClean="0"/>
           </a:p>
           <a:p>
             <a:pPr lvl="1">
@@ -5275,7 +5773,6 @@
               <a:rPr lang="zh-CN" altLang="en-US" sz="1600" dirty="0" smtClean="0"/>
               <a:t>引擎会有以下过程：</a:t>
             </a:r>
-            <a:endParaRPr lang="zh-CN" altLang="en-US" sz="1600" dirty="0" smtClean="0"/>
           </a:p>
           <a:p>
             <a:pPr lvl="0">
@@ -5297,7 +5794,6 @@
               <a:rPr lang="zh-CN" altLang="en-US" sz="1600" dirty="0" smtClean="0"/>
               <a:t>声明的变量，在环境中「创建」这些变量。</a:t>
             </a:r>
-            <a:endParaRPr lang="zh-CN" altLang="en-US" sz="1600" dirty="0" smtClean="0"/>
           </a:p>
           <a:p>
             <a:pPr lvl="0">
@@ -5319,7 +5815,6 @@
               <a:rPr lang="zh-CN" altLang="en-US" sz="1600" dirty="0" smtClean="0"/>
               <a:t>。</a:t>
             </a:r>
-            <a:endParaRPr lang="zh-CN" altLang="en-US" sz="1600" dirty="0" smtClean="0"/>
           </a:p>
           <a:p>
             <a:pPr>
@@ -5337,7 +5832,6 @@
               <a:rPr lang="en-US" altLang="zh-CN" sz="1600" dirty="0" smtClean="0"/>
               <a:t>fn2()</a:t>
             </a:r>
-            <a:endParaRPr lang="en-US" altLang="zh-CN" sz="1600" dirty="0" smtClean="0"/>
           </a:p>
           <a:p>
             <a:pPr>
@@ -5355,7 +5849,6 @@
               <a:rPr lang="zh-CN" altLang="en-US" sz="1600" dirty="0" smtClean="0"/>
               <a:t>声明会在代码执行之前就「创建、初始化并赋值」。</a:t>
             </a:r>
-            <a:endParaRPr lang="zh-CN" altLang="en-US" sz="1600" dirty="0" smtClean="0"/>
           </a:p>
           <a:p>
             <a:pPr lvl="0">
@@ -5419,9 +5912,17 @@
           </a:bodyPr>
           <a:lstStyle/>
           <a:p>
+            <a:r>
+              <a:rPr lang="en-US" altLang="zh-CN" sz="3200" dirty="0" smtClean="0"/>
+              <a:t/>
+            </a:r>
             <a:br>
               <a:rPr lang="en-US" altLang="zh-CN" sz="3200" dirty="0" smtClean="0"/>
             </a:br>
+            <a:r>
+              <a:rPr lang="en-US" altLang="zh-CN" sz="3200" dirty="0" smtClean="0"/>
+              <a:t/>
+            </a:r>
             <a:br>
               <a:rPr lang="en-US" altLang="zh-CN" sz="3200" dirty="0" smtClean="0"/>
             </a:br>
@@ -5487,7 +5988,6 @@
               <a:rPr lang="da-DK" sz="1600" dirty="0" smtClean="0"/>
               <a:t>{</a:t>
             </a:r>
-            <a:endParaRPr lang="da-DK" sz="1600" dirty="0" smtClean="0"/>
           </a:p>
           <a:p>
             <a:pPr lvl="1">
@@ -5497,7 +5997,6 @@
               <a:rPr lang="da-DK" sz="1600" dirty="0" smtClean="0"/>
               <a:t>       let x = 1</a:t>
             </a:r>
-            <a:endParaRPr lang="da-DK" sz="1600" dirty="0" smtClean="0"/>
           </a:p>
           <a:p>
             <a:pPr lvl="1">
@@ -5507,7 +6006,6 @@
               <a:rPr lang="da-DK" sz="1600" dirty="0" smtClean="0"/>
               <a:t>	 x = 2 </a:t>
             </a:r>
-            <a:endParaRPr lang="da-DK" sz="1600" dirty="0" smtClean="0"/>
           </a:p>
           <a:p>
             <a:pPr lvl="1">
@@ -5535,7 +6033,6 @@
               <a:rPr lang="zh-CN" altLang="en-US" sz="1600" dirty="0" smtClean="0"/>
               <a:t>时，会有以下过程（不完全）：</a:t>
             </a:r>
-            <a:endParaRPr lang="zh-CN" altLang="en-US" sz="1600" dirty="0" smtClean="0"/>
           </a:p>
           <a:p>
             <a:pPr>
@@ -5557,7 +6054,6 @@
               <a:rPr lang="zh-CN" altLang="en-US" sz="1600" dirty="0" smtClean="0"/>
               <a:t>声明的变量，在环境中「创建」这些变量。</a:t>
             </a:r>
-            <a:endParaRPr lang="zh-CN" altLang="en-US" sz="1600" dirty="0" smtClean="0"/>
           </a:p>
           <a:p>
             <a:pPr>
@@ -5571,7 +6067,6 @@
               <a:rPr lang="zh-CN" altLang="en-US" sz="1600" dirty="0" smtClean="0"/>
               <a:t>开始执行代码（注意现在还没有初始化）。</a:t>
             </a:r>
-            <a:endParaRPr lang="zh-CN" altLang="en-US" sz="1600" dirty="0" smtClean="0"/>
           </a:p>
           <a:p>
             <a:pPr>
@@ -5633,7 +6128,6 @@
               <a:rPr lang="zh-CN" altLang="en-US" sz="1600" dirty="0" smtClean="0"/>
               <a:t>）。</a:t>
             </a:r>
-            <a:endParaRPr lang="zh-CN" altLang="en-US" sz="1600" dirty="0" smtClean="0"/>
           </a:p>
           <a:p>
             <a:pPr>
@@ -5711,7 +6205,6 @@
               <a:rPr lang="en-US" sz="1600" dirty="0" smtClean="0"/>
               <a:t> 'global‘</a:t>
             </a:r>
-            <a:endParaRPr lang="en-US" sz="1600" dirty="0" smtClean="0"/>
           </a:p>
           <a:p>
             <a:pPr>
@@ -5721,7 +6214,6 @@
               <a:rPr lang="en-US" sz="1600" dirty="0" smtClean="0"/>
               <a:t> 	{</a:t>
             </a:r>
-            <a:endParaRPr lang="en-US" sz="1600" dirty="0" smtClean="0"/>
           </a:p>
           <a:p>
             <a:pPr>
@@ -5747,7 +6239,6 @@
               <a:rPr lang="en-US" sz="1600" dirty="0" smtClean="0"/>
               <a:t> </a:t>
             </a:r>
-            <a:endParaRPr lang="en-US" sz="1600" dirty="0" smtClean="0"/>
           </a:p>
           <a:p>
             <a:pPr>
@@ -5769,7 +6260,6 @@
               <a:rPr lang="en-US" sz="1600" dirty="0" smtClean="0"/>
               <a:t> 1</a:t>
             </a:r>
-            <a:endParaRPr lang="en-US" sz="1600" dirty="0" smtClean="0"/>
           </a:p>
           <a:p>
             <a:pPr>
@@ -5837,9 +6327,17 @@
           </a:bodyPr>
           <a:lstStyle/>
           <a:p>
+            <a:r>
+              <a:rPr lang="en-US" altLang="zh-CN" sz="3200" dirty="0" smtClean="0"/>
+              <a:t/>
+            </a:r>
             <a:br>
               <a:rPr lang="en-US" altLang="zh-CN" sz="3200" dirty="0" smtClean="0"/>
             </a:br>
+            <a:r>
+              <a:rPr lang="en-US" altLang="zh-CN" sz="3200" dirty="0" smtClean="0"/>
+              <a:t/>
+            </a:r>
             <a:br>
               <a:rPr lang="en-US" altLang="zh-CN" sz="3200" dirty="0" smtClean="0"/>
             </a:br>
@@ -5864,182 +6362,70 @@
         <p:spPr/>
         <p:txBody>
           <a:bodyPr>
-            <a:normAutofit fontScale="50000"/>
+            <a:normAutofit fontScale="95000"/>
           </a:bodyPr>
           <a:lstStyle/>
           <a:p>
             <a:pPr marL="0" indent="0">
               <a:buNone/>
             </a:pPr>
+            <a:endParaRPr lang="en-US" altLang="zh-CN" sz="2100" dirty="0" smtClean="0"/>
+          </a:p>
+          <a:p>
+            <a:pPr marL="0" indent="0">
+              <a:buNone/>
+            </a:pPr>
             <a:r>
               <a:rPr lang="zh-CN" altLang="en-US" sz="2400" dirty="0" smtClean="0"/>
-              <a:t>实际工作中，常常需要用立即执行函数来隔离变量，避免全局污染。</a:t>
-            </a:r>
-            <a:endParaRPr lang="zh-CN" altLang="en-US" sz="2400" dirty="0" smtClean="0"/>
-          </a:p>
-          <a:p>
-            <a:pPr marL="0" indent="0">
-              <a:buNone/>
-            </a:pPr>
+              <a:t>实际</a:t>
+            </a:r>
+            <a:r>
+              <a:rPr lang="zh-CN" altLang="en-US" sz="2400" dirty="0" smtClean="0"/>
+              <a:t>工作中，常常需要用立即执行函数来隔离变量，避免全局</a:t>
+            </a:r>
+            <a:r>
+              <a:rPr lang="zh-CN" altLang="en-US" sz="2400" dirty="0" smtClean="0"/>
+              <a:t>污染</a:t>
+            </a:r>
+            <a:r>
+              <a:rPr lang="zh-CN" altLang="en-US" sz="2400" dirty="0" smtClean="0"/>
+              <a:t>，</a:t>
+            </a:r>
             <a:r>
               <a:rPr lang="en-US" altLang="zh-CN" sz="2400" dirty="0" smtClean="0"/>
-              <a:t>(function(){</a:t>
-            </a:r>
-            <a:endParaRPr lang="en-US" altLang="zh-CN" sz="2400" dirty="0" smtClean="0"/>
-          </a:p>
-          <a:p>
-            <a:pPr marL="0" indent="0">
-              <a:buNone/>
-            </a:pPr>
+              <a:t> ES6</a:t>
+            </a:r>
+            <a:r>
+              <a:rPr lang="zh-CN" altLang="en-US" sz="2400" dirty="0" smtClean="0"/>
+              <a:t>之前</a:t>
+            </a:r>
             <a:r>
               <a:rPr lang="en-US" altLang="zh-CN" sz="2400" dirty="0" smtClean="0"/>
-              <a:t>	var a = 1;</a:t>
-            </a:r>
-            <a:endParaRPr lang="en-US" altLang="zh-CN" sz="2400" dirty="0" smtClean="0"/>
-          </a:p>
-          <a:p>
-            <a:pPr marL="0" indent="0">
-              <a:buNone/>
-            </a:pPr>
+              <a:t>JS</a:t>
+            </a:r>
+            <a:r>
+              <a:rPr lang="zh-CN" altLang="en-US" sz="2400" dirty="0" smtClean="0"/>
+              <a:t>原生又不提供块级作用域，所以只能用函数作用域</a:t>
+            </a:r>
+            <a:r>
+              <a:rPr lang="zh-CN" altLang="en-US" sz="2400" dirty="0" smtClean="0"/>
+              <a:t>模拟，</a:t>
+            </a:r>
             <a:r>
               <a:rPr lang="en-US" altLang="zh-CN" sz="2400" dirty="0" smtClean="0"/>
-              <a:t>	console.log(a)</a:t>
-            </a:r>
-            <a:endParaRPr lang="en-US" altLang="zh-CN" sz="2400" dirty="0" smtClean="0"/>
-          </a:p>
-          <a:p>
-            <a:pPr marL="0" indent="0">
-              <a:buNone/>
-            </a:pPr>
+              <a:t>ES6</a:t>
+            </a:r>
+            <a:r>
+              <a:rPr lang="zh-CN" altLang="en-US" sz="2400" dirty="0" smtClean="0"/>
+              <a:t>出现之后，可以用</a:t>
+            </a:r>
             <a:r>
               <a:rPr lang="en-US" altLang="zh-CN" sz="2400" dirty="0" smtClean="0"/>
-              <a:t>	(function(){</a:t>
-            </a:r>
-            <a:endParaRPr lang="en-US" altLang="zh-CN" sz="2400" dirty="0" smtClean="0"/>
-          </a:p>
-          <a:p>
-            <a:pPr marL="0" indent="0">
-              <a:buNone/>
-            </a:pPr>
-            <a:r>
-              <a:rPr lang="en-US" altLang="zh-CN" sz="2400" dirty="0" smtClean="0"/>
-              <a:t>		var a =2;</a:t>
-            </a:r>
-            <a:endParaRPr lang="en-US" altLang="zh-CN" sz="2400" dirty="0" smtClean="0"/>
-          </a:p>
-          <a:p>
-            <a:pPr marL="0" indent="0">
-              <a:buNone/>
-            </a:pPr>
-            <a:r>
-              <a:rPr lang="en-US" altLang="zh-CN" sz="2400" dirty="0" smtClean="0"/>
-              <a:t>		console.log(a)</a:t>
-            </a:r>
-            <a:endParaRPr lang="en-US" altLang="zh-CN" sz="2400" dirty="0" smtClean="0"/>
-          </a:p>
-          <a:p>
-            <a:pPr marL="0" indent="0">
-              <a:buNone/>
-            </a:pPr>
-            <a:r>
-              <a:rPr lang="en-US" altLang="zh-CN" sz="2400" dirty="0" smtClean="0"/>
-              <a:t>	})()</a:t>
-            </a:r>
-            <a:endParaRPr lang="en-US" altLang="zh-CN" sz="2400" dirty="0" smtClean="0"/>
-          </a:p>
-          <a:p>
-            <a:pPr marL="0" indent="0">
-              <a:buNone/>
-            </a:pPr>
-            <a:r>
-              <a:rPr lang="en-US" altLang="zh-CN" sz="2400" dirty="0" smtClean="0"/>
-              <a:t>})()</a:t>
-            </a:r>
-            <a:endParaRPr lang="en-US" altLang="zh-CN" sz="2400" dirty="0" smtClean="0"/>
-          </a:p>
-          <a:p>
-            <a:pPr marL="0" indent="0">
-              <a:buNone/>
-            </a:pPr>
-            <a:endParaRPr lang="en-US" altLang="zh-CN" sz="2400" dirty="0" smtClean="0"/>
-          </a:p>
-          <a:p>
-            <a:pPr marL="0" indent="0">
-              <a:buNone/>
-            </a:pPr>
-            <a:r>
-              <a:rPr lang="en-US" altLang="zh-CN" sz="2400" dirty="0" smtClean="0"/>
-              <a:t>{</a:t>
-            </a:r>
-            <a:endParaRPr lang="en-US" altLang="zh-CN" sz="2400" dirty="0" smtClean="0"/>
-          </a:p>
-          <a:p>
-            <a:pPr marL="0" indent="0">
-              <a:buNone/>
-            </a:pPr>
-            <a:r>
-              <a:rPr lang="en-US" altLang="zh-CN" sz="2400" dirty="0" smtClean="0"/>
-              <a:t>	let a = 1;</a:t>
-            </a:r>
-            <a:endParaRPr lang="en-US" altLang="zh-CN" sz="2400" dirty="0" smtClean="0"/>
-          </a:p>
-          <a:p>
-            <a:pPr marL="0" indent="0">
-              <a:buNone/>
-            </a:pPr>
-            <a:r>
-              <a:rPr lang="en-US" altLang="zh-CN" sz="2400" dirty="0" smtClean="0"/>
-              <a:t>	console.log(a)</a:t>
-            </a:r>
-            <a:endParaRPr lang="en-US" altLang="zh-CN" sz="2400" dirty="0" smtClean="0"/>
-          </a:p>
-          <a:p>
-            <a:pPr marL="0" indent="0">
-              <a:buNone/>
-            </a:pPr>
-            <a:r>
-              <a:rPr lang="en-US" altLang="zh-CN" sz="2400" dirty="0" smtClean="0"/>
-              <a:t>	{</a:t>
-            </a:r>
-            <a:endParaRPr lang="en-US" altLang="zh-CN" sz="2400" dirty="0" smtClean="0"/>
-          </a:p>
-          <a:p>
-            <a:pPr marL="0" indent="0">
-              <a:buNone/>
-            </a:pPr>
-            <a:r>
-              <a:rPr lang="en-US" altLang="zh-CN" sz="2400" dirty="0" smtClean="0"/>
-              <a:t>		let a = 2;</a:t>
-            </a:r>
-            <a:endParaRPr lang="en-US" altLang="zh-CN" sz="2400" dirty="0" smtClean="0"/>
-          </a:p>
-          <a:p>
-            <a:pPr marL="0" indent="0">
-              <a:buNone/>
-            </a:pPr>
-            <a:r>
-              <a:rPr lang="en-US" altLang="zh-CN" sz="2400" dirty="0" smtClean="0"/>
-              <a:t>		console.log(a)</a:t>
-            </a:r>
-            <a:endParaRPr lang="en-US" altLang="zh-CN" sz="2400" dirty="0" smtClean="0"/>
-          </a:p>
-          <a:p>
-            <a:pPr marL="0" indent="0">
-              <a:buNone/>
-            </a:pPr>
-            <a:r>
-              <a:rPr lang="en-US" altLang="zh-CN" sz="2400" dirty="0" smtClean="0"/>
-              <a:t>	}</a:t>
-            </a:r>
-            <a:endParaRPr lang="en-US" altLang="zh-CN" sz="2400" dirty="0" smtClean="0"/>
-          </a:p>
-          <a:p>
-            <a:pPr marL="0" indent="0">
-              <a:buNone/>
-            </a:pPr>
-            <a:r>
-              <a:rPr lang="en-US" altLang="zh-CN" sz="2400" dirty="0" smtClean="0"/>
-              <a:t>}</a:t>
+              <a:t>let</a:t>
+            </a:r>
+            <a:r>
+              <a:rPr lang="zh-CN" altLang="en-US" sz="2400" dirty="0" smtClean="0"/>
+              <a:t>来构造块级作用域</a:t>
             </a:r>
             <a:endParaRPr lang="zh-CN" altLang="en-US" sz="2400" dirty="0" smtClean="0"/>
           </a:p>
@@ -6093,9 +6479,17 @@
           </a:bodyPr>
           <a:lstStyle/>
           <a:p>
+            <a:r>
+              <a:rPr lang="en-US" altLang="zh-CN" sz="3200" dirty="0" smtClean="0"/>
+              <a:t/>
+            </a:r>
             <a:br>
               <a:rPr lang="en-US" altLang="zh-CN" sz="3200" dirty="0" smtClean="0"/>
             </a:br>
+            <a:r>
+              <a:rPr lang="en-US" altLang="zh-CN" sz="3200" dirty="0" smtClean="0"/>
+              <a:t/>
+            </a:r>
             <a:br>
               <a:rPr lang="en-US" altLang="zh-CN" sz="3200" dirty="0" smtClean="0"/>
             </a:br>
@@ -6161,7 +6555,6 @@
               <a:rPr lang="en-US" altLang="zh-CN" sz="2800" dirty="0" smtClean="0"/>
               <a:t>Object.defineProperty(window,”a”,{</a:t>
             </a:r>
-            <a:endParaRPr lang="en-US" altLang="zh-CN" sz="2800" dirty="0" smtClean="0"/>
           </a:p>
           <a:p>
             <a:pPr marL="457200" lvl="1" indent="0">
@@ -6171,7 +6564,6 @@
               <a:rPr lang="en-US" altLang="zh-CN" sz="2450" dirty="0" smtClean="0"/>
               <a:t>	value:10,</a:t>
             </a:r>
-            <a:endParaRPr lang="en-US" altLang="zh-CN" sz="2450" dirty="0" smtClean="0"/>
           </a:p>
           <a:p>
             <a:pPr marL="457200" lvl="1" indent="0">
@@ -6179,7 +6571,11 @@
             </a:pPr>
             <a:r>
               <a:rPr lang="en-US" altLang="zh-CN" sz="2450" dirty="0" smtClean="0"/>
-              <a:t>	writable:false;</a:t>
+              <a:t>	</a:t>
+            </a:r>
+            <a:r>
+              <a:rPr lang="en-US" altLang="zh-CN" sz="2450" dirty="0" err="1" smtClean="0"/>
+              <a:t>writable:false</a:t>
             </a:r>
             <a:endParaRPr lang="en-US" altLang="zh-CN" sz="2450" dirty="0" smtClean="0"/>
           </a:p>
@@ -6191,7 +6587,6 @@
               <a:rPr lang="en-US" altLang="zh-CN" sz="2800" dirty="0" smtClean="0"/>
               <a:t>    })</a:t>
             </a:r>
-            <a:endParaRPr lang="en-US" altLang="zh-CN" sz="2800" dirty="0" smtClean="0"/>
           </a:p>
           <a:p>
             <a:pPr marL="0" indent="0">
@@ -6205,7 +6600,6 @@
               <a:rPr lang="zh-CN" altLang="en-US" sz="2800" dirty="0" smtClean="0"/>
               <a:t>中实现常量的方式：</a:t>
             </a:r>
-            <a:endParaRPr lang="zh-CN" altLang="en-US" sz="2800" dirty="0" smtClean="0"/>
           </a:p>
           <a:p>
             <a:pPr marL="0" indent="0">
@@ -6215,7 +6609,6 @@
               <a:rPr lang="en-US" altLang="zh-CN" sz="2800" dirty="0" smtClean="0"/>
               <a:t>const a = 10</a:t>
             </a:r>
-            <a:endParaRPr lang="en-US" altLang="zh-CN" sz="2800" dirty="0" smtClean="0"/>
           </a:p>
           <a:p>
             <a:endParaRPr lang="zh-CN" altLang="en-US" sz="2400" dirty="0" smtClean="0"/>
@@ -6279,15 +6672,23 @@
           </a:bodyPr>
           <a:lstStyle/>
           <a:p>
+            <a:r>
+              <a:rPr lang="en-US" altLang="zh-CN" sz="3200" dirty="0" smtClean="0"/>
+              <a:t/>
+            </a:r>
             <a:br>
               <a:rPr lang="en-US" altLang="zh-CN" sz="3200" dirty="0" smtClean="0"/>
             </a:br>
+            <a:r>
+              <a:rPr lang="en-US" altLang="zh-CN" sz="3200" dirty="0" smtClean="0"/>
+              <a:t/>
+            </a:r>
             <a:br>
               <a:rPr lang="en-US" altLang="zh-CN" sz="3200" dirty="0" smtClean="0"/>
             </a:br>
             <a:r>
               <a:rPr lang="zh-CN" altLang="en-US" dirty="0" smtClean="0"/>
-              <a:t>箭头函数</a:t>
+              <a:t>解构赋值</a:t>
             </a:r>
             <a:endParaRPr lang="en-US" altLang="zh-CN" b="1" dirty="0" smtClean="0"/>
           </a:p>
@@ -6310,147 +6711,17 @@
           </a:bodyPr>
           <a:lstStyle/>
           <a:p>
-            <a:pPr marL="457200" lvl="1" indent="0">
+            <a:pPr marL="0" indent="0">
               <a:buNone/>
             </a:pPr>
             <a:r>
-              <a:rPr lang="en-US" altLang="zh-CN" sz="1750" dirty="0" smtClean="0"/>
-              <a:t>ES5</a:t>
-            </a:r>
-            <a:r>
-              <a:rPr lang="zh-CN" altLang="en-US" sz="1750" dirty="0" smtClean="0"/>
-              <a:t>中函数的写法</a:t>
-            </a:r>
-            <a:endParaRPr lang="en-US" altLang="zh-CN" sz="2450" dirty="0" smtClean="0"/>
-          </a:p>
-          <a:p>
-            <a:pPr marL="457200" lvl="1" indent="0">
-              <a:buNone/>
-            </a:pPr>
-            <a:r>
-              <a:rPr lang="en-US" altLang="zh-CN" sz="1750" dirty="0" smtClean="0"/>
-              <a:t>function(){  </a:t>
-            </a:r>
-            <a:endParaRPr lang="en-US" altLang="zh-CN" sz="1750" dirty="0" smtClean="0"/>
-          </a:p>
-          <a:p>
-            <a:pPr marL="457200" lvl="1" indent="0">
-              <a:buNone/>
-            </a:pPr>
-            <a:r>
-              <a:rPr lang="en-US" altLang="zh-CN" sz="1750" dirty="0" smtClean="0"/>
-              <a:t>}</a:t>
-            </a:r>
-            <a:endParaRPr lang="en-US" altLang="zh-CN" sz="1750" dirty="0" smtClean="0"/>
-          </a:p>
-          <a:p>
-            <a:pPr marL="457200" lvl="1" indent="0">
-              <a:buNone/>
-            </a:pPr>
-            <a:endParaRPr lang="en-US" altLang="zh-CN" sz="1750" dirty="0" smtClean="0"/>
-          </a:p>
-          <a:p>
-            <a:pPr marL="457200" lvl="1" indent="0">
-              <a:buNone/>
-            </a:pPr>
-            <a:r>
-              <a:rPr lang="en-US" altLang="zh-CN" sz="1750" dirty="0" smtClean="0"/>
-              <a:t>ES6</a:t>
-            </a:r>
-            <a:r>
-              <a:rPr lang="zh-CN" altLang="en-US" sz="1750" dirty="0" smtClean="0"/>
-              <a:t>中函数的写法</a:t>
-            </a:r>
-            <a:endParaRPr lang="en-US" altLang="zh-CN" sz="1750" dirty="0" smtClean="0"/>
-          </a:p>
-          <a:p>
-            <a:pPr marL="457200" lvl="1" indent="0">
-              <a:buNone/>
-            </a:pPr>
-            <a:r>
-              <a:rPr lang="en-US" altLang="zh-CN" sz="1750" dirty="0" smtClean="0">
-                <a:sym typeface="+mn-ea"/>
-              </a:rPr>
-              <a:t> () = &gt; {</a:t>
-            </a:r>
-            <a:endParaRPr lang="en-US" altLang="zh-CN" sz="1750" dirty="0" smtClean="0">
-              <a:sym typeface="+mn-ea"/>
-            </a:endParaRPr>
-          </a:p>
-          <a:p>
-            <a:pPr marL="457200" lvl="1" indent="0">
-              <a:buNone/>
-            </a:pPr>
-            <a:r>
-              <a:rPr lang="en-US" altLang="zh-CN" sz="1750" dirty="0" smtClean="0">
-                <a:sym typeface="+mn-ea"/>
-              </a:rPr>
-              <a:t>}</a:t>
-            </a:r>
-            <a:endParaRPr lang="en-US" altLang="zh-CN" sz="1750" dirty="0" smtClean="0">
-              <a:sym typeface="+mn-ea"/>
-            </a:endParaRPr>
-          </a:p>
-          <a:p>
-            <a:pPr marL="457200" lvl="1" indent="0">
-              <a:buNone/>
-            </a:pPr>
-            <a:endParaRPr lang="en-US" altLang="zh-CN" sz="1750" dirty="0" smtClean="0">
-              <a:sym typeface="+mn-ea"/>
-            </a:endParaRPr>
-          </a:p>
-          <a:p>
-            <a:pPr marL="457200" lvl="1" indent="0">
-              <a:buNone/>
-            </a:pPr>
-            <a:r>
-              <a:rPr lang="zh-CN" altLang="en-US" sz="1750" dirty="0" smtClean="0"/>
-              <a:t>优点：</a:t>
-            </a:r>
-            <a:endParaRPr lang="zh-CN" altLang="en-US" sz="1750" dirty="0" smtClean="0"/>
-          </a:p>
-          <a:p>
-            <a:pPr marL="800100" lvl="1" indent="-342900">
-              <a:buFont typeface="+mj-ea"/>
-              <a:buAutoNum type="circleNumDbPlain"/>
-            </a:pPr>
-            <a:r>
-              <a:rPr lang="zh-CN" altLang="en-US" sz="1750" dirty="0" smtClean="0"/>
-              <a:t>少去了</a:t>
-            </a:r>
-            <a:r>
-              <a:rPr lang="en-US" altLang="zh-CN" sz="1750" dirty="0" smtClean="0"/>
-              <a:t>function</a:t>
-            </a:r>
-            <a:r>
-              <a:rPr lang="zh-CN" altLang="en-US" sz="1750" dirty="0" smtClean="0"/>
-              <a:t>，写法上更为简洁</a:t>
-            </a:r>
-            <a:endParaRPr lang="zh-CN" altLang="en-US" sz="1750" dirty="0" smtClean="0"/>
-          </a:p>
-          <a:p>
-            <a:pPr marL="800100" lvl="1" indent="-342900">
-              <a:buFont typeface="+mj-ea"/>
-              <a:buAutoNum type="circleNumDbPlain"/>
-            </a:pPr>
-            <a:r>
-              <a:rPr lang="zh-CN" altLang="en-US" sz="1750" dirty="0" smtClean="0"/>
-              <a:t>箭头函数中，</a:t>
-            </a:r>
-            <a:r>
-              <a:rPr lang="en-US" altLang="zh-CN" sz="1750" dirty="0" smtClean="0"/>
-              <a:t>this</a:t>
-            </a:r>
-            <a:r>
-              <a:rPr lang="zh-CN" altLang="en-US" sz="1750" dirty="0" smtClean="0"/>
-              <a:t>的指向有了新的意义</a:t>
-            </a:r>
-            <a:endParaRPr lang="en-US" altLang="zh-CN" sz="1750" dirty="0" smtClean="0"/>
-          </a:p>
-          <a:p>
-            <a:pPr marL="0" indent="0">
-              <a:buNone/>
-            </a:pPr>
+              <a:rPr lang="en-US" altLang="zh-CN" sz="2000" dirty="0" smtClean="0"/>
+              <a:t>ES6 </a:t>
+            </a:r>
+            <a:r>
+              <a:rPr lang="zh-CN" altLang="en-US" sz="2000" dirty="0" smtClean="0"/>
+              <a:t>允许按照一定模式，从数组和对象中提取值，对变量进行赋值，这被称为解构</a:t>
+            </a:r>
             <a:endParaRPr lang="zh-CN" altLang="en-US" sz="2000" dirty="0" smtClean="0"/>
           </a:p>
           <a:p>
@@ -6488,6 +6759,228 @@
       </p:grpSpPr>
       <p:sp>
         <p:nvSpPr>
+          <p:cNvPr id="2" name="标题 1"/>
+          <p:cNvSpPr>
+            <a:spLocks noGrp="1"/>
+          </p:cNvSpPr>
+          <p:nvPr>
+            <p:ph type="title"/>
+          </p:nvPr>
+        </p:nvSpPr>
+        <p:spPr/>
+        <p:txBody>
+          <a:bodyPr>
+            <a:normAutofit fontScale="90000"/>
+          </a:bodyPr>
+          <a:lstStyle/>
+          <a:p>
+            <a:r>
+              <a:rPr lang="en-US" altLang="zh-CN" sz="3200" dirty="0" smtClean="0"/>
+              <a:t/>
+            </a:r>
+            <a:br>
+              <a:rPr lang="en-US" altLang="zh-CN" sz="3200" dirty="0" smtClean="0"/>
+            </a:br>
+            <a:r>
+              <a:rPr lang="en-US" altLang="zh-CN" sz="3200" dirty="0" smtClean="0"/>
+              <a:t/>
+            </a:r>
+            <a:br>
+              <a:rPr lang="en-US" altLang="zh-CN" sz="3200" dirty="0" smtClean="0"/>
+            </a:br>
+            <a:r>
+              <a:rPr lang="zh-CN" altLang="en-US" dirty="0" smtClean="0"/>
+              <a:t>箭头函数</a:t>
+            </a:r>
+            <a:endParaRPr lang="en-US" altLang="zh-CN" b="1" dirty="0" smtClean="0"/>
+          </a:p>
+        </p:txBody>
+      </p:sp>
+      <p:sp>
+        <p:nvSpPr>
+          <p:cNvPr id="3" name="内容占位符 2"/>
+          <p:cNvSpPr>
+            <a:spLocks noGrp="1"/>
+          </p:cNvSpPr>
+          <p:nvPr>
+            <p:ph idx="1"/>
+          </p:nvPr>
+        </p:nvSpPr>
+        <p:spPr/>
+        <p:txBody>
+          <a:bodyPr>
+            <a:normAutofit/>
+          </a:bodyPr>
+          <a:lstStyle/>
+          <a:p>
+            <a:pPr marL="457200" lvl="1" indent="0">
+              <a:buNone/>
+            </a:pPr>
+            <a:r>
+              <a:rPr lang="en-US" altLang="zh-CN" sz="1750" dirty="0" smtClean="0"/>
+              <a:t>ES5</a:t>
+            </a:r>
+            <a:r>
+              <a:rPr lang="zh-CN" altLang="en-US" sz="1750" dirty="0" smtClean="0"/>
+              <a:t>中函数的写法</a:t>
+            </a:r>
+            <a:endParaRPr lang="en-US" altLang="zh-CN" sz="2450" dirty="0" smtClean="0"/>
+          </a:p>
+          <a:p>
+            <a:pPr marL="457200" lvl="1" indent="0">
+              <a:buNone/>
+            </a:pPr>
+            <a:r>
+              <a:rPr lang="en-US" altLang="zh-CN" sz="1750" dirty="0" smtClean="0"/>
+              <a:t>function(){  </a:t>
+            </a:r>
+          </a:p>
+          <a:p>
+            <a:pPr marL="457200" lvl="1" indent="0">
+              <a:buNone/>
+            </a:pPr>
+            <a:r>
+              <a:rPr lang="en-US" altLang="zh-CN" sz="1750" dirty="0" smtClean="0"/>
+              <a:t>}</a:t>
+            </a:r>
+          </a:p>
+          <a:p>
+            <a:pPr marL="457200" lvl="1" indent="0">
+              <a:buNone/>
+            </a:pPr>
+            <a:endParaRPr lang="en-US" altLang="zh-CN" sz="1750" dirty="0" smtClean="0"/>
+          </a:p>
+          <a:p>
+            <a:pPr marL="457200" lvl="1" indent="0">
+              <a:buNone/>
+            </a:pPr>
+            <a:r>
+              <a:rPr lang="en-US" altLang="zh-CN" sz="1750" dirty="0" smtClean="0"/>
+              <a:t>ES6</a:t>
+            </a:r>
+            <a:r>
+              <a:rPr lang="zh-CN" altLang="en-US" sz="1750" dirty="0" smtClean="0"/>
+              <a:t>中函数的写法</a:t>
+            </a:r>
+            <a:endParaRPr lang="en-US" altLang="zh-CN" sz="1750" dirty="0" smtClean="0"/>
+          </a:p>
+          <a:p>
+            <a:pPr marL="457200" lvl="1" indent="0">
+              <a:buNone/>
+            </a:pPr>
+            <a:r>
+              <a:rPr lang="en-US" altLang="zh-CN" sz="1750" dirty="0" smtClean="0">
+                <a:sym typeface="+mn-ea"/>
+              </a:rPr>
+              <a:t> () = &gt; {</a:t>
+            </a:r>
+          </a:p>
+          <a:p>
+            <a:pPr marL="457200" lvl="1" indent="0">
+              <a:buNone/>
+            </a:pPr>
+            <a:r>
+              <a:rPr lang="en-US" altLang="zh-CN" sz="1750" dirty="0" smtClean="0">
+                <a:sym typeface="+mn-ea"/>
+              </a:rPr>
+              <a:t>}</a:t>
+            </a:r>
+          </a:p>
+          <a:p>
+            <a:pPr marL="457200" lvl="1" indent="0">
+              <a:buNone/>
+            </a:pPr>
+            <a:endParaRPr lang="en-US" altLang="zh-CN" sz="1750" dirty="0" smtClean="0">
+              <a:sym typeface="+mn-ea"/>
+            </a:endParaRPr>
+          </a:p>
+          <a:p>
+            <a:pPr marL="457200" lvl="1" indent="0">
+              <a:buNone/>
+            </a:pPr>
+            <a:r>
+              <a:rPr lang="zh-CN" altLang="en-US" sz="1750" dirty="0" smtClean="0"/>
+              <a:t>优点：</a:t>
+            </a:r>
+          </a:p>
+          <a:p>
+            <a:pPr marL="800100" lvl="1" indent="-342900">
+              <a:buFont typeface="+mj-ea"/>
+              <a:buAutoNum type="circleNumDbPlain"/>
+            </a:pPr>
+            <a:r>
+              <a:rPr lang="zh-CN" altLang="en-US" sz="1750" dirty="0" smtClean="0"/>
+              <a:t>少去了</a:t>
+            </a:r>
+            <a:r>
+              <a:rPr lang="en-US" altLang="zh-CN" sz="1750" dirty="0" smtClean="0"/>
+              <a:t>function</a:t>
+            </a:r>
+            <a:r>
+              <a:rPr lang="zh-CN" altLang="en-US" sz="1750" dirty="0" smtClean="0"/>
+              <a:t>，写法上更为简洁</a:t>
+            </a:r>
+          </a:p>
+          <a:p>
+            <a:pPr marL="800100" lvl="1" indent="-342900">
+              <a:buFont typeface="+mj-ea"/>
+              <a:buAutoNum type="circleNumDbPlain"/>
+            </a:pPr>
+            <a:r>
+              <a:rPr lang="zh-CN" altLang="en-US" sz="1750" dirty="0" smtClean="0"/>
+              <a:t>箭头函数中，</a:t>
+            </a:r>
+            <a:r>
+              <a:rPr lang="en-US" altLang="zh-CN" sz="1750" dirty="0" smtClean="0"/>
+              <a:t>this</a:t>
+            </a:r>
+            <a:r>
+              <a:rPr lang="zh-CN" altLang="en-US" sz="1750" dirty="0" smtClean="0"/>
+              <a:t>的指向有了新的意义</a:t>
+            </a:r>
+            <a:endParaRPr lang="en-US" altLang="zh-CN" sz="1750" dirty="0" smtClean="0"/>
+          </a:p>
+          <a:p>
+            <a:pPr marL="0" indent="0">
+              <a:buNone/>
+            </a:pPr>
+            <a:endParaRPr lang="zh-CN" altLang="en-US" sz="2000" dirty="0" smtClean="0"/>
+          </a:p>
+          <a:p>
+            <a:endParaRPr lang="zh-CN" altLang="en-US" sz="2000" dirty="0" smtClean="0"/>
+          </a:p>
+          <a:p>
+            <a:endParaRPr lang="en-US" altLang="zh-CN" sz="2000" dirty="0" smtClean="0"/>
+          </a:p>
+        </p:txBody>
+      </p:sp>
+    </p:spTree>
+  </p:cSld>
+  <p:clrMapOvr>
+    <a:masterClrMapping/>
+  </p:clrMapOvr>
+</p:sld>
+</file>
+
+<file path=ppt/slides/slide16.xml><?xml version="1.0" encoding="utf-8"?>
+<p:sld xmlns:a="http://schemas.openxmlformats.org/drawingml/2006/main" xmlns:r="http://schemas.openxmlformats.org/officeDocument/2006/relationships" xmlns:p="http://schemas.openxmlformats.org/presentationml/2006/main">
+  <p:cSld>
+    <p:spTree>
+      <p:nvGrpSpPr>
+        <p:cNvPr id="1" name=""/>
+        <p:cNvGrpSpPr/>
+        <p:nvPr/>
+      </p:nvGrpSpPr>
+      <p:grpSpPr>
+        <a:xfrm>
+          <a:off x="0" y="0"/>
+          <a:ext cx="0" cy="0"/>
+          <a:chOff x="0" y="0"/>
+          <a:chExt cx="0" cy="0"/>
+        </a:xfrm>
+      </p:grpSpPr>
+      <p:sp>
+        <p:nvSpPr>
           <p:cNvPr id="2" name="TextBox 1"/>
           <p:cNvSpPr txBox="1"/>
           <p:nvPr/>
@@ -6837,6 +7330,8 @@
                   <a:schemeClr val="bg1"/>
                 </a:solidFill>
               </a:rPr>
+              <a:pPr/>
+              <a:t>2</a:t>
             </a:fld>
             <a:endParaRPr lang="zh-CN" altLang="en-US" dirty="0">
               <a:solidFill>
@@ -6895,12 +7390,24 @@
           </a:bodyPr>
           <a:lstStyle/>
           <a:p>
+            <a:r>
+              <a:rPr lang="en-US" altLang="zh-CN" sz="3200" dirty="0" smtClean="0"/>
+              <a:t/>
+            </a:r>
             <a:br>
               <a:rPr lang="en-US" altLang="zh-CN" sz="3200" dirty="0" smtClean="0"/>
             </a:br>
+            <a:r>
+              <a:rPr lang="en-US" altLang="zh-CN" sz="3200" dirty="0" smtClean="0"/>
+              <a:t/>
+            </a:r>
             <a:br>
               <a:rPr lang="en-US" altLang="zh-CN" sz="3200" dirty="0" smtClean="0"/>
             </a:br>
+            <a:r>
+              <a:rPr lang="en-US" altLang="zh-CN" sz="3200" dirty="0" smtClean="0"/>
+              <a:t/>
+            </a:r>
             <a:br>
               <a:rPr lang="en-US" altLang="zh-CN" sz="3200" dirty="0" smtClean="0"/>
             </a:br>
@@ -7028,12 +7535,24 @@
           </a:bodyPr>
           <a:lstStyle/>
           <a:p>
+            <a:r>
+              <a:rPr lang="en-US" altLang="zh-CN" sz="3200" dirty="0" smtClean="0"/>
+              <a:t/>
+            </a:r>
             <a:br>
               <a:rPr lang="en-US" altLang="zh-CN" sz="3200" dirty="0" smtClean="0"/>
             </a:br>
+            <a:r>
+              <a:rPr lang="en-US" altLang="zh-CN" sz="3200" dirty="0" smtClean="0"/>
+              <a:t/>
+            </a:r>
             <a:br>
               <a:rPr lang="en-US" altLang="zh-CN" sz="3200" dirty="0" smtClean="0"/>
             </a:br>
+            <a:r>
+              <a:rPr lang="en-US" altLang="zh-CN" sz="3200" dirty="0" smtClean="0"/>
+              <a:t/>
+            </a:r>
             <a:br>
               <a:rPr lang="en-US" altLang="zh-CN" sz="3200" dirty="0" smtClean="0"/>
             </a:br>
@@ -7312,7 +7831,6 @@
               <a:rPr lang="zh-CN" altLang="en-US" sz="2000" dirty="0" smtClean="0"/>
               <a:t>年</a:t>
             </a:r>
-            <a:endParaRPr lang="zh-CN" altLang="en-US" sz="2000" dirty="0" smtClean="0"/>
           </a:p>
           <a:p>
             <a:endParaRPr lang="zh-CN" altLang="en-US" sz="2000" dirty="0" smtClean="0"/>
@@ -7364,12 +7882,24 @@
           </a:bodyPr>
           <a:lstStyle/>
           <a:p>
+            <a:r>
+              <a:rPr lang="en-US" altLang="zh-CN" sz="3200" dirty="0" smtClean="0"/>
+              <a:t/>
+            </a:r>
             <a:br>
               <a:rPr lang="en-US" altLang="zh-CN" sz="3200" dirty="0" smtClean="0"/>
             </a:br>
+            <a:r>
+              <a:rPr lang="en-US" altLang="zh-CN" sz="3200" dirty="0" smtClean="0"/>
+              <a:t/>
+            </a:r>
             <a:br>
               <a:rPr lang="en-US" altLang="zh-CN" sz="3200" dirty="0" smtClean="0"/>
             </a:br>
+            <a:r>
+              <a:rPr lang="en-US" altLang="zh-CN" sz="3200" dirty="0" smtClean="0"/>
+              <a:t/>
+            </a:r>
             <a:br>
               <a:rPr lang="en-US" altLang="zh-CN" sz="3200" dirty="0" smtClean="0"/>
             </a:br>
@@ -7421,7 +7951,6 @@
               <a:rPr lang="en-US" altLang="zh-CN" sz="2800" dirty="0" smtClean="0"/>
               <a:t>)</a:t>
             </a:r>
-            <a:endParaRPr lang="en-US" altLang="zh-CN" sz="2800" dirty="0" smtClean="0"/>
           </a:p>
           <a:p>
             <a:pPr>
@@ -7469,7 +7998,6 @@
               <a:rPr lang="en-US" altLang="zh-CN" dirty="0" smtClean="0"/>
               <a:t>(https://babeljs.io/repl/)</a:t>
             </a:r>
-            <a:endParaRPr lang="en-US" altLang="zh-CN" dirty="0" smtClean="0"/>
           </a:p>
           <a:p>
             <a:pPr>
@@ -7541,9 +8069,17 @@
           </a:bodyPr>
           <a:lstStyle/>
           <a:p>
+            <a:r>
+              <a:rPr lang="en-US" altLang="zh-CN" sz="3200" dirty="0" smtClean="0"/>
+              <a:t/>
+            </a:r>
             <a:br>
               <a:rPr lang="en-US" altLang="zh-CN" sz="3200" dirty="0" smtClean="0"/>
             </a:br>
+            <a:r>
+              <a:rPr lang="en-US" altLang="zh-CN" sz="3200" dirty="0" smtClean="0"/>
+              <a:t/>
+            </a:r>
             <a:br>
               <a:rPr lang="en-US" altLang="zh-CN" sz="3200" dirty="0" smtClean="0"/>
             </a:br>
@@ -7591,42 +8127,36 @@
               <a:rPr lang="en-US" sz="2400" dirty="0" smtClean="0"/>
               <a:t>const</a:t>
             </a:r>
-            <a:endParaRPr lang="en-US" sz="2400" dirty="0" smtClean="0"/>
           </a:p>
           <a:p>
             <a:r>
               <a:rPr lang="zh-CN" altLang="en-US" sz="2800" dirty="0" smtClean="0"/>
               <a:t>解构赋值</a:t>
             </a:r>
-            <a:endParaRPr lang="zh-CN" altLang="en-US" sz="2800" dirty="0" smtClean="0"/>
           </a:p>
           <a:p>
             <a:r>
               <a:rPr lang="zh-CN" altLang="en-US" sz="2800" dirty="0" smtClean="0"/>
               <a:t>默认参数</a:t>
             </a:r>
-            <a:endParaRPr lang="zh-CN" altLang="en-US" sz="2800" dirty="0" smtClean="0"/>
           </a:p>
           <a:p>
             <a:r>
               <a:rPr lang="zh-CN" altLang="en-US" sz="2800" dirty="0" smtClean="0"/>
               <a:t>模板对象</a:t>
             </a:r>
-            <a:endParaRPr lang="zh-CN" altLang="en-US" sz="2800" dirty="0" smtClean="0"/>
           </a:p>
           <a:p>
             <a:r>
               <a:rPr lang="zh-CN" altLang="en-US" sz="2800" dirty="0" smtClean="0"/>
               <a:t>多行字符串</a:t>
             </a:r>
-            <a:endParaRPr lang="zh-CN" altLang="en-US" sz="2800" dirty="0" smtClean="0"/>
           </a:p>
           <a:p>
             <a:r>
               <a:rPr lang="zh-CN" altLang="en-US" sz="2800" dirty="0" smtClean="0"/>
               <a:t>箭头函数</a:t>
             </a:r>
-            <a:endParaRPr lang="zh-CN" altLang="en-US" sz="2800" dirty="0" smtClean="0"/>
           </a:p>
           <a:p>
             <a:r>
@@ -7685,9 +8215,17 @@
           </a:bodyPr>
           <a:lstStyle/>
           <a:p>
+            <a:r>
+              <a:rPr lang="en-US" altLang="zh-CN" sz="3200" dirty="0" smtClean="0"/>
+              <a:t/>
+            </a:r>
             <a:br>
               <a:rPr lang="en-US" altLang="zh-CN" sz="3200" dirty="0" smtClean="0"/>
             </a:br>
+            <a:r>
+              <a:rPr lang="en-US" altLang="zh-CN" sz="3200" dirty="0" smtClean="0"/>
+              <a:t/>
+            </a:r>
             <a:br>
               <a:rPr lang="en-US" altLang="zh-CN" sz="3200" dirty="0" smtClean="0"/>
             </a:br>
@@ -7751,7 +8289,6 @@
               <a:rPr lang="zh-CN" altLang="en-US" sz="2000" dirty="0" smtClean="0"/>
               <a:t>中，块级作用域起不了任何作用</a:t>
             </a:r>
-            <a:endParaRPr lang="zh-CN" altLang="en-US" sz="2000" dirty="0" smtClean="0"/>
           </a:p>
           <a:p>
             <a:pPr>
@@ -7766,7 +8303,6 @@
               <a:rPr lang="zh-CN" altLang="en-US" sz="2000" dirty="0" smtClean="0"/>
               <a:t>声明一个只读的常量。一旦声明，常量的值就不能改变</a:t>
             </a:r>
-            <a:endParaRPr lang="zh-CN" altLang="en-US" sz="2000" dirty="0" smtClean="0"/>
           </a:p>
           <a:p>
             <a:endParaRPr lang="zh-CN" altLang="en-US" sz="2000" dirty="0" smtClean="0"/>
@@ -7818,9 +8354,17 @@
           </a:bodyPr>
           <a:lstStyle/>
           <a:p>
+            <a:r>
+              <a:rPr lang="en-US" altLang="zh-CN" sz="3200" dirty="0" smtClean="0"/>
+              <a:t/>
+            </a:r>
             <a:br>
               <a:rPr lang="en-US" altLang="zh-CN" sz="3200" dirty="0" smtClean="0"/>
             </a:br>
+            <a:r>
+              <a:rPr lang="en-US" altLang="zh-CN" sz="3200" dirty="0" smtClean="0"/>
+              <a:t/>
+            </a:r>
             <a:br>
               <a:rPr lang="en-US" altLang="zh-CN" sz="3200" dirty="0" smtClean="0"/>
             </a:br>
@@ -7868,7 +8412,6 @@
               <a:rPr lang="zh-CN" altLang="en-US" sz="2400" dirty="0" smtClean="0"/>
               <a:t>声明的变量的作用域是块级的</a:t>
             </a:r>
-            <a:endParaRPr lang="zh-CN" altLang="en-US" sz="2400" dirty="0" smtClean="0"/>
           </a:p>
           <a:p>
             <a:pPr>
@@ -7890,7 +8433,6 @@
               <a:rPr lang="zh-CN" altLang="en-US" sz="2400" dirty="0" smtClean="0"/>
               <a:t>不能重复声明已存在的变量</a:t>
             </a:r>
-            <a:endParaRPr lang="zh-CN" altLang="en-US" sz="2400" dirty="0" smtClean="0"/>
           </a:p>
           <a:p>
             <a:pPr>
@@ -7912,7 +8454,6 @@
               <a:rPr lang="zh-CN" altLang="en-US" sz="2400" dirty="0" smtClean="0"/>
               <a:t>有暂时死区，不会被提升</a:t>
             </a:r>
-            <a:endParaRPr lang="zh-CN" altLang="en-US" sz="2400" dirty="0" smtClean="0"/>
           </a:p>
           <a:p>
             <a:endParaRPr lang="zh-CN" altLang="en-US" sz="2000" dirty="0" smtClean="0"/>
@@ -7964,9 +8505,17 @@
           </a:bodyPr>
           <a:lstStyle/>
           <a:p>
+            <a:r>
+              <a:rPr lang="en-US" altLang="zh-CN" sz="3200" dirty="0" smtClean="0"/>
+              <a:t/>
+            </a:r>
             <a:br>
               <a:rPr lang="en-US" altLang="zh-CN" sz="3200" dirty="0" smtClean="0"/>
             </a:br>
+            <a:r>
+              <a:rPr lang="en-US" altLang="zh-CN" sz="3200" dirty="0" smtClean="0"/>
+              <a:t/>
+            </a:r>
             <a:br>
               <a:rPr lang="en-US" altLang="zh-CN" sz="3200" dirty="0" smtClean="0"/>
             </a:br>
@@ -8120,7 +8669,6 @@
               <a:rPr lang="zh-CN" altLang="en-US" sz="1600" dirty="0" smtClean="0"/>
               <a:t>时，会有以下过程（不完全）：</a:t>
             </a:r>
-            <a:endParaRPr lang="zh-CN" altLang="en-US" sz="1600" dirty="0" smtClean="0"/>
           </a:p>
           <a:p>
             <a:pPr lvl="0">
@@ -8150,7 +8698,6 @@
               <a:rPr lang="zh-CN" altLang="en-US" sz="1600" dirty="0" smtClean="0"/>
               <a:t>创建一个环境。</a:t>
             </a:r>
-            <a:endParaRPr lang="zh-CN" altLang="en-US" sz="1600" dirty="0" smtClean="0"/>
           </a:p>
           <a:p>
             <a:pPr lvl="0">
@@ -8204,7 +8751,6 @@
               <a:rPr lang="zh-CN" altLang="en-US" sz="1600" dirty="0" smtClean="0"/>
               <a:t>）。</a:t>
             </a:r>
-            <a:endParaRPr lang="zh-CN" altLang="en-US" sz="1600" dirty="0" smtClean="0"/>
           </a:p>
           <a:p>
             <a:pPr lvl="0">
@@ -8226,7 +8772,6 @@
               <a:rPr lang="zh-CN" altLang="en-US" sz="1600" dirty="0" smtClean="0"/>
               <a:t>。</a:t>
             </a:r>
-            <a:endParaRPr lang="zh-CN" altLang="en-US" sz="1600" dirty="0" smtClean="0"/>
           </a:p>
           <a:p>
             <a:pPr lvl="0">
@@ -8240,7 +8785,6 @@
               <a:rPr lang="zh-CN" altLang="en-US" sz="1600" dirty="0" smtClean="0"/>
               <a:t>开始执行代码</a:t>
             </a:r>
-            <a:endParaRPr lang="zh-CN" altLang="en-US" sz="1600" dirty="0" smtClean="0"/>
           </a:p>
           <a:p>
             <a:pPr lvl="0">
@@ -8274,7 +8818,6 @@
               <a:rPr lang="en-US" sz="1600" dirty="0" smtClean="0"/>
               <a:t> 1</a:t>
             </a:r>
-            <a:endParaRPr lang="en-US" sz="1600" dirty="0" smtClean="0"/>
           </a:p>
           <a:p>
             <a:pPr lvl="0">
@@ -8338,7 +8881,6 @@
               <a:rPr lang="zh-CN" altLang="en-US" sz="1600" dirty="0" smtClean="0"/>
               <a:t>」。</a:t>
             </a:r>
-            <a:endParaRPr lang="zh-CN" altLang="en-US" sz="1600" dirty="0" smtClean="0"/>
           </a:p>
           <a:p>
             <a:pPr>
@@ -8678,9 +9220,11 @@
       </a:bgFillStyleLst>
     </a:fmtScheme>
   </a:themeElements>
+  <a:objectDefaults/>
+  <a:extraClrSchemeLst/>
   <a:extLst>
     <a:ext uri="{05A4C25C-085E-4340-85A3-A5531E510DB2}">
-      <thm15:themeFamily xmlns:thm15="http://schemas.microsoft.com/office/thememl/2012/main" name="Office Theme" id="{62F939B6-93AF-4DB8-9C6B-D6C7DFDC589F}" vid="{4A3C46E8-61CC-4603-A589-7422A47A8E4A}"/>
+      <thm15:themeFamily xmlns:thm15="http://schemas.microsoft.com/office/thememl/2012/main" xmlns="" name="Office Theme" id="{62F939B6-93AF-4DB8-9C6B-D6C7DFDC589F}" vid="{4A3C46E8-61CC-4603-A589-7422A47A8E4A}"/>
     </a:ext>
   </a:extLst>
 </a:theme>
@@ -8964,9 +9508,11 @@
       </a:bgFillStyleLst>
     </a:fmtScheme>
   </a:themeElements>
+  <a:objectDefaults/>
+  <a:extraClrSchemeLst/>
   <a:extLst>
     <a:ext uri="{05A4C25C-085E-4340-85A3-A5531E510DB2}">
-      <thm15:themeFamily xmlns:thm15="http://schemas.microsoft.com/office/thememl/2012/main" name="Office Theme" id="{62F939B6-93AF-4DB8-9C6B-D6C7DFDC589F}" vid="{4A3C46E8-61CC-4603-A589-7422A47A8E4A}"/>
+      <thm15:themeFamily xmlns:thm15="http://schemas.microsoft.com/office/thememl/2012/main" xmlns="" name="Office Theme" id="{62F939B6-93AF-4DB8-9C6B-D6C7DFDC589F}" vid="{4A3C46E8-61CC-4603-A589-7422A47A8E4A}"/>
     </a:ext>
   </a:extLst>
 </a:theme>
@@ -9223,9 +9769,11 @@
       </a:bgFillStyleLst>
     </a:fmtScheme>
   </a:themeElements>
+  <a:objectDefaults/>
+  <a:extraClrSchemeLst/>
   <a:extLst>
     <a:ext uri="{05A4C25C-085E-4340-85A3-A5531E510DB2}">
-      <thm15:themeFamily xmlns:thm15="http://schemas.microsoft.com/office/thememl/2012/main" name="Office Theme" id="{62F939B6-93AF-4DB8-9C6B-D6C7DFDC589F}" vid="{4A3C46E8-61CC-4603-A589-7422A47A8E4A}"/>
+      <thm15:themeFamily xmlns:thm15="http://schemas.microsoft.com/office/thememl/2012/main" xmlns="" name="Office Theme" id="{62F939B6-93AF-4DB8-9C6B-D6C7DFDC589F}" vid="{4A3C46E8-61CC-4603-A589-7422A47A8E4A}"/>
     </a:ext>
   </a:extLst>
 </a:theme>
